--- a/The Universe is Mine!WideFormat.pptx
+++ b/The Universe is Mine!WideFormat.pptx
@@ -6,7 +6,7 @@
     <p:sldMasterId id="2147483673" r:id="rId3"/>
   </p:sldMasterIdLst>
   <p:notesMasterIdLst>
-    <p:notesMasterId r:id="rId32"/>
+    <p:notesMasterId r:id="rId23"/>
   </p:notesMasterIdLst>
   <p:sldIdLst>
     <p:sldId id="257" r:id="rId4"/>
@@ -21,22 +21,13 @@
     <p:sldId id="277" r:id="rId13"/>
     <p:sldId id="278" r:id="rId14"/>
     <p:sldId id="279" r:id="rId15"/>
-    <p:sldId id="280" r:id="rId16"/>
-    <p:sldId id="281" r:id="rId17"/>
-    <p:sldId id="282" r:id="rId18"/>
-    <p:sldId id="283" r:id="rId19"/>
-    <p:sldId id="275" r:id="rId20"/>
-    <p:sldId id="258" r:id="rId21"/>
-    <p:sldId id="259" r:id="rId22"/>
-    <p:sldId id="260" r:id="rId23"/>
-    <p:sldId id="261" r:id="rId24"/>
-    <p:sldId id="262" r:id="rId25"/>
-    <p:sldId id="263" r:id="rId26"/>
-    <p:sldId id="264" r:id="rId27"/>
-    <p:sldId id="265" r:id="rId28"/>
-    <p:sldId id="266" r:id="rId29"/>
-    <p:sldId id="267" r:id="rId30"/>
-    <p:sldId id="268" r:id="rId31"/>
+    <p:sldId id="285" r:id="rId16"/>
+    <p:sldId id="287" r:id="rId17"/>
+    <p:sldId id="286" r:id="rId18"/>
+    <p:sldId id="281" r:id="rId19"/>
+    <p:sldId id="282" r:id="rId20"/>
+    <p:sldId id="283" r:id="rId21"/>
+    <p:sldId id="275" r:id="rId22"/>
   </p:sldIdLst>
   <p:sldSz cx="12188825" cy="6858000"/>
   <p:notesSz cx="6858000" cy="9144000"/>
@@ -154,1415 +145,6 @@
 </p:presentation>
 </file>
 
-<file path=ppt/charts/chart1.xml><?xml version="1.0" encoding="utf-8"?>
-<c:chartSpace xmlns:c="http://schemas.openxmlformats.org/drawingml/2006/chart" xmlns:a="http://schemas.openxmlformats.org/drawingml/2006/main" xmlns:r="http://schemas.openxmlformats.org/officeDocument/2006/relationships">
-  <c:date1904 val="0"/>
-  <c:lang val="en-US"/>
-  <c:roundedCorners val="0"/>
-  <mc:AlternateContent xmlns:mc="http://schemas.openxmlformats.org/markup-compatibility/2006">
-    <mc:Choice xmlns:c14="http://schemas.microsoft.com/office/drawing/2007/8/2/chart" Requires="c14">
-      <c14:style val="118"/>
-    </mc:Choice>
-    <mc:Fallback>
-      <c:style val="18"/>
-    </mc:Fallback>
-  </mc:AlternateContent>
-  <c:chart>
-    <c:autoTitleDeleted val="0"/>
-    <c:view3D>
-      <c:rotX val="15"/>
-      <c:rotY val="20"/>
-      <c:rAngAx val="1"/>
-    </c:view3D>
-    <c:floor>
-      <c:thickness val="0"/>
-      <c:spPr>
-        <a:solidFill>
-          <a:schemeClr val="accent6"/>
-        </a:solidFill>
-        <a:ln>
-          <a:solidFill>
-            <a:srgbClr val="000000"/>
-          </a:solidFill>
-        </a:ln>
-      </c:spPr>
-    </c:floor>
-    <c:sideWall>
-      <c:thickness val="0"/>
-      <c:spPr>
-        <a:solidFill>
-          <a:schemeClr val="accent2">
-            <a:alpha val="50000"/>
-          </a:schemeClr>
-        </a:solidFill>
-      </c:spPr>
-    </c:sideWall>
-    <c:backWall>
-      <c:thickness val="0"/>
-      <c:spPr>
-        <a:solidFill>
-          <a:schemeClr val="accent2">
-            <a:alpha val="50000"/>
-          </a:schemeClr>
-        </a:solidFill>
-        <a:ln>
-          <a:solidFill>
-            <a:schemeClr val="accent2"/>
-          </a:solidFill>
-        </a:ln>
-      </c:spPr>
-    </c:backWall>
-    <c:plotArea>
-      <c:layout/>
-      <c:bar3DChart>
-        <c:barDir val="col"/>
-        <c:grouping val="clustered"/>
-        <c:varyColors val="0"/>
-        <c:ser>
-          <c:idx val="0"/>
-          <c:order val="0"/>
-          <c:tx>
-            <c:strRef>
-              <c:f>Sheet1!$B$1</c:f>
-              <c:strCache>
-                <c:ptCount val="1"/>
-                <c:pt idx="0">
-                  <c:v>Series 1</c:v>
-                </c:pt>
-              </c:strCache>
-            </c:strRef>
-          </c:tx>
-          <c:invertIfNegative val="0"/>
-          <c:cat>
-            <c:strRef>
-              <c:f>Sheet1!$A$2:$A$5</c:f>
-              <c:strCache>
-                <c:ptCount val="4"/>
-                <c:pt idx="0">
-                  <c:v>Category 1</c:v>
-                </c:pt>
-                <c:pt idx="1">
-                  <c:v>Category 2</c:v>
-                </c:pt>
-                <c:pt idx="2">
-                  <c:v>Category 3</c:v>
-                </c:pt>
-                <c:pt idx="3">
-                  <c:v>Category 4</c:v>
-                </c:pt>
-              </c:strCache>
-            </c:strRef>
-          </c:cat>
-          <c:val>
-            <c:numRef>
-              <c:f>Sheet1!$B$2:$B$5</c:f>
-              <c:numCache>
-                <c:formatCode>General</c:formatCode>
-                <c:ptCount val="4"/>
-                <c:pt idx="0">
-                  <c:v>4.3</c:v>
-                </c:pt>
-                <c:pt idx="1">
-                  <c:v>2.5</c:v>
-                </c:pt>
-                <c:pt idx="2">
-                  <c:v>3.5</c:v>
-                </c:pt>
-                <c:pt idx="3">
-                  <c:v>4.5</c:v>
-                </c:pt>
-              </c:numCache>
-            </c:numRef>
-          </c:val>
-        </c:ser>
-        <c:ser>
-          <c:idx val="1"/>
-          <c:order val="1"/>
-          <c:tx>
-            <c:strRef>
-              <c:f>Sheet1!$C$1</c:f>
-              <c:strCache>
-                <c:ptCount val="1"/>
-                <c:pt idx="0">
-                  <c:v>Series 2</c:v>
-                </c:pt>
-              </c:strCache>
-            </c:strRef>
-          </c:tx>
-          <c:invertIfNegative val="0"/>
-          <c:cat>
-            <c:strRef>
-              <c:f>Sheet1!$A$2:$A$5</c:f>
-              <c:strCache>
-                <c:ptCount val="4"/>
-                <c:pt idx="0">
-                  <c:v>Category 1</c:v>
-                </c:pt>
-                <c:pt idx="1">
-                  <c:v>Category 2</c:v>
-                </c:pt>
-                <c:pt idx="2">
-                  <c:v>Category 3</c:v>
-                </c:pt>
-                <c:pt idx="3">
-                  <c:v>Category 4</c:v>
-                </c:pt>
-              </c:strCache>
-            </c:strRef>
-          </c:cat>
-          <c:val>
-            <c:numRef>
-              <c:f>Sheet1!$C$2:$C$5</c:f>
-              <c:numCache>
-                <c:formatCode>General</c:formatCode>
-                <c:ptCount val="4"/>
-                <c:pt idx="0">
-                  <c:v>2.4</c:v>
-                </c:pt>
-                <c:pt idx="1">
-                  <c:v>4.4000000000000004</c:v>
-                </c:pt>
-                <c:pt idx="2">
-                  <c:v>1.8</c:v>
-                </c:pt>
-                <c:pt idx="3">
-                  <c:v>2.8</c:v>
-                </c:pt>
-              </c:numCache>
-            </c:numRef>
-          </c:val>
-        </c:ser>
-        <c:ser>
-          <c:idx val="2"/>
-          <c:order val="2"/>
-          <c:tx>
-            <c:strRef>
-              <c:f>Sheet1!$D$1</c:f>
-              <c:strCache>
-                <c:ptCount val="1"/>
-                <c:pt idx="0">
-                  <c:v>Series 3</c:v>
-                </c:pt>
-              </c:strCache>
-            </c:strRef>
-          </c:tx>
-          <c:invertIfNegative val="0"/>
-          <c:cat>
-            <c:strRef>
-              <c:f>Sheet1!$A$2:$A$5</c:f>
-              <c:strCache>
-                <c:ptCount val="4"/>
-                <c:pt idx="0">
-                  <c:v>Category 1</c:v>
-                </c:pt>
-                <c:pt idx="1">
-                  <c:v>Category 2</c:v>
-                </c:pt>
-                <c:pt idx="2">
-                  <c:v>Category 3</c:v>
-                </c:pt>
-                <c:pt idx="3">
-                  <c:v>Category 4</c:v>
-                </c:pt>
-              </c:strCache>
-            </c:strRef>
-          </c:cat>
-          <c:val>
-            <c:numRef>
-              <c:f>Sheet1!$D$2:$D$5</c:f>
-              <c:numCache>
-                <c:formatCode>General</c:formatCode>
-                <c:ptCount val="4"/>
-                <c:pt idx="0">
-                  <c:v>2</c:v>
-                </c:pt>
-                <c:pt idx="1">
-                  <c:v>2</c:v>
-                </c:pt>
-                <c:pt idx="2">
-                  <c:v>3</c:v>
-                </c:pt>
-                <c:pt idx="3">
-                  <c:v>5</c:v>
-                </c:pt>
-              </c:numCache>
-            </c:numRef>
-          </c:val>
-        </c:ser>
-        <c:dLbls>
-          <c:showLegendKey val="0"/>
-          <c:showVal val="0"/>
-          <c:showCatName val="0"/>
-          <c:showSerName val="0"/>
-          <c:showPercent val="0"/>
-          <c:showBubbleSize val="0"/>
-        </c:dLbls>
-        <c:gapWidth val="150"/>
-        <c:shape val="cylinder"/>
-        <c:axId val="1780102128"/>
-        <c:axId val="1780105392"/>
-        <c:axId val="0"/>
-      </c:bar3DChart>
-      <c:catAx>
-        <c:axId val="1780102128"/>
-        <c:scaling>
-          <c:orientation val="minMax"/>
-        </c:scaling>
-        <c:delete val="0"/>
-        <c:axPos val="b"/>
-        <c:numFmt formatCode="General" sourceLinked="0"/>
-        <c:majorTickMark val="out"/>
-        <c:minorTickMark val="none"/>
-        <c:tickLblPos val="nextTo"/>
-        <c:spPr>
-          <a:ln>
-            <a:solidFill>
-              <a:schemeClr val="accent2"/>
-            </a:solidFill>
-          </a:ln>
-        </c:spPr>
-        <c:crossAx val="1780105392"/>
-        <c:crosses val="autoZero"/>
-        <c:auto val="1"/>
-        <c:lblAlgn val="ctr"/>
-        <c:lblOffset val="100"/>
-        <c:noMultiLvlLbl val="0"/>
-      </c:catAx>
-      <c:valAx>
-        <c:axId val="1780105392"/>
-        <c:scaling>
-          <c:orientation val="minMax"/>
-        </c:scaling>
-        <c:delete val="0"/>
-        <c:axPos val="l"/>
-        <c:majorGridlines>
-          <c:spPr>
-            <a:ln>
-              <a:solidFill>
-                <a:schemeClr val="accent2"/>
-              </a:solidFill>
-            </a:ln>
-          </c:spPr>
-        </c:majorGridlines>
-        <c:numFmt formatCode="General" sourceLinked="1"/>
-        <c:majorTickMark val="out"/>
-        <c:minorTickMark val="none"/>
-        <c:tickLblPos val="nextTo"/>
-        <c:spPr>
-          <a:ln>
-            <a:solidFill>
-              <a:schemeClr val="accent2"/>
-            </a:solidFill>
-          </a:ln>
-        </c:spPr>
-        <c:crossAx val="1780102128"/>
-        <c:crosses val="autoZero"/>
-        <c:crossBetween val="between"/>
-        <c:majorUnit val="1"/>
-      </c:valAx>
-    </c:plotArea>
-    <c:legend>
-      <c:legendPos val="r"/>
-      <c:overlay val="0"/>
-    </c:legend>
-    <c:plotVisOnly val="1"/>
-    <c:dispBlanksAs val="gap"/>
-    <c:showDLblsOverMax val="0"/>
-  </c:chart>
-  <c:txPr>
-    <a:bodyPr/>
-    <a:lstStyle/>
-    <a:p>
-      <a:pPr>
-        <a:defRPr sz="1800">
-          <a:solidFill>
-            <a:schemeClr val="bg1"/>
-          </a:solidFill>
-        </a:defRPr>
-      </a:pPr>
-      <a:endParaRPr lang="en-US"/>
-    </a:p>
-  </c:txPr>
-  <c:externalData r:id="rId1">
-    <c:autoUpdate val="0"/>
-  </c:externalData>
-</c:chartSpace>
-</file>
-
-<file path=ppt/charts/chart2.xml><?xml version="1.0" encoding="utf-8"?>
-<c:chartSpace xmlns:c="http://schemas.openxmlformats.org/drawingml/2006/chart" xmlns:a="http://schemas.openxmlformats.org/drawingml/2006/main" xmlns:r="http://schemas.openxmlformats.org/officeDocument/2006/relationships">
-  <c:date1904 val="0"/>
-  <c:lang val="en-US"/>
-  <c:roundedCorners val="0"/>
-  <mc:AlternateContent xmlns:mc="http://schemas.openxmlformats.org/markup-compatibility/2006">
-    <mc:Choice xmlns:c14="http://schemas.microsoft.com/office/drawing/2007/8/2/chart" Requires="c14">
-      <c14:style val="126"/>
-    </mc:Choice>
-    <mc:Fallback>
-      <c:style val="26"/>
-    </mc:Fallback>
-  </mc:AlternateContent>
-  <c:chart>
-    <c:title>
-      <c:overlay val="0"/>
-    </c:title>
-    <c:autoTitleDeleted val="0"/>
-    <c:view3D>
-      <c:rotX val="30"/>
-      <c:hPercent val="50"/>
-      <c:rotY val="0"/>
-      <c:depthPercent val="100"/>
-      <c:rAngAx val="0"/>
-    </c:view3D>
-    <c:floor>
-      <c:thickness val="0"/>
-    </c:floor>
-    <c:sideWall>
-      <c:thickness val="0"/>
-    </c:sideWall>
-    <c:backWall>
-      <c:thickness val="0"/>
-    </c:backWall>
-    <c:plotArea>
-      <c:layout>
-        <c:manualLayout>
-          <c:layoutTarget val="inner"/>
-          <c:xMode val="edge"/>
-          <c:yMode val="edge"/>
-          <c:x val="1.1711726218271859E-3"/>
-          <c:y val="0.16578725939722308"/>
-          <c:w val="0.71714774916939061"/>
-          <c:h val="0.82881511893089532"/>
-        </c:manualLayout>
-      </c:layout>
-      <c:pie3DChart>
-        <c:varyColors val="1"/>
-        <c:ser>
-          <c:idx val="0"/>
-          <c:order val="0"/>
-          <c:tx>
-            <c:strRef>
-              <c:f>Sheet1!$B$1</c:f>
-              <c:strCache>
-                <c:ptCount val="1"/>
-                <c:pt idx="0">
-                  <c:v>Chart Title</c:v>
-                </c:pt>
-              </c:strCache>
-            </c:strRef>
-          </c:tx>
-          <c:dLbls>
-            <c:numFmt formatCode="General" sourceLinked="0"/>
-            <c:spPr>
-              <a:noFill/>
-              <a:ln>
-                <a:noFill/>
-              </a:ln>
-              <a:effectLst/>
-            </c:spPr>
-            <c:txPr>
-              <a:bodyPr/>
-              <a:lstStyle/>
-              <a:p>
-                <a:pPr>
-                  <a:defRPr>
-                    <a:solidFill>
-                      <a:schemeClr val="tx1"/>
-                    </a:solidFill>
-                  </a:defRPr>
-                </a:pPr>
-                <a:endParaRPr lang="en-US"/>
-              </a:p>
-            </c:txPr>
-            <c:showLegendKey val="0"/>
-            <c:showVal val="0"/>
-            <c:showCatName val="0"/>
-            <c:showSerName val="0"/>
-            <c:showPercent val="1"/>
-            <c:showBubbleSize val="0"/>
-            <c:showLeaderLines val="1"/>
-            <c:extLst>
-              <c:ext xmlns:c15="http://schemas.microsoft.com/office/drawing/2012/chart" uri="{CE6537A1-D6FC-4f65-9D91-7224C49458BB}"/>
-            </c:extLst>
-          </c:dLbls>
-          <c:cat>
-            <c:strRef>
-              <c:f>Sheet1!$A$2:$A$5</c:f>
-              <c:strCache>
-                <c:ptCount val="4"/>
-                <c:pt idx="0">
-                  <c:v>1st Qtr</c:v>
-                </c:pt>
-                <c:pt idx="1">
-                  <c:v>2nd Qtr</c:v>
-                </c:pt>
-                <c:pt idx="2">
-                  <c:v>3rd Qtr</c:v>
-                </c:pt>
-                <c:pt idx="3">
-                  <c:v>4th Qtr</c:v>
-                </c:pt>
-              </c:strCache>
-            </c:strRef>
-          </c:cat>
-          <c:val>
-            <c:numRef>
-              <c:f>Sheet1!$B$2:$B$5</c:f>
-              <c:numCache>
-                <c:formatCode>General</c:formatCode>
-                <c:ptCount val="4"/>
-                <c:pt idx="0">
-                  <c:v>8.2000000000000011</c:v>
-                </c:pt>
-                <c:pt idx="1">
-                  <c:v>3.2</c:v>
-                </c:pt>
-                <c:pt idx="2">
-                  <c:v>1.4</c:v>
-                </c:pt>
-                <c:pt idx="3">
-                  <c:v>1.2</c:v>
-                </c:pt>
-              </c:numCache>
-            </c:numRef>
-          </c:val>
-        </c:ser>
-        <c:dLbls>
-          <c:showLegendKey val="0"/>
-          <c:showVal val="0"/>
-          <c:showCatName val="0"/>
-          <c:showSerName val="0"/>
-          <c:showPercent val="0"/>
-          <c:showBubbleSize val="0"/>
-          <c:showLeaderLines val="1"/>
-        </c:dLbls>
-      </c:pie3DChart>
-    </c:plotArea>
-    <c:legend>
-      <c:legendPos val="r"/>
-      <c:layout>
-        <c:manualLayout>
-          <c:xMode val="edge"/>
-          <c:yMode val="edge"/>
-          <c:x val="0.71349145773956413"/>
-          <c:y val="0.33069235618712822"/>
-          <c:w val="0.27832858316023629"/>
-          <c:h val="0.42146170730847088"/>
-        </c:manualLayout>
-      </c:layout>
-      <c:overlay val="0"/>
-    </c:legend>
-    <c:plotVisOnly val="1"/>
-    <c:dispBlanksAs val="gap"/>
-    <c:showDLblsOverMax val="0"/>
-  </c:chart>
-  <c:txPr>
-    <a:bodyPr/>
-    <a:lstStyle/>
-    <a:p>
-      <a:pPr>
-        <a:defRPr sz="1800">
-          <a:solidFill>
-            <a:schemeClr val="bg1"/>
-          </a:solidFill>
-        </a:defRPr>
-      </a:pPr>
-      <a:endParaRPr lang="en-US"/>
-    </a:p>
-  </c:txPr>
-  <c:externalData r:id="rId1">
-    <c:autoUpdate val="0"/>
-  </c:externalData>
-</c:chartSpace>
-</file>
-
-<file path=ppt/charts/chart3.xml><?xml version="1.0" encoding="utf-8"?>
-<c:chartSpace xmlns:c="http://schemas.openxmlformats.org/drawingml/2006/chart" xmlns:a="http://schemas.openxmlformats.org/drawingml/2006/main" xmlns:r="http://schemas.openxmlformats.org/officeDocument/2006/relationships">
-  <c:date1904 val="0"/>
-  <c:lang val="en-US"/>
-  <c:roundedCorners val="0"/>
-  <mc:AlternateContent xmlns:mc="http://schemas.openxmlformats.org/markup-compatibility/2006">
-    <mc:Choice xmlns:c14="http://schemas.microsoft.com/office/drawing/2007/8/2/chart" Requires="c14">
-      <c14:style val="102"/>
-    </mc:Choice>
-    <mc:Fallback>
-      <c:style val="2"/>
-    </mc:Fallback>
-  </mc:AlternateContent>
-  <c:chart>
-    <c:autoTitleDeleted val="0"/>
-    <c:plotArea>
-      <c:layout/>
-      <c:lineChart>
-        <c:grouping val="standard"/>
-        <c:varyColors val="0"/>
-        <c:ser>
-          <c:idx val="0"/>
-          <c:order val="0"/>
-          <c:tx>
-            <c:strRef>
-              <c:f>Sheet1!$B$1</c:f>
-              <c:strCache>
-                <c:ptCount val="1"/>
-                <c:pt idx="0">
-                  <c:v>Series 1</c:v>
-                </c:pt>
-              </c:strCache>
-            </c:strRef>
-          </c:tx>
-          <c:spPr>
-            <a:ln w="127000"/>
-            <a:effectLst>
-              <a:outerShdw blurRad="50800" dist="76200" dir="5400000" algn="ctr" rotWithShape="0">
-                <a:srgbClr val="000000">
-                  <a:alpha val="40000"/>
-                </a:srgbClr>
-              </a:outerShdw>
-            </a:effectLst>
-          </c:spPr>
-          <c:marker>
-            <c:symbol val="circle"/>
-            <c:size val="12"/>
-            <c:spPr>
-              <a:effectLst>
-                <a:outerShdw blurRad="50800" dist="76200" dir="5400000" algn="ctr" rotWithShape="0">
-                  <a:srgbClr val="000000">
-                    <a:alpha val="40000"/>
-                  </a:srgbClr>
-                </a:outerShdw>
-              </a:effectLst>
-              <a:scene3d>
-                <a:camera prst="orthographicFront"/>
-                <a:lightRig rig="threePt" dir="t"/>
-              </a:scene3d>
-              <a:sp3d>
-                <a:bevelT prst="relaxedInset"/>
-              </a:sp3d>
-            </c:spPr>
-          </c:marker>
-          <c:cat>
-            <c:strRef>
-              <c:f>Sheet1!$A$2:$A$5</c:f>
-              <c:strCache>
-                <c:ptCount val="4"/>
-                <c:pt idx="0">
-                  <c:v>Category 1</c:v>
-                </c:pt>
-                <c:pt idx="1">
-                  <c:v>Category 2</c:v>
-                </c:pt>
-                <c:pt idx="2">
-                  <c:v>Category 3</c:v>
-                </c:pt>
-                <c:pt idx="3">
-                  <c:v>Category 4</c:v>
-                </c:pt>
-              </c:strCache>
-            </c:strRef>
-          </c:cat>
-          <c:val>
-            <c:numRef>
-              <c:f>Sheet1!$B$2:$B$5</c:f>
-              <c:numCache>
-                <c:formatCode>General</c:formatCode>
-                <c:ptCount val="4"/>
-                <c:pt idx="0">
-                  <c:v>4.3</c:v>
-                </c:pt>
-                <c:pt idx="1">
-                  <c:v>2.5</c:v>
-                </c:pt>
-                <c:pt idx="2">
-                  <c:v>3.5</c:v>
-                </c:pt>
-                <c:pt idx="3">
-                  <c:v>4.5</c:v>
-                </c:pt>
-              </c:numCache>
-            </c:numRef>
-          </c:val>
-          <c:smooth val="0"/>
-        </c:ser>
-        <c:ser>
-          <c:idx val="1"/>
-          <c:order val="1"/>
-          <c:tx>
-            <c:strRef>
-              <c:f>Sheet1!$C$1</c:f>
-              <c:strCache>
-                <c:ptCount val="1"/>
-                <c:pt idx="0">
-                  <c:v>Series 2</c:v>
-                </c:pt>
-              </c:strCache>
-            </c:strRef>
-          </c:tx>
-          <c:spPr>
-            <a:ln w="127000"/>
-            <a:effectLst>
-              <a:outerShdw blurRad="50800" dist="76200" dir="5400000" algn="ctr" rotWithShape="0">
-                <a:srgbClr val="000000">
-                  <a:alpha val="40000"/>
-                </a:srgbClr>
-              </a:outerShdw>
-            </a:effectLst>
-          </c:spPr>
-          <c:marker>
-            <c:symbol val="circle"/>
-            <c:size val="12"/>
-            <c:spPr>
-              <a:effectLst>
-                <a:outerShdw blurRad="50800" dist="76200" dir="5400000" algn="ctr" rotWithShape="0">
-                  <a:srgbClr val="000000">
-                    <a:alpha val="40000"/>
-                  </a:srgbClr>
-                </a:outerShdw>
-              </a:effectLst>
-              <a:scene3d>
-                <a:camera prst="orthographicFront"/>
-                <a:lightRig rig="threePt" dir="t"/>
-              </a:scene3d>
-              <a:sp3d>
-                <a:bevelT prst="relaxedInset"/>
-              </a:sp3d>
-            </c:spPr>
-          </c:marker>
-          <c:cat>
-            <c:strRef>
-              <c:f>Sheet1!$A$2:$A$5</c:f>
-              <c:strCache>
-                <c:ptCount val="4"/>
-                <c:pt idx="0">
-                  <c:v>Category 1</c:v>
-                </c:pt>
-                <c:pt idx="1">
-                  <c:v>Category 2</c:v>
-                </c:pt>
-                <c:pt idx="2">
-                  <c:v>Category 3</c:v>
-                </c:pt>
-                <c:pt idx="3">
-                  <c:v>Category 4</c:v>
-                </c:pt>
-              </c:strCache>
-            </c:strRef>
-          </c:cat>
-          <c:val>
-            <c:numRef>
-              <c:f>Sheet1!$C$2:$C$5</c:f>
-              <c:numCache>
-                <c:formatCode>General</c:formatCode>
-                <c:ptCount val="4"/>
-                <c:pt idx="0">
-                  <c:v>2.4</c:v>
-                </c:pt>
-                <c:pt idx="1">
-                  <c:v>4.4000000000000004</c:v>
-                </c:pt>
-                <c:pt idx="2">
-                  <c:v>1.8</c:v>
-                </c:pt>
-                <c:pt idx="3">
-                  <c:v>2.8</c:v>
-                </c:pt>
-              </c:numCache>
-            </c:numRef>
-          </c:val>
-          <c:smooth val="0"/>
-        </c:ser>
-        <c:ser>
-          <c:idx val="2"/>
-          <c:order val="2"/>
-          <c:tx>
-            <c:strRef>
-              <c:f>Sheet1!$D$1</c:f>
-              <c:strCache>
-                <c:ptCount val="1"/>
-                <c:pt idx="0">
-                  <c:v>Series 3</c:v>
-                </c:pt>
-              </c:strCache>
-            </c:strRef>
-          </c:tx>
-          <c:spPr>
-            <a:ln w="127000"/>
-            <a:effectLst>
-              <a:outerShdw blurRad="50800" dist="76200" dir="5400000" algn="ctr" rotWithShape="0">
-                <a:srgbClr val="000000">
-                  <a:alpha val="40000"/>
-                </a:srgbClr>
-              </a:outerShdw>
-            </a:effectLst>
-          </c:spPr>
-          <c:marker>
-            <c:symbol val="circle"/>
-            <c:size val="12"/>
-            <c:spPr>
-              <a:effectLst>
-                <a:outerShdw blurRad="50800" dist="76200" dir="5400000" algn="ctr" rotWithShape="0">
-                  <a:srgbClr val="000000">
-                    <a:alpha val="40000"/>
-                  </a:srgbClr>
-                </a:outerShdw>
-              </a:effectLst>
-              <a:scene3d>
-                <a:camera prst="orthographicFront"/>
-                <a:lightRig rig="threePt" dir="t"/>
-              </a:scene3d>
-              <a:sp3d>
-                <a:bevelT prst="relaxedInset"/>
-              </a:sp3d>
-            </c:spPr>
-          </c:marker>
-          <c:cat>
-            <c:strRef>
-              <c:f>Sheet1!$A$2:$A$5</c:f>
-              <c:strCache>
-                <c:ptCount val="4"/>
-                <c:pt idx="0">
-                  <c:v>Category 1</c:v>
-                </c:pt>
-                <c:pt idx="1">
-                  <c:v>Category 2</c:v>
-                </c:pt>
-                <c:pt idx="2">
-                  <c:v>Category 3</c:v>
-                </c:pt>
-                <c:pt idx="3">
-                  <c:v>Category 4</c:v>
-                </c:pt>
-              </c:strCache>
-            </c:strRef>
-          </c:cat>
-          <c:val>
-            <c:numRef>
-              <c:f>Sheet1!$D$2:$D$5</c:f>
-              <c:numCache>
-                <c:formatCode>General</c:formatCode>
-                <c:ptCount val="4"/>
-                <c:pt idx="0">
-                  <c:v>2</c:v>
-                </c:pt>
-                <c:pt idx="1">
-                  <c:v>2</c:v>
-                </c:pt>
-                <c:pt idx="2">
-                  <c:v>3</c:v>
-                </c:pt>
-                <c:pt idx="3">
-                  <c:v>5</c:v>
-                </c:pt>
-              </c:numCache>
-            </c:numRef>
-          </c:val>
-          <c:smooth val="0"/>
-        </c:ser>
-        <c:ser>
-          <c:idx val="3"/>
-          <c:order val="3"/>
-          <c:tx>
-            <c:strRef>
-              <c:f>Sheet1!$E$1</c:f>
-              <c:strCache>
-                <c:ptCount val="1"/>
-                <c:pt idx="0">
-                  <c:v>Series 4</c:v>
-                </c:pt>
-              </c:strCache>
-            </c:strRef>
-          </c:tx>
-          <c:spPr>
-            <a:ln w="127000"/>
-            <a:effectLst>
-              <a:outerShdw blurRad="50800" dist="76200" dir="5400000" algn="ctr" rotWithShape="0">
-                <a:srgbClr val="000000">
-                  <a:alpha val="40000"/>
-                </a:srgbClr>
-              </a:outerShdw>
-            </a:effectLst>
-          </c:spPr>
-          <c:marker>
-            <c:symbol val="circle"/>
-            <c:size val="12"/>
-            <c:spPr>
-              <a:effectLst>
-                <a:outerShdw blurRad="50800" dist="76200" dir="5400000" algn="ctr" rotWithShape="0">
-                  <a:srgbClr val="000000">
-                    <a:alpha val="40000"/>
-                  </a:srgbClr>
-                </a:outerShdw>
-              </a:effectLst>
-              <a:scene3d>
-                <a:camera prst="orthographicFront"/>
-                <a:lightRig rig="threePt" dir="t"/>
-              </a:scene3d>
-              <a:sp3d>
-                <a:bevelT prst="relaxedInset"/>
-              </a:sp3d>
-            </c:spPr>
-          </c:marker>
-          <c:cat>
-            <c:strRef>
-              <c:f>Sheet1!$A$2:$A$5</c:f>
-              <c:strCache>
-                <c:ptCount val="4"/>
-                <c:pt idx="0">
-                  <c:v>Category 1</c:v>
-                </c:pt>
-                <c:pt idx="1">
-                  <c:v>Category 2</c:v>
-                </c:pt>
-                <c:pt idx="2">
-                  <c:v>Category 3</c:v>
-                </c:pt>
-                <c:pt idx="3">
-                  <c:v>Category 4</c:v>
-                </c:pt>
-              </c:strCache>
-            </c:strRef>
-          </c:cat>
-          <c:val>
-            <c:numRef>
-              <c:f>Sheet1!$E$2:$E$5</c:f>
-              <c:numCache>
-                <c:formatCode>General</c:formatCode>
-                <c:ptCount val="4"/>
-                <c:pt idx="0">
-                  <c:v>1</c:v>
-                </c:pt>
-                <c:pt idx="1">
-                  <c:v>3</c:v>
-                </c:pt>
-                <c:pt idx="2">
-                  <c:v>5</c:v>
-                </c:pt>
-                <c:pt idx="3">
-                  <c:v>5.5</c:v>
-                </c:pt>
-              </c:numCache>
-            </c:numRef>
-          </c:val>
-          <c:smooth val="0"/>
-        </c:ser>
-        <c:dLbls>
-          <c:showLegendKey val="0"/>
-          <c:showVal val="0"/>
-          <c:showCatName val="0"/>
-          <c:showSerName val="0"/>
-          <c:showPercent val="0"/>
-          <c:showBubbleSize val="0"/>
-        </c:dLbls>
-        <c:marker val="1"/>
-        <c:smooth val="0"/>
-        <c:axId val="1780105936"/>
-        <c:axId val="1780100496"/>
-      </c:lineChart>
-      <c:catAx>
-        <c:axId val="1780105936"/>
-        <c:scaling>
-          <c:orientation val="minMax"/>
-        </c:scaling>
-        <c:delete val="0"/>
-        <c:axPos val="b"/>
-        <c:numFmt formatCode="General" sourceLinked="0"/>
-        <c:majorTickMark val="out"/>
-        <c:minorTickMark val="none"/>
-        <c:tickLblPos val="nextTo"/>
-        <c:spPr>
-          <a:ln>
-            <a:solidFill>
-              <a:schemeClr val="accent2"/>
-            </a:solidFill>
-          </a:ln>
-        </c:spPr>
-        <c:crossAx val="1780100496"/>
-        <c:crosses val="autoZero"/>
-        <c:auto val="1"/>
-        <c:lblAlgn val="ctr"/>
-        <c:lblOffset val="100"/>
-        <c:noMultiLvlLbl val="0"/>
-      </c:catAx>
-      <c:valAx>
-        <c:axId val="1780100496"/>
-        <c:scaling>
-          <c:orientation val="minMax"/>
-        </c:scaling>
-        <c:delete val="0"/>
-        <c:axPos val="l"/>
-        <c:majorGridlines>
-          <c:spPr>
-            <a:ln>
-              <a:solidFill>
-                <a:schemeClr val="accent2"/>
-              </a:solidFill>
-            </a:ln>
-          </c:spPr>
-        </c:majorGridlines>
-        <c:numFmt formatCode="General" sourceLinked="1"/>
-        <c:majorTickMark val="out"/>
-        <c:minorTickMark val="none"/>
-        <c:tickLblPos val="nextTo"/>
-        <c:spPr>
-          <a:ln>
-            <a:solidFill>
-              <a:schemeClr val="accent2"/>
-            </a:solidFill>
-          </a:ln>
-        </c:spPr>
-        <c:crossAx val="1780105936"/>
-        <c:crosses val="autoZero"/>
-        <c:crossBetween val="between"/>
-      </c:valAx>
-      <c:spPr>
-        <a:solidFill>
-          <a:srgbClr val="4F6E9B">
-            <a:alpha val="50000"/>
-          </a:srgbClr>
-        </a:solidFill>
-        <a:ln>
-          <a:solidFill>
-            <a:schemeClr val="accent2"/>
-          </a:solidFill>
-        </a:ln>
-      </c:spPr>
-    </c:plotArea>
-    <c:legend>
-      <c:legendPos val="r"/>
-      <c:overlay val="0"/>
-    </c:legend>
-    <c:plotVisOnly val="1"/>
-    <c:dispBlanksAs val="gap"/>
-    <c:showDLblsOverMax val="0"/>
-  </c:chart>
-  <c:txPr>
-    <a:bodyPr/>
-    <a:lstStyle/>
-    <a:p>
-      <a:pPr>
-        <a:defRPr sz="1800">
-          <a:solidFill>
-            <a:schemeClr val="bg1"/>
-          </a:solidFill>
-        </a:defRPr>
-      </a:pPr>
-      <a:endParaRPr lang="en-US"/>
-    </a:p>
-  </c:txPr>
-  <c:externalData r:id="rId1">
-    <c:autoUpdate val="0"/>
-  </c:externalData>
-</c:chartSpace>
-</file>
-
-<file path=ppt/charts/chart4.xml><?xml version="1.0" encoding="utf-8"?>
-<c:chartSpace xmlns:c="http://schemas.openxmlformats.org/drawingml/2006/chart" xmlns:a="http://schemas.openxmlformats.org/drawingml/2006/main" xmlns:r="http://schemas.openxmlformats.org/officeDocument/2006/relationships">
-  <c:date1904 val="0"/>
-  <c:lang val="en-US"/>
-  <c:roundedCorners val="0"/>
-  <mc:AlternateContent xmlns:mc="http://schemas.openxmlformats.org/markup-compatibility/2006">
-    <mc:Choice xmlns:c14="http://schemas.microsoft.com/office/drawing/2007/8/2/chart" Requires="c14">
-      <c14:style val="126"/>
-    </mc:Choice>
-    <mc:Fallback>
-      <c:style val="26"/>
-    </mc:Fallback>
-  </mc:AlternateContent>
-  <c:chart>
-    <c:autoTitleDeleted val="0"/>
-    <c:plotArea>
-      <c:layout/>
-      <c:areaChart>
-        <c:grouping val="stacked"/>
-        <c:varyColors val="0"/>
-        <c:ser>
-          <c:idx val="0"/>
-          <c:order val="0"/>
-          <c:tx>
-            <c:strRef>
-              <c:f>Sheet1!$B$1</c:f>
-              <c:strCache>
-                <c:ptCount val="1"/>
-                <c:pt idx="0">
-                  <c:v>Series 1</c:v>
-                </c:pt>
-              </c:strCache>
-            </c:strRef>
-          </c:tx>
-          <c:spPr>
-            <a:scene3d>
-              <a:camera prst="orthographicFront"/>
-              <a:lightRig rig="glow" dir="t">
-                <a:rot lat="0" lon="0" rev="5400000"/>
-              </a:lightRig>
-            </a:scene3d>
-            <a:sp3d prstMaterial="flat">
-              <a:bevelT/>
-              <a:contourClr>
-                <a:srgbClr val="000000"/>
-              </a:contourClr>
-            </a:sp3d>
-          </c:spPr>
-          <c:cat>
-            <c:strRef>
-              <c:f>Sheet1!$A$2:$A$5</c:f>
-              <c:strCache>
-                <c:ptCount val="4"/>
-                <c:pt idx="0">
-                  <c:v>Category 1</c:v>
-                </c:pt>
-                <c:pt idx="1">
-                  <c:v>Category 2</c:v>
-                </c:pt>
-                <c:pt idx="2">
-                  <c:v>Category 3</c:v>
-                </c:pt>
-                <c:pt idx="3">
-                  <c:v>Category 4</c:v>
-                </c:pt>
-              </c:strCache>
-            </c:strRef>
-          </c:cat>
-          <c:val>
-            <c:numRef>
-              <c:f>Sheet1!$B$2:$B$5</c:f>
-              <c:numCache>
-                <c:formatCode>General</c:formatCode>
-                <c:ptCount val="4"/>
-                <c:pt idx="0">
-                  <c:v>4.3</c:v>
-                </c:pt>
-                <c:pt idx="1">
-                  <c:v>2.5</c:v>
-                </c:pt>
-                <c:pt idx="2">
-                  <c:v>3.5</c:v>
-                </c:pt>
-                <c:pt idx="3">
-                  <c:v>4.5</c:v>
-                </c:pt>
-              </c:numCache>
-            </c:numRef>
-          </c:val>
-        </c:ser>
-        <c:ser>
-          <c:idx val="1"/>
-          <c:order val="1"/>
-          <c:tx>
-            <c:strRef>
-              <c:f>Sheet1!$C$1</c:f>
-              <c:strCache>
-                <c:ptCount val="1"/>
-                <c:pt idx="0">
-                  <c:v>Series 2</c:v>
-                </c:pt>
-              </c:strCache>
-            </c:strRef>
-          </c:tx>
-          <c:spPr>
-            <a:scene3d>
-              <a:camera prst="orthographicFront"/>
-              <a:lightRig rig="glow" dir="t">
-                <a:rot lat="0" lon="0" rev="5400000"/>
-              </a:lightRig>
-            </a:scene3d>
-            <a:sp3d prstMaterial="flat">
-              <a:bevelT/>
-              <a:contourClr>
-                <a:srgbClr val="000000"/>
-              </a:contourClr>
-            </a:sp3d>
-          </c:spPr>
-          <c:cat>
-            <c:strRef>
-              <c:f>Sheet1!$A$2:$A$5</c:f>
-              <c:strCache>
-                <c:ptCount val="4"/>
-                <c:pt idx="0">
-                  <c:v>Category 1</c:v>
-                </c:pt>
-                <c:pt idx="1">
-                  <c:v>Category 2</c:v>
-                </c:pt>
-                <c:pt idx="2">
-                  <c:v>Category 3</c:v>
-                </c:pt>
-                <c:pt idx="3">
-                  <c:v>Category 4</c:v>
-                </c:pt>
-              </c:strCache>
-            </c:strRef>
-          </c:cat>
-          <c:val>
-            <c:numRef>
-              <c:f>Sheet1!$C$2:$C$5</c:f>
-              <c:numCache>
-                <c:formatCode>General</c:formatCode>
-                <c:ptCount val="4"/>
-                <c:pt idx="0">
-                  <c:v>2.4</c:v>
-                </c:pt>
-                <c:pt idx="1">
-                  <c:v>4.4000000000000004</c:v>
-                </c:pt>
-                <c:pt idx="2">
-                  <c:v>1.8</c:v>
-                </c:pt>
-                <c:pt idx="3">
-                  <c:v>2.8</c:v>
-                </c:pt>
-              </c:numCache>
-            </c:numRef>
-          </c:val>
-        </c:ser>
-        <c:ser>
-          <c:idx val="2"/>
-          <c:order val="2"/>
-          <c:tx>
-            <c:strRef>
-              <c:f>Sheet1!$D$1</c:f>
-              <c:strCache>
-                <c:ptCount val="1"/>
-                <c:pt idx="0">
-                  <c:v>Series 3</c:v>
-                </c:pt>
-              </c:strCache>
-            </c:strRef>
-          </c:tx>
-          <c:spPr>
-            <a:scene3d>
-              <a:camera prst="orthographicFront"/>
-              <a:lightRig rig="glow" dir="t">
-                <a:rot lat="0" lon="0" rev="5400000"/>
-              </a:lightRig>
-            </a:scene3d>
-            <a:sp3d prstMaterial="flat">
-              <a:bevelT/>
-              <a:contourClr>
-                <a:srgbClr val="000000"/>
-              </a:contourClr>
-            </a:sp3d>
-          </c:spPr>
-          <c:cat>
-            <c:strRef>
-              <c:f>Sheet1!$A$2:$A$5</c:f>
-              <c:strCache>
-                <c:ptCount val="4"/>
-                <c:pt idx="0">
-                  <c:v>Category 1</c:v>
-                </c:pt>
-                <c:pt idx="1">
-                  <c:v>Category 2</c:v>
-                </c:pt>
-                <c:pt idx="2">
-                  <c:v>Category 3</c:v>
-                </c:pt>
-                <c:pt idx="3">
-                  <c:v>Category 4</c:v>
-                </c:pt>
-              </c:strCache>
-            </c:strRef>
-          </c:cat>
-          <c:val>
-            <c:numRef>
-              <c:f>Sheet1!$D$2:$D$5</c:f>
-              <c:numCache>
-                <c:formatCode>General</c:formatCode>
-                <c:ptCount val="4"/>
-                <c:pt idx="0">
-                  <c:v>2</c:v>
-                </c:pt>
-                <c:pt idx="1">
-                  <c:v>2</c:v>
-                </c:pt>
-                <c:pt idx="2">
-                  <c:v>3</c:v>
-                </c:pt>
-                <c:pt idx="3">
-                  <c:v>5</c:v>
-                </c:pt>
-              </c:numCache>
-            </c:numRef>
-          </c:val>
-        </c:ser>
-        <c:ser>
-          <c:idx val="3"/>
-          <c:order val="3"/>
-          <c:tx>
-            <c:strRef>
-              <c:f>Sheet1!$E$1</c:f>
-              <c:strCache>
-                <c:ptCount val="1"/>
-                <c:pt idx="0">
-                  <c:v>Series 4</c:v>
-                </c:pt>
-              </c:strCache>
-            </c:strRef>
-          </c:tx>
-          <c:spPr>
-            <a:ln w="25400">
-              <a:noFill/>
-            </a:ln>
-          </c:spPr>
-          <c:cat>
-            <c:strRef>
-              <c:f>Sheet1!$A$2:$A$5</c:f>
-              <c:strCache>
-                <c:ptCount val="4"/>
-                <c:pt idx="0">
-                  <c:v>Category 1</c:v>
-                </c:pt>
-                <c:pt idx="1">
-                  <c:v>Category 2</c:v>
-                </c:pt>
-                <c:pt idx="2">
-                  <c:v>Category 3</c:v>
-                </c:pt>
-                <c:pt idx="3">
-                  <c:v>Category 4</c:v>
-                </c:pt>
-              </c:strCache>
-            </c:strRef>
-          </c:cat>
-          <c:val>
-            <c:numRef>
-              <c:f>Sheet1!$E$2:$E$5</c:f>
-              <c:numCache>
-                <c:formatCode>General</c:formatCode>
-                <c:ptCount val="4"/>
-                <c:pt idx="0">
-                  <c:v>2</c:v>
-                </c:pt>
-                <c:pt idx="1">
-                  <c:v>2</c:v>
-                </c:pt>
-                <c:pt idx="2">
-                  <c:v>2</c:v>
-                </c:pt>
-                <c:pt idx="3">
-                  <c:v>2</c:v>
-                </c:pt>
-              </c:numCache>
-            </c:numRef>
-          </c:val>
-        </c:ser>
-        <c:dLbls>
-          <c:showLegendKey val="0"/>
-          <c:showVal val="0"/>
-          <c:showCatName val="0"/>
-          <c:showSerName val="0"/>
-          <c:showPercent val="0"/>
-          <c:showBubbleSize val="0"/>
-        </c:dLbls>
-        <c:axId val="1690862160"/>
-        <c:axId val="1690854544"/>
-      </c:areaChart>
-      <c:catAx>
-        <c:axId val="1690862160"/>
-        <c:scaling>
-          <c:orientation val="minMax"/>
-        </c:scaling>
-        <c:delete val="0"/>
-        <c:axPos val="b"/>
-        <c:numFmt formatCode="General" sourceLinked="0"/>
-        <c:majorTickMark val="out"/>
-        <c:minorTickMark val="none"/>
-        <c:tickLblPos val="nextTo"/>
-        <c:spPr>
-          <a:ln>
-            <a:solidFill>
-              <a:schemeClr val="accent2"/>
-            </a:solidFill>
-          </a:ln>
-        </c:spPr>
-        <c:crossAx val="1690854544"/>
-        <c:crosses val="autoZero"/>
-        <c:auto val="1"/>
-        <c:lblAlgn val="ctr"/>
-        <c:lblOffset val="100"/>
-        <c:noMultiLvlLbl val="0"/>
-      </c:catAx>
-      <c:valAx>
-        <c:axId val="1690854544"/>
-        <c:scaling>
-          <c:orientation val="minMax"/>
-        </c:scaling>
-        <c:delete val="0"/>
-        <c:axPos val="l"/>
-        <c:majorGridlines>
-          <c:spPr>
-            <a:ln>
-              <a:solidFill>
-                <a:schemeClr val="accent2"/>
-              </a:solidFill>
-            </a:ln>
-          </c:spPr>
-        </c:majorGridlines>
-        <c:numFmt formatCode="General" sourceLinked="1"/>
-        <c:majorTickMark val="out"/>
-        <c:minorTickMark val="none"/>
-        <c:tickLblPos val="nextTo"/>
-        <c:spPr>
-          <a:ln>
-            <a:solidFill>
-              <a:schemeClr val="accent2"/>
-            </a:solidFill>
-          </a:ln>
-        </c:spPr>
-        <c:crossAx val="1690862160"/>
-        <c:crosses val="autoZero"/>
-        <c:crossBetween val="midCat"/>
-      </c:valAx>
-      <c:spPr>
-        <a:solidFill>
-          <a:srgbClr val="4F6E9B">
-            <a:alpha val="50000"/>
-          </a:srgbClr>
-        </a:solidFill>
-        <a:ln>
-          <a:solidFill>
-            <a:schemeClr val="accent2"/>
-          </a:solidFill>
-        </a:ln>
-      </c:spPr>
-    </c:plotArea>
-    <c:legend>
-      <c:legendPos val="r"/>
-      <c:layout>
-        <c:manualLayout>
-          <c:xMode val="edge"/>
-          <c:yMode val="edge"/>
-          <c:x val="0.83192211148120643"/>
-          <c:y val="0.23749938692661748"/>
-          <c:w val="0.16183275854020471"/>
-          <c:h val="0.41217400875861931"/>
-        </c:manualLayout>
-      </c:layout>
-      <c:overlay val="0"/>
-    </c:legend>
-    <c:plotVisOnly val="1"/>
-    <c:dispBlanksAs val="zero"/>
-    <c:showDLblsOverMax val="0"/>
-  </c:chart>
-  <c:txPr>
-    <a:bodyPr/>
-    <a:lstStyle/>
-    <a:p>
-      <a:pPr>
-        <a:defRPr sz="1800">
-          <a:solidFill>
-            <a:schemeClr val="bg1"/>
-          </a:solidFill>
-        </a:defRPr>
-      </a:pPr>
-      <a:endParaRPr lang="en-US"/>
-    </a:p>
-  </c:txPr>
-  <c:externalData r:id="rId1">
-    <c:autoUpdate val="0"/>
-  </c:externalData>
-</c:chartSpace>
-</file>
-
 <file path=ppt/notesMasters/notesMaster1.xml><?xml version="1.0" encoding="utf-8"?>
 <p:notesMaster xmlns:a="http://schemas.openxmlformats.org/drawingml/2006/main" xmlns:r="http://schemas.openxmlformats.org/officeDocument/2006/relationships" xmlns:p="http://schemas.openxmlformats.org/presentationml/2006/main">
   <p:cSld>
@@ -1645,7 +227,7 @@
           <a:p>
             <a:fld id="{65B1E760-7513-44B2-999A-B093073B4895}" type="datetimeFigureOut">
               <a:rPr lang="en-US" smtClean="0"/>
-              <a:t>11/9/2014</a:t>
+              <a:t>11/14/2014</a:t>
             </a:fld>
             <a:endParaRPr lang="en-US"/>
           </a:p>
@@ -2007,7 +589,7 @@
             <a:fld id="{81331B57-0BE5-4F82-AA58-76F53EFF3ADA}" type="datetime8">
               <a:rPr lang="en-US" smtClean="0"/>
               <a:pPr/>
-              <a:t>11/9/2014 6:30 PM</a:t>
+              <a:t>11/14/2014 12:34 PM</a:t>
             </a:fld>
             <a:endParaRPr lang="en-US" dirty="0"/>
           </a:p>
@@ -2105,1155 +687,6 @@
     <p:extLst>
       <p:ext uri="{BB962C8B-B14F-4D97-AF65-F5344CB8AC3E}">
         <p14:creationId xmlns:p14="http://schemas.microsoft.com/office/powerpoint/2010/main" val="3003164667"/>
-      </p:ext>
-    </p:extLst>
-  </p:cSld>
-  <p:clrMapOvr>
-    <a:masterClrMapping/>
-  </p:clrMapOvr>
-</p:notes>
-</file>
-
-<file path=ppt/notesSlides/notesSlide10.xml><?xml version="1.0" encoding="utf-8"?>
-<p:notes xmlns:a="http://schemas.openxmlformats.org/drawingml/2006/main" xmlns:r="http://schemas.openxmlformats.org/officeDocument/2006/relationships" xmlns:p="http://schemas.openxmlformats.org/presentationml/2006/main">
-  <p:cSld>
-    <p:spTree>
-      <p:nvGrpSpPr>
-        <p:cNvPr id="1" name=""/>
-        <p:cNvGrpSpPr/>
-        <p:nvPr/>
-      </p:nvGrpSpPr>
-      <p:grpSpPr>
-        <a:xfrm>
-          <a:off x="0" y="0"/>
-          <a:ext cx="0" cy="0"/>
-          <a:chOff x="0" y="0"/>
-          <a:chExt cx="0" cy="0"/>
-        </a:xfrm>
-      </p:grpSpPr>
-      <p:sp>
-        <p:nvSpPr>
-          <p:cNvPr id="2" name="Slide Image Placeholder 1"/>
-          <p:cNvSpPr>
-            <a:spLocks noGrp="1" noRot="1" noChangeAspect="1"/>
-          </p:cNvSpPr>
-          <p:nvPr>
-            <p:ph type="sldImg"/>
-          </p:nvPr>
-        </p:nvSpPr>
-        <p:spPr>
-          <a:xfrm>
-            <a:off x="382588" y="685800"/>
-            <a:ext cx="6092825" cy="3429000"/>
-          </a:xfrm>
-        </p:spPr>
-      </p:sp>
-      <p:sp>
-        <p:nvSpPr>
-          <p:cNvPr id="3" name="Notes Placeholder 2"/>
-          <p:cNvSpPr>
-            <a:spLocks noGrp="1"/>
-          </p:cNvSpPr>
-          <p:nvPr>
-            <p:ph type="body" idx="1"/>
-          </p:nvPr>
-        </p:nvSpPr>
-        <p:spPr/>
-        <p:txBody>
-          <a:bodyPr>
-            <a:normAutofit/>
-          </a:bodyPr>
-          <a:lstStyle/>
-          <a:p>
-            <a:endParaRPr lang="en-US"/>
-          </a:p>
-        </p:txBody>
-      </p:sp>
-      <p:sp>
-        <p:nvSpPr>
-          <p:cNvPr id="4" name="Slide Number Placeholder 3"/>
-          <p:cNvSpPr>
-            <a:spLocks noGrp="1"/>
-          </p:cNvSpPr>
-          <p:nvPr>
-            <p:ph type="sldNum" sz="quarter" idx="10"/>
-          </p:nvPr>
-        </p:nvSpPr>
-        <p:spPr/>
-        <p:txBody>
-          <a:bodyPr/>
-          <a:lstStyle/>
-          <a:p>
-            <a:fld id="{8B263312-38AA-4E1E-B2B5-0F8F122B24FE}" type="slidenum">
-              <a:rPr lang="en-US" smtClean="0"/>
-              <a:pPr/>
-              <a:t>23</a:t>
-            </a:fld>
-            <a:endParaRPr lang="en-US" dirty="0"/>
-          </a:p>
-        </p:txBody>
-      </p:sp>
-      <p:sp>
-        <p:nvSpPr>
-          <p:cNvPr id="5" name="Header Placeholder 3"/>
-          <p:cNvSpPr>
-            <a:spLocks noGrp="1"/>
-          </p:cNvSpPr>
-          <p:nvPr>
-            <p:ph type="hdr" sz="quarter"/>
-          </p:nvPr>
-        </p:nvSpPr>
-        <p:spPr>
-          <a:xfrm>
-            <a:off x="0" y="0"/>
-            <a:ext cx="2971800" cy="457200"/>
-          </a:xfrm>
-        </p:spPr>
-        <p:txBody>
-          <a:bodyPr/>
-          <a:lstStyle/>
-          <a:p>
-            <a:endParaRPr lang="en-US" dirty="0"/>
-          </a:p>
-        </p:txBody>
-      </p:sp>
-      <p:sp>
-        <p:nvSpPr>
-          <p:cNvPr id="6" name="Date Placeholder 4"/>
-          <p:cNvSpPr>
-            <a:spLocks noGrp="1"/>
-          </p:cNvSpPr>
-          <p:nvPr>
-            <p:ph type="dt" idx="1"/>
-          </p:nvPr>
-        </p:nvSpPr>
-        <p:spPr>
-          <a:xfrm>
-            <a:off x="3884613" y="0"/>
-            <a:ext cx="2971800" cy="457200"/>
-          </a:xfrm>
-        </p:spPr>
-        <p:txBody>
-          <a:bodyPr/>
-          <a:lstStyle/>
-          <a:p>
-            <a:fld id="{81331B57-0BE5-4F82-AA58-76F53EFF3ADA}" type="datetime8">
-              <a:rPr lang="en-US" smtClean="0"/>
-              <a:pPr/>
-              <a:t>11/9/2014 6:30 PM</a:t>
-            </a:fld>
-            <a:endParaRPr lang="en-US" dirty="0"/>
-          </a:p>
-        </p:txBody>
-      </p:sp>
-      <p:sp>
-        <p:nvSpPr>
-          <p:cNvPr id="7" name="Footer Placeholder 5"/>
-          <p:cNvSpPr>
-            <a:spLocks noGrp="1"/>
-          </p:cNvSpPr>
-          <p:nvPr>
-            <p:ph type="ftr" sz="quarter" idx="4"/>
-          </p:nvPr>
-        </p:nvSpPr>
-        <p:spPr>
-          <a:xfrm>
-            <a:off x="0" y="8685213"/>
-            <a:ext cx="6172200" cy="457200"/>
-          </a:xfrm>
-        </p:spPr>
-        <p:txBody>
-          <a:bodyPr/>
-          <a:lstStyle/>
-          <a:p>
-            <a:r>
-              <a:rPr lang="en-US" sz="500" dirty="0" smtClean="0">
-                <a:solidFill>
-                  <a:srgbClr val="000000"/>
-                </a:solidFill>
-              </a:rPr>
-              <a:t>© 2007 Microsoft Corporation. All rights reserved. Microsoft, Windows, Windows Vista and other product names are or may be registered trademarks and/or trademarks in the U.S. and/or other countries.</a:t>
-            </a:r>
-          </a:p>
-          <a:p>
-            <a:r>
-              <a:rPr lang="en-US" sz="500" dirty="0" smtClean="0">
-                <a:solidFill>
-                  <a:srgbClr val="000000"/>
-                </a:solidFill>
-              </a:rPr>
-              <a:t>The information herein is for informational purposes only and represents the current view of Microsoft Corporation as of the date of this presentation.  Because Microsoft must respond to changing market conditions, it should not be interpreted to be a commitment on the part of Microsoft, and Microsoft cannot guarantee the accuracy of any information provided after the date of this presentation.  </a:t>
-            </a:r>
-            <a:br>
-              <a:rPr lang="en-US" sz="500" dirty="0" smtClean="0">
-                <a:solidFill>
-                  <a:srgbClr val="000000"/>
-                </a:solidFill>
-              </a:rPr>
-            </a:br>
-            <a:r>
-              <a:rPr lang="en-US" sz="500" dirty="0" smtClean="0">
-                <a:solidFill>
-                  <a:srgbClr val="000000"/>
-                </a:solidFill>
-              </a:rPr>
-              <a:t>MICROSOFT MAKES NO WARRANTIES, EXPRESS, IMPLIED OR STATUTORY, AS TO THE INFORMATION IN THIS PRESENTATION.</a:t>
-            </a:r>
-          </a:p>
-          <a:p>
-            <a:endParaRPr lang="en-US" sz="500" dirty="0"/>
-          </a:p>
-        </p:txBody>
-      </p:sp>
-    </p:spTree>
-    <p:extLst>
-      <p:ext uri="{BB962C8B-B14F-4D97-AF65-F5344CB8AC3E}">
-        <p14:creationId xmlns:p14="http://schemas.microsoft.com/office/powerpoint/2010/main" val="2480137276"/>
-      </p:ext>
-    </p:extLst>
-  </p:cSld>
-  <p:clrMapOvr>
-    <a:masterClrMapping/>
-  </p:clrMapOvr>
-</p:notes>
-</file>
-
-<file path=ppt/notesSlides/notesSlide11.xml><?xml version="1.0" encoding="utf-8"?>
-<p:notes xmlns:a="http://schemas.openxmlformats.org/drawingml/2006/main" xmlns:r="http://schemas.openxmlformats.org/officeDocument/2006/relationships" xmlns:p="http://schemas.openxmlformats.org/presentationml/2006/main">
-  <p:cSld>
-    <p:spTree>
-      <p:nvGrpSpPr>
-        <p:cNvPr id="1" name=""/>
-        <p:cNvGrpSpPr/>
-        <p:nvPr/>
-      </p:nvGrpSpPr>
-      <p:grpSpPr>
-        <a:xfrm>
-          <a:off x="0" y="0"/>
-          <a:ext cx="0" cy="0"/>
-          <a:chOff x="0" y="0"/>
-          <a:chExt cx="0" cy="0"/>
-        </a:xfrm>
-      </p:grpSpPr>
-      <p:sp>
-        <p:nvSpPr>
-          <p:cNvPr id="2" name="Slide Image Placeholder 1"/>
-          <p:cNvSpPr>
-            <a:spLocks noGrp="1" noRot="1" noChangeAspect="1"/>
-          </p:cNvSpPr>
-          <p:nvPr>
-            <p:ph type="sldImg"/>
-          </p:nvPr>
-        </p:nvSpPr>
-        <p:spPr>
-          <a:xfrm>
-            <a:off x="382588" y="685800"/>
-            <a:ext cx="6092825" cy="3429000"/>
-          </a:xfrm>
-        </p:spPr>
-      </p:sp>
-      <p:sp>
-        <p:nvSpPr>
-          <p:cNvPr id="3" name="Notes Placeholder 2"/>
-          <p:cNvSpPr>
-            <a:spLocks noGrp="1"/>
-          </p:cNvSpPr>
-          <p:nvPr>
-            <p:ph type="body" idx="1"/>
-          </p:nvPr>
-        </p:nvSpPr>
-        <p:spPr/>
-        <p:txBody>
-          <a:bodyPr>
-            <a:normAutofit/>
-          </a:bodyPr>
-          <a:lstStyle/>
-          <a:p>
-            <a:endParaRPr lang="en-US" dirty="0"/>
-          </a:p>
-        </p:txBody>
-      </p:sp>
-      <p:sp>
-        <p:nvSpPr>
-          <p:cNvPr id="4" name="Header Placeholder 3"/>
-          <p:cNvSpPr>
-            <a:spLocks noGrp="1"/>
-          </p:cNvSpPr>
-          <p:nvPr>
-            <p:ph type="hdr" sz="quarter" idx="10"/>
-          </p:nvPr>
-        </p:nvSpPr>
-        <p:spPr/>
-        <p:txBody>
-          <a:bodyPr/>
-          <a:lstStyle/>
-          <a:p>
-            <a:endParaRPr lang="en-US" dirty="0"/>
-          </a:p>
-        </p:txBody>
-      </p:sp>
-      <p:sp>
-        <p:nvSpPr>
-          <p:cNvPr id="5" name="Date Placeholder 4"/>
-          <p:cNvSpPr>
-            <a:spLocks noGrp="1"/>
-          </p:cNvSpPr>
-          <p:nvPr>
-            <p:ph type="dt" idx="11"/>
-          </p:nvPr>
-        </p:nvSpPr>
-        <p:spPr/>
-        <p:txBody>
-          <a:bodyPr/>
-          <a:lstStyle/>
-          <a:p>
-            <a:fld id="{81331B57-0BE5-4F82-AA58-76F53EFF3ADA}" type="datetime8">
-              <a:rPr lang="en-US" smtClean="0"/>
-              <a:pPr/>
-              <a:t>11/9/2014 6:30 PM</a:t>
-            </a:fld>
-            <a:endParaRPr lang="en-US"/>
-          </a:p>
-        </p:txBody>
-      </p:sp>
-      <p:sp>
-        <p:nvSpPr>
-          <p:cNvPr id="6" name="Footer Placeholder 5"/>
-          <p:cNvSpPr>
-            <a:spLocks noGrp="1"/>
-          </p:cNvSpPr>
-          <p:nvPr>
-            <p:ph type="ftr" sz="quarter" idx="12"/>
-          </p:nvPr>
-        </p:nvSpPr>
-        <p:spPr/>
-        <p:txBody>
-          <a:bodyPr/>
-          <a:lstStyle/>
-          <a:p>
-            <a:r>
-              <a:rPr lang="en-US" smtClean="0">
-                <a:solidFill>
-                  <a:srgbClr val="000000"/>
-                </a:solidFill>
-              </a:rPr>
-              <a:t>© 2007 Microsoft Corporation. All rights reserved. Microsoft, Windows, Windows Vista and other product names are or may be registered trademarks and/or trademarks in the U.S. and/or other countries.</a:t>
-            </a:r>
-          </a:p>
-          <a:p>
-            <a:r>
-              <a:rPr lang="en-US" smtClean="0">
-                <a:solidFill>
-                  <a:srgbClr val="000000"/>
-                </a:solidFill>
-              </a:rPr>
-              <a:t>The information herein is for informational purposes only and represents the current view of Microsoft Corporation as of the date of this presentation.  Because Microsoft must respond to changing market conditions, it should not be interpreted to be a commitment on the part of Microsoft, and Microsoft cannot guarantee the accuracy of any information provided after the date of this presentation.  </a:t>
-            </a:r>
-            <a:br>
-              <a:rPr lang="en-US" smtClean="0">
-                <a:solidFill>
-                  <a:srgbClr val="000000"/>
-                </a:solidFill>
-              </a:rPr>
-            </a:br>
-            <a:r>
-              <a:rPr lang="en-US" smtClean="0">
-                <a:solidFill>
-                  <a:srgbClr val="000000"/>
-                </a:solidFill>
-              </a:rPr>
-              <a:t>MICROSOFT MAKES NO WARRANTIES, EXPRESS, IMPLIED OR STATUTORY, AS TO THE INFORMATION IN THIS PRESENTATION.</a:t>
-            </a:r>
-          </a:p>
-          <a:p>
-            <a:endParaRPr lang="en-US" dirty="0"/>
-          </a:p>
-        </p:txBody>
-      </p:sp>
-      <p:sp>
-        <p:nvSpPr>
-          <p:cNvPr id="7" name="Slide Number Placeholder 6"/>
-          <p:cNvSpPr>
-            <a:spLocks noGrp="1"/>
-          </p:cNvSpPr>
-          <p:nvPr>
-            <p:ph type="sldNum" sz="quarter" idx="13"/>
-          </p:nvPr>
-        </p:nvSpPr>
-        <p:spPr/>
-        <p:txBody>
-          <a:bodyPr/>
-          <a:lstStyle/>
-          <a:p>
-            <a:fld id="{EC87E0CF-87F6-4B58-B8B8-DCAB2DAAF3CA}" type="slidenum">
-              <a:rPr lang="en-US" smtClean="0"/>
-              <a:pPr/>
-              <a:t>24</a:t>
-            </a:fld>
-            <a:endParaRPr lang="en-US" dirty="0"/>
-          </a:p>
-        </p:txBody>
-      </p:sp>
-    </p:spTree>
-    <p:extLst>
-      <p:ext uri="{BB962C8B-B14F-4D97-AF65-F5344CB8AC3E}">
-        <p14:creationId xmlns:p14="http://schemas.microsoft.com/office/powerpoint/2010/main" val="941737122"/>
-      </p:ext>
-    </p:extLst>
-  </p:cSld>
-  <p:clrMapOvr>
-    <a:masterClrMapping/>
-  </p:clrMapOvr>
-</p:notes>
-</file>
-
-<file path=ppt/notesSlides/notesSlide12.xml><?xml version="1.0" encoding="utf-8"?>
-<p:notes xmlns:a="http://schemas.openxmlformats.org/drawingml/2006/main" xmlns:r="http://schemas.openxmlformats.org/officeDocument/2006/relationships" xmlns:p="http://schemas.openxmlformats.org/presentationml/2006/main">
-  <p:cSld>
-    <p:spTree>
-      <p:nvGrpSpPr>
-        <p:cNvPr id="1" name=""/>
-        <p:cNvGrpSpPr/>
-        <p:nvPr/>
-      </p:nvGrpSpPr>
-      <p:grpSpPr>
-        <a:xfrm>
-          <a:off x="0" y="0"/>
-          <a:ext cx="0" cy="0"/>
-          <a:chOff x="0" y="0"/>
-          <a:chExt cx="0" cy="0"/>
-        </a:xfrm>
-      </p:grpSpPr>
-      <p:sp>
-        <p:nvSpPr>
-          <p:cNvPr id="2" name="Slide Image Placeholder 1"/>
-          <p:cNvSpPr>
-            <a:spLocks noGrp="1" noRot="1" noChangeAspect="1"/>
-          </p:cNvSpPr>
-          <p:nvPr>
-            <p:ph type="sldImg"/>
-          </p:nvPr>
-        </p:nvSpPr>
-        <p:spPr>
-          <a:xfrm>
-            <a:off x="382588" y="685800"/>
-            <a:ext cx="6092825" cy="3429000"/>
-          </a:xfrm>
-        </p:spPr>
-      </p:sp>
-      <p:sp>
-        <p:nvSpPr>
-          <p:cNvPr id="3" name="Notes Placeholder 2"/>
-          <p:cNvSpPr>
-            <a:spLocks noGrp="1"/>
-          </p:cNvSpPr>
-          <p:nvPr>
-            <p:ph type="body" idx="1"/>
-          </p:nvPr>
-        </p:nvSpPr>
-        <p:spPr/>
-        <p:txBody>
-          <a:bodyPr>
-            <a:normAutofit/>
-          </a:bodyPr>
-          <a:lstStyle/>
-          <a:p>
-            <a:endParaRPr lang="en-US"/>
-          </a:p>
-        </p:txBody>
-      </p:sp>
-      <p:sp>
-        <p:nvSpPr>
-          <p:cNvPr id="4" name="Header Placeholder 3"/>
-          <p:cNvSpPr>
-            <a:spLocks noGrp="1"/>
-          </p:cNvSpPr>
-          <p:nvPr>
-            <p:ph type="hdr" sz="quarter" idx="10"/>
-          </p:nvPr>
-        </p:nvSpPr>
-        <p:spPr/>
-        <p:txBody>
-          <a:bodyPr/>
-          <a:lstStyle/>
-          <a:p>
-            <a:endParaRPr lang="en-US" dirty="0"/>
-          </a:p>
-        </p:txBody>
-      </p:sp>
-      <p:sp>
-        <p:nvSpPr>
-          <p:cNvPr id="5" name="Date Placeholder 4"/>
-          <p:cNvSpPr>
-            <a:spLocks noGrp="1"/>
-          </p:cNvSpPr>
-          <p:nvPr>
-            <p:ph type="dt" idx="11"/>
-          </p:nvPr>
-        </p:nvSpPr>
-        <p:spPr/>
-        <p:txBody>
-          <a:bodyPr/>
-          <a:lstStyle/>
-          <a:p>
-            <a:fld id="{81331B57-0BE5-4F82-AA58-76F53EFF3ADA}" type="datetime8">
-              <a:rPr lang="en-US" smtClean="0"/>
-              <a:pPr/>
-              <a:t>11/9/2014 6:30 PM</a:t>
-            </a:fld>
-            <a:endParaRPr lang="en-US"/>
-          </a:p>
-        </p:txBody>
-      </p:sp>
-      <p:sp>
-        <p:nvSpPr>
-          <p:cNvPr id="6" name="Footer Placeholder 5"/>
-          <p:cNvSpPr>
-            <a:spLocks noGrp="1"/>
-          </p:cNvSpPr>
-          <p:nvPr>
-            <p:ph type="ftr" sz="quarter" idx="12"/>
-          </p:nvPr>
-        </p:nvSpPr>
-        <p:spPr/>
-        <p:txBody>
-          <a:bodyPr/>
-          <a:lstStyle/>
-          <a:p>
-            <a:r>
-              <a:rPr lang="en-US" smtClean="0">
-                <a:solidFill>
-                  <a:srgbClr val="000000"/>
-                </a:solidFill>
-              </a:rPr>
-              <a:t>© 2007 Microsoft Corporation. All rights reserved. Microsoft, Windows, Windows Vista and other product names are or may be registered trademarks and/or trademarks in the U.S. and/or other countries.</a:t>
-            </a:r>
-          </a:p>
-          <a:p>
-            <a:r>
-              <a:rPr lang="en-US" smtClean="0">
-                <a:solidFill>
-                  <a:srgbClr val="000000"/>
-                </a:solidFill>
-              </a:rPr>
-              <a:t>The information herein is for informational purposes only and represents the current view of Microsoft Corporation as of the date of this presentation.  Because Microsoft must respond to changing market conditions, it should not be interpreted to be a commitment on the part of Microsoft, and Microsoft cannot guarantee the accuracy of any information provided after the date of this presentation.  </a:t>
-            </a:r>
-            <a:br>
-              <a:rPr lang="en-US" smtClean="0">
-                <a:solidFill>
-                  <a:srgbClr val="000000"/>
-                </a:solidFill>
-              </a:rPr>
-            </a:br>
-            <a:r>
-              <a:rPr lang="en-US" smtClean="0">
-                <a:solidFill>
-                  <a:srgbClr val="000000"/>
-                </a:solidFill>
-              </a:rPr>
-              <a:t>MICROSOFT MAKES NO WARRANTIES, EXPRESS, IMPLIED OR STATUTORY, AS TO THE INFORMATION IN THIS PRESENTATION.</a:t>
-            </a:r>
-          </a:p>
-          <a:p>
-            <a:endParaRPr lang="en-US" dirty="0"/>
-          </a:p>
-        </p:txBody>
-      </p:sp>
-      <p:sp>
-        <p:nvSpPr>
-          <p:cNvPr id="7" name="Slide Number Placeholder 6"/>
-          <p:cNvSpPr>
-            <a:spLocks noGrp="1"/>
-          </p:cNvSpPr>
-          <p:nvPr>
-            <p:ph type="sldNum" sz="quarter" idx="13"/>
-          </p:nvPr>
-        </p:nvSpPr>
-        <p:spPr/>
-        <p:txBody>
-          <a:bodyPr/>
-          <a:lstStyle/>
-          <a:p>
-            <a:fld id="{EC87E0CF-87F6-4B58-B8B8-DCAB2DAAF3CA}" type="slidenum">
-              <a:rPr lang="en-US" smtClean="0"/>
-              <a:pPr/>
-              <a:t>25</a:t>
-            </a:fld>
-            <a:endParaRPr lang="en-US" dirty="0"/>
-          </a:p>
-        </p:txBody>
-      </p:sp>
-    </p:spTree>
-    <p:extLst>
-      <p:ext uri="{BB962C8B-B14F-4D97-AF65-F5344CB8AC3E}">
-        <p14:creationId xmlns:p14="http://schemas.microsoft.com/office/powerpoint/2010/main" val="1091833927"/>
-      </p:ext>
-    </p:extLst>
-  </p:cSld>
-  <p:clrMapOvr>
-    <a:masterClrMapping/>
-  </p:clrMapOvr>
-</p:notes>
-</file>
-
-<file path=ppt/notesSlides/notesSlide13.xml><?xml version="1.0" encoding="utf-8"?>
-<p:notes xmlns:a="http://schemas.openxmlformats.org/drawingml/2006/main" xmlns:r="http://schemas.openxmlformats.org/officeDocument/2006/relationships" xmlns:p="http://schemas.openxmlformats.org/presentationml/2006/main">
-  <p:cSld>
-    <p:spTree>
-      <p:nvGrpSpPr>
-        <p:cNvPr id="1" name=""/>
-        <p:cNvGrpSpPr/>
-        <p:nvPr/>
-      </p:nvGrpSpPr>
-      <p:grpSpPr>
-        <a:xfrm>
-          <a:off x="0" y="0"/>
-          <a:ext cx="0" cy="0"/>
-          <a:chOff x="0" y="0"/>
-          <a:chExt cx="0" cy="0"/>
-        </a:xfrm>
-      </p:grpSpPr>
-      <p:sp>
-        <p:nvSpPr>
-          <p:cNvPr id="2" name="Slide Image Placeholder 1"/>
-          <p:cNvSpPr>
-            <a:spLocks noGrp="1" noRot="1" noChangeAspect="1"/>
-          </p:cNvSpPr>
-          <p:nvPr>
-            <p:ph type="sldImg"/>
-          </p:nvPr>
-        </p:nvSpPr>
-        <p:spPr>
-          <a:xfrm>
-            <a:off x="382588" y="685800"/>
-            <a:ext cx="6092825" cy="3429000"/>
-          </a:xfrm>
-        </p:spPr>
-      </p:sp>
-      <p:sp>
-        <p:nvSpPr>
-          <p:cNvPr id="3" name="Notes Placeholder 2"/>
-          <p:cNvSpPr>
-            <a:spLocks noGrp="1"/>
-          </p:cNvSpPr>
-          <p:nvPr>
-            <p:ph type="body" idx="1"/>
-          </p:nvPr>
-        </p:nvSpPr>
-        <p:spPr/>
-        <p:txBody>
-          <a:bodyPr>
-            <a:normAutofit/>
-          </a:bodyPr>
-          <a:lstStyle/>
-          <a:p>
-            <a:endParaRPr lang="en-US"/>
-          </a:p>
-        </p:txBody>
-      </p:sp>
-      <p:sp>
-        <p:nvSpPr>
-          <p:cNvPr id="4" name="Header Placeholder 3"/>
-          <p:cNvSpPr>
-            <a:spLocks noGrp="1"/>
-          </p:cNvSpPr>
-          <p:nvPr>
-            <p:ph type="hdr" sz="quarter" idx="10"/>
-          </p:nvPr>
-        </p:nvSpPr>
-        <p:spPr/>
-        <p:txBody>
-          <a:bodyPr/>
-          <a:lstStyle/>
-          <a:p>
-            <a:endParaRPr lang="en-US" dirty="0"/>
-          </a:p>
-        </p:txBody>
-      </p:sp>
-      <p:sp>
-        <p:nvSpPr>
-          <p:cNvPr id="5" name="Date Placeholder 4"/>
-          <p:cNvSpPr>
-            <a:spLocks noGrp="1"/>
-          </p:cNvSpPr>
-          <p:nvPr>
-            <p:ph type="dt" idx="11"/>
-          </p:nvPr>
-        </p:nvSpPr>
-        <p:spPr/>
-        <p:txBody>
-          <a:bodyPr/>
-          <a:lstStyle/>
-          <a:p>
-            <a:fld id="{81331B57-0BE5-4F82-AA58-76F53EFF3ADA}" type="datetime8">
-              <a:rPr lang="en-US" smtClean="0"/>
-              <a:pPr/>
-              <a:t>11/9/2014 6:30 PM</a:t>
-            </a:fld>
-            <a:endParaRPr lang="en-US"/>
-          </a:p>
-        </p:txBody>
-      </p:sp>
-      <p:sp>
-        <p:nvSpPr>
-          <p:cNvPr id="6" name="Footer Placeholder 5"/>
-          <p:cNvSpPr>
-            <a:spLocks noGrp="1"/>
-          </p:cNvSpPr>
-          <p:nvPr>
-            <p:ph type="ftr" sz="quarter" idx="12"/>
-          </p:nvPr>
-        </p:nvSpPr>
-        <p:spPr/>
-        <p:txBody>
-          <a:bodyPr/>
-          <a:lstStyle/>
-          <a:p>
-            <a:r>
-              <a:rPr lang="en-US" smtClean="0">
-                <a:solidFill>
-                  <a:srgbClr val="000000"/>
-                </a:solidFill>
-              </a:rPr>
-              <a:t>© 2007 Microsoft Corporation. All rights reserved. Microsoft, Windows, Windows Vista and other product names are or may be registered trademarks and/or trademarks in the U.S. and/or other countries.</a:t>
-            </a:r>
-          </a:p>
-          <a:p>
-            <a:r>
-              <a:rPr lang="en-US" smtClean="0">
-                <a:solidFill>
-                  <a:srgbClr val="000000"/>
-                </a:solidFill>
-              </a:rPr>
-              <a:t>The information herein is for informational purposes only and represents the current view of Microsoft Corporation as of the date of this presentation.  Because Microsoft must respond to changing market conditions, it should not be interpreted to be a commitment on the part of Microsoft, and Microsoft cannot guarantee the accuracy of any information provided after the date of this presentation.  </a:t>
-            </a:r>
-            <a:br>
-              <a:rPr lang="en-US" smtClean="0">
-                <a:solidFill>
-                  <a:srgbClr val="000000"/>
-                </a:solidFill>
-              </a:rPr>
-            </a:br>
-            <a:r>
-              <a:rPr lang="en-US" smtClean="0">
-                <a:solidFill>
-                  <a:srgbClr val="000000"/>
-                </a:solidFill>
-              </a:rPr>
-              <a:t>MICROSOFT MAKES NO WARRANTIES, EXPRESS, IMPLIED OR STATUTORY, AS TO THE INFORMATION IN THIS PRESENTATION.</a:t>
-            </a:r>
-          </a:p>
-          <a:p>
-            <a:endParaRPr lang="en-US" dirty="0"/>
-          </a:p>
-        </p:txBody>
-      </p:sp>
-      <p:sp>
-        <p:nvSpPr>
-          <p:cNvPr id="7" name="Slide Number Placeholder 6"/>
-          <p:cNvSpPr>
-            <a:spLocks noGrp="1"/>
-          </p:cNvSpPr>
-          <p:nvPr>
-            <p:ph type="sldNum" sz="quarter" idx="13"/>
-          </p:nvPr>
-        </p:nvSpPr>
-        <p:spPr/>
-        <p:txBody>
-          <a:bodyPr/>
-          <a:lstStyle/>
-          <a:p>
-            <a:fld id="{EC87E0CF-87F6-4B58-B8B8-DCAB2DAAF3CA}" type="slidenum">
-              <a:rPr lang="en-US" smtClean="0"/>
-              <a:pPr/>
-              <a:t>26</a:t>
-            </a:fld>
-            <a:endParaRPr lang="en-US" dirty="0"/>
-          </a:p>
-        </p:txBody>
-      </p:sp>
-    </p:spTree>
-    <p:extLst>
-      <p:ext uri="{BB962C8B-B14F-4D97-AF65-F5344CB8AC3E}">
-        <p14:creationId xmlns:p14="http://schemas.microsoft.com/office/powerpoint/2010/main" val="3283319028"/>
-      </p:ext>
-    </p:extLst>
-  </p:cSld>
-  <p:clrMapOvr>
-    <a:masterClrMapping/>
-  </p:clrMapOvr>
-</p:notes>
-</file>
-
-<file path=ppt/notesSlides/notesSlide14.xml><?xml version="1.0" encoding="utf-8"?>
-<p:notes xmlns:a="http://schemas.openxmlformats.org/drawingml/2006/main" xmlns:r="http://schemas.openxmlformats.org/officeDocument/2006/relationships" xmlns:p="http://schemas.openxmlformats.org/presentationml/2006/main">
-  <p:cSld>
-    <p:spTree>
-      <p:nvGrpSpPr>
-        <p:cNvPr id="1" name=""/>
-        <p:cNvGrpSpPr/>
-        <p:nvPr/>
-      </p:nvGrpSpPr>
-      <p:grpSpPr>
-        <a:xfrm>
-          <a:off x="0" y="0"/>
-          <a:ext cx="0" cy="0"/>
-          <a:chOff x="0" y="0"/>
-          <a:chExt cx="0" cy="0"/>
-        </a:xfrm>
-      </p:grpSpPr>
-      <p:sp>
-        <p:nvSpPr>
-          <p:cNvPr id="2" name="Slide Image Placeholder 1"/>
-          <p:cNvSpPr>
-            <a:spLocks noGrp="1" noRot="1" noChangeAspect="1"/>
-          </p:cNvSpPr>
-          <p:nvPr>
-            <p:ph type="sldImg"/>
-          </p:nvPr>
-        </p:nvSpPr>
-        <p:spPr>
-          <a:xfrm>
-            <a:off x="382588" y="685800"/>
-            <a:ext cx="6092825" cy="3429000"/>
-          </a:xfrm>
-        </p:spPr>
-      </p:sp>
-      <p:sp>
-        <p:nvSpPr>
-          <p:cNvPr id="3" name="Notes Placeholder 2"/>
-          <p:cNvSpPr>
-            <a:spLocks noGrp="1"/>
-          </p:cNvSpPr>
-          <p:nvPr>
-            <p:ph type="body" idx="1"/>
-          </p:nvPr>
-        </p:nvSpPr>
-        <p:spPr/>
-        <p:txBody>
-          <a:bodyPr>
-            <a:normAutofit/>
-          </a:bodyPr>
-          <a:lstStyle/>
-          <a:p>
-            <a:endParaRPr lang="en-US"/>
-          </a:p>
-        </p:txBody>
-      </p:sp>
-      <p:sp>
-        <p:nvSpPr>
-          <p:cNvPr id="4" name="Header Placeholder 3"/>
-          <p:cNvSpPr>
-            <a:spLocks noGrp="1"/>
-          </p:cNvSpPr>
-          <p:nvPr>
-            <p:ph type="hdr" sz="quarter" idx="10"/>
-          </p:nvPr>
-        </p:nvSpPr>
-        <p:spPr/>
-        <p:txBody>
-          <a:bodyPr/>
-          <a:lstStyle/>
-          <a:p>
-            <a:endParaRPr lang="en-US" dirty="0"/>
-          </a:p>
-        </p:txBody>
-      </p:sp>
-      <p:sp>
-        <p:nvSpPr>
-          <p:cNvPr id="5" name="Date Placeholder 4"/>
-          <p:cNvSpPr>
-            <a:spLocks noGrp="1"/>
-          </p:cNvSpPr>
-          <p:nvPr>
-            <p:ph type="dt" idx="11"/>
-          </p:nvPr>
-        </p:nvSpPr>
-        <p:spPr/>
-        <p:txBody>
-          <a:bodyPr/>
-          <a:lstStyle/>
-          <a:p>
-            <a:fld id="{81331B57-0BE5-4F82-AA58-76F53EFF3ADA}" type="datetime8">
-              <a:rPr lang="en-US" smtClean="0"/>
-              <a:pPr/>
-              <a:t>11/9/2014 6:30 PM</a:t>
-            </a:fld>
-            <a:endParaRPr lang="en-US"/>
-          </a:p>
-        </p:txBody>
-      </p:sp>
-      <p:sp>
-        <p:nvSpPr>
-          <p:cNvPr id="6" name="Footer Placeholder 5"/>
-          <p:cNvSpPr>
-            <a:spLocks noGrp="1"/>
-          </p:cNvSpPr>
-          <p:nvPr>
-            <p:ph type="ftr" sz="quarter" idx="12"/>
-          </p:nvPr>
-        </p:nvSpPr>
-        <p:spPr/>
-        <p:txBody>
-          <a:bodyPr/>
-          <a:lstStyle/>
-          <a:p>
-            <a:r>
-              <a:rPr lang="en-US" smtClean="0">
-                <a:solidFill>
-                  <a:srgbClr val="000000"/>
-                </a:solidFill>
-              </a:rPr>
-              <a:t>© 2007 Microsoft Corporation. All rights reserved. Microsoft, Windows, Windows Vista and other product names are or may be registered trademarks and/or trademarks in the U.S. and/or other countries.</a:t>
-            </a:r>
-          </a:p>
-          <a:p>
-            <a:r>
-              <a:rPr lang="en-US" smtClean="0">
-                <a:solidFill>
-                  <a:srgbClr val="000000"/>
-                </a:solidFill>
-              </a:rPr>
-              <a:t>The information herein is for informational purposes only and represents the current view of Microsoft Corporation as of the date of this presentation.  Because Microsoft must respond to changing market conditions, it should not be interpreted to be a commitment on the part of Microsoft, and Microsoft cannot guarantee the accuracy of any information provided after the date of this presentation.  </a:t>
-            </a:r>
-            <a:br>
-              <a:rPr lang="en-US" smtClean="0">
-                <a:solidFill>
-                  <a:srgbClr val="000000"/>
-                </a:solidFill>
-              </a:rPr>
-            </a:br>
-            <a:r>
-              <a:rPr lang="en-US" smtClean="0">
-                <a:solidFill>
-                  <a:srgbClr val="000000"/>
-                </a:solidFill>
-              </a:rPr>
-              <a:t>MICROSOFT MAKES NO WARRANTIES, EXPRESS, IMPLIED OR STATUTORY, AS TO THE INFORMATION IN THIS PRESENTATION.</a:t>
-            </a:r>
-          </a:p>
-          <a:p>
-            <a:endParaRPr lang="en-US" dirty="0"/>
-          </a:p>
-        </p:txBody>
-      </p:sp>
-      <p:sp>
-        <p:nvSpPr>
-          <p:cNvPr id="7" name="Slide Number Placeholder 6"/>
-          <p:cNvSpPr>
-            <a:spLocks noGrp="1"/>
-          </p:cNvSpPr>
-          <p:nvPr>
-            <p:ph type="sldNum" sz="quarter" idx="13"/>
-          </p:nvPr>
-        </p:nvSpPr>
-        <p:spPr/>
-        <p:txBody>
-          <a:bodyPr/>
-          <a:lstStyle/>
-          <a:p>
-            <a:fld id="{EC87E0CF-87F6-4B58-B8B8-DCAB2DAAF3CA}" type="slidenum">
-              <a:rPr lang="en-US" smtClean="0"/>
-              <a:pPr/>
-              <a:t>27</a:t>
-            </a:fld>
-            <a:endParaRPr lang="en-US" dirty="0"/>
-          </a:p>
-        </p:txBody>
-      </p:sp>
-    </p:spTree>
-    <p:extLst>
-      <p:ext uri="{BB962C8B-B14F-4D97-AF65-F5344CB8AC3E}">
-        <p14:creationId xmlns:p14="http://schemas.microsoft.com/office/powerpoint/2010/main" val="2184334721"/>
-      </p:ext>
-    </p:extLst>
-  </p:cSld>
-  <p:clrMapOvr>
-    <a:masterClrMapping/>
-  </p:clrMapOvr>
-</p:notes>
-</file>
-
-<file path=ppt/notesSlides/notesSlide15.xml><?xml version="1.0" encoding="utf-8"?>
-<p:notes xmlns:a="http://schemas.openxmlformats.org/drawingml/2006/main" xmlns:r="http://schemas.openxmlformats.org/officeDocument/2006/relationships" xmlns:p="http://schemas.openxmlformats.org/presentationml/2006/main">
-  <p:cSld>
-    <p:spTree>
-      <p:nvGrpSpPr>
-        <p:cNvPr id="1" name=""/>
-        <p:cNvGrpSpPr/>
-        <p:nvPr/>
-      </p:nvGrpSpPr>
-      <p:grpSpPr>
-        <a:xfrm>
-          <a:off x="0" y="0"/>
-          <a:ext cx="0" cy="0"/>
-          <a:chOff x="0" y="0"/>
-          <a:chExt cx="0" cy="0"/>
-        </a:xfrm>
-      </p:grpSpPr>
-      <p:sp>
-        <p:nvSpPr>
-          <p:cNvPr id="2" name="Slide Image Placeholder 1"/>
-          <p:cNvSpPr>
-            <a:spLocks noGrp="1" noRot="1" noChangeAspect="1"/>
-          </p:cNvSpPr>
-          <p:nvPr>
-            <p:ph type="sldImg"/>
-          </p:nvPr>
-        </p:nvSpPr>
-        <p:spPr>
-          <a:xfrm>
-            <a:off x="382588" y="685800"/>
-            <a:ext cx="6092825" cy="3429000"/>
-          </a:xfrm>
-        </p:spPr>
-      </p:sp>
-      <p:sp>
-        <p:nvSpPr>
-          <p:cNvPr id="3" name="Notes Placeholder 2"/>
-          <p:cNvSpPr>
-            <a:spLocks noGrp="1"/>
-          </p:cNvSpPr>
-          <p:nvPr>
-            <p:ph type="body" idx="1"/>
-          </p:nvPr>
-        </p:nvSpPr>
-        <p:spPr/>
-        <p:txBody>
-          <a:bodyPr>
-            <a:normAutofit/>
-          </a:bodyPr>
-          <a:lstStyle/>
-          <a:p>
-            <a:endParaRPr lang="en-US"/>
-          </a:p>
-        </p:txBody>
-      </p:sp>
-      <p:sp>
-        <p:nvSpPr>
-          <p:cNvPr id="4" name="Header Placeholder 3"/>
-          <p:cNvSpPr>
-            <a:spLocks noGrp="1"/>
-          </p:cNvSpPr>
-          <p:nvPr>
-            <p:ph type="hdr" sz="quarter" idx="10"/>
-          </p:nvPr>
-        </p:nvSpPr>
-        <p:spPr/>
-        <p:txBody>
-          <a:bodyPr/>
-          <a:lstStyle/>
-          <a:p>
-            <a:endParaRPr lang="en-US" dirty="0"/>
-          </a:p>
-        </p:txBody>
-      </p:sp>
-      <p:sp>
-        <p:nvSpPr>
-          <p:cNvPr id="5" name="Date Placeholder 4"/>
-          <p:cNvSpPr>
-            <a:spLocks noGrp="1"/>
-          </p:cNvSpPr>
-          <p:nvPr>
-            <p:ph type="dt" idx="11"/>
-          </p:nvPr>
-        </p:nvSpPr>
-        <p:spPr/>
-        <p:txBody>
-          <a:bodyPr/>
-          <a:lstStyle/>
-          <a:p>
-            <a:fld id="{81331B57-0BE5-4F82-AA58-76F53EFF3ADA}" type="datetime8">
-              <a:rPr lang="en-US" smtClean="0"/>
-              <a:pPr/>
-              <a:t>11/9/2014 6:30 PM</a:t>
-            </a:fld>
-            <a:endParaRPr lang="en-US"/>
-          </a:p>
-        </p:txBody>
-      </p:sp>
-      <p:sp>
-        <p:nvSpPr>
-          <p:cNvPr id="6" name="Footer Placeholder 5"/>
-          <p:cNvSpPr>
-            <a:spLocks noGrp="1"/>
-          </p:cNvSpPr>
-          <p:nvPr>
-            <p:ph type="ftr" sz="quarter" idx="12"/>
-          </p:nvPr>
-        </p:nvSpPr>
-        <p:spPr/>
-        <p:txBody>
-          <a:bodyPr/>
-          <a:lstStyle/>
-          <a:p>
-            <a:r>
-              <a:rPr lang="en-US" smtClean="0">
-                <a:solidFill>
-                  <a:srgbClr val="000000"/>
-                </a:solidFill>
-              </a:rPr>
-              <a:t>© 2007 Microsoft Corporation. All rights reserved. Microsoft, Windows, Windows Vista and other product names are or may be registered trademarks and/or trademarks in the U.S. and/or other countries.</a:t>
-            </a:r>
-          </a:p>
-          <a:p>
-            <a:r>
-              <a:rPr lang="en-US" smtClean="0">
-                <a:solidFill>
-                  <a:srgbClr val="000000"/>
-                </a:solidFill>
-              </a:rPr>
-              <a:t>The information herein is for informational purposes only and represents the current view of Microsoft Corporation as of the date of this presentation.  Because Microsoft must respond to changing market conditions, it should not be interpreted to be a commitment on the part of Microsoft, and Microsoft cannot guarantee the accuracy of any information provided after the date of this presentation.  </a:t>
-            </a:r>
-            <a:br>
-              <a:rPr lang="en-US" smtClean="0">
-                <a:solidFill>
-                  <a:srgbClr val="000000"/>
-                </a:solidFill>
-              </a:rPr>
-            </a:br>
-            <a:r>
-              <a:rPr lang="en-US" smtClean="0">
-                <a:solidFill>
-                  <a:srgbClr val="000000"/>
-                </a:solidFill>
-              </a:rPr>
-              <a:t>MICROSOFT MAKES NO WARRANTIES, EXPRESS, IMPLIED OR STATUTORY, AS TO THE INFORMATION IN THIS PRESENTATION.</a:t>
-            </a:r>
-          </a:p>
-          <a:p>
-            <a:endParaRPr lang="en-US" dirty="0"/>
-          </a:p>
-        </p:txBody>
-      </p:sp>
-      <p:sp>
-        <p:nvSpPr>
-          <p:cNvPr id="7" name="Slide Number Placeholder 6"/>
-          <p:cNvSpPr>
-            <a:spLocks noGrp="1"/>
-          </p:cNvSpPr>
-          <p:nvPr>
-            <p:ph type="sldNum" sz="quarter" idx="13"/>
-          </p:nvPr>
-        </p:nvSpPr>
-        <p:spPr/>
-        <p:txBody>
-          <a:bodyPr/>
-          <a:lstStyle/>
-          <a:p>
-            <a:fld id="{EC87E0CF-87F6-4B58-B8B8-DCAB2DAAF3CA}" type="slidenum">
-              <a:rPr lang="en-US" smtClean="0"/>
-              <a:pPr/>
-              <a:t>28</a:t>
-            </a:fld>
-            <a:endParaRPr lang="en-US" dirty="0"/>
-          </a:p>
-        </p:txBody>
-      </p:sp>
-    </p:spTree>
-    <p:extLst>
-      <p:ext uri="{BB962C8B-B14F-4D97-AF65-F5344CB8AC3E}">
-        <p14:creationId xmlns:p14="http://schemas.microsoft.com/office/powerpoint/2010/main" val="2717111523"/>
       </p:ext>
     </p:extLst>
   </p:cSld>
@@ -3965,12 +1398,7 @@
             <p:ph type="sldImg"/>
           </p:nvPr>
         </p:nvSpPr>
-        <p:spPr>
-          <a:xfrm>
-            <a:off x="382588" y="685800"/>
-            <a:ext cx="6092825" cy="3429000"/>
-          </a:xfrm>
-        </p:spPr>
+        <p:spPr/>
       </p:sp>
       <p:sp>
         <p:nvSpPr>
@@ -3980,27 +1408,6 @@
           </p:cNvSpPr>
           <p:nvPr>
             <p:ph type="body" idx="1"/>
-          </p:nvPr>
-        </p:nvSpPr>
-        <p:spPr/>
-        <p:txBody>
-          <a:bodyPr>
-            <a:normAutofit/>
-          </a:bodyPr>
-          <a:lstStyle/>
-          <a:p>
-            <a:endParaRPr lang="en-US"/>
-          </a:p>
-        </p:txBody>
-      </p:sp>
-      <p:sp>
-        <p:nvSpPr>
-          <p:cNvPr id="4" name="Header Placeholder 3"/>
-          <p:cNvSpPr>
-            <a:spLocks noGrp="1"/>
-          </p:cNvSpPr>
-          <p:nvPr>
-            <p:ph type="hdr" sz="quarter" idx="10"/>
           </p:nvPr>
         </p:nvSpPr>
         <p:spPr/>
@@ -4014,12 +1421,12 @@
       </p:sp>
       <p:sp>
         <p:nvSpPr>
-          <p:cNvPr id="5" name="Date Placeholder 4"/>
+          <p:cNvPr id="4" name="Slide Number Placeholder 3"/>
           <p:cNvSpPr>
             <a:spLocks noGrp="1"/>
           </p:cNvSpPr>
           <p:nvPr>
-            <p:ph type="dt" idx="11"/>
+            <p:ph type="sldNum" sz="quarter" idx="10"/>
           </p:nvPr>
         </p:nvSpPr>
         <p:spPr/>
@@ -4027,97 +1434,18 @@
           <a:bodyPr/>
           <a:lstStyle/>
           <a:p>
-            <a:fld id="{81331B57-0BE5-4F82-AA58-76F53EFF3ADA}" type="datetime8">
+            <a:fld id="{A2AA3467-A656-4BD3-B32C-EEE9B6E3198D}" type="slidenum">
               <a:rPr lang="en-US" smtClean="0"/>
-              <a:pPr/>
-              <a:t>11/9/2014 6:30 PM</a:t>
+              <a:t>12</a:t>
             </a:fld>
             <a:endParaRPr lang="en-US"/>
-          </a:p>
-        </p:txBody>
-      </p:sp>
-      <p:sp>
-        <p:nvSpPr>
-          <p:cNvPr id="6" name="Footer Placeholder 5"/>
-          <p:cNvSpPr>
-            <a:spLocks noGrp="1"/>
-          </p:cNvSpPr>
-          <p:nvPr>
-            <p:ph type="ftr" sz="quarter" idx="12"/>
-          </p:nvPr>
-        </p:nvSpPr>
-        <p:spPr/>
-        <p:txBody>
-          <a:bodyPr/>
-          <a:lstStyle/>
-          <a:p>
-            <a:r>
-              <a:rPr lang="en-US" smtClean="0">
-                <a:solidFill>
-                  <a:srgbClr val="000000"/>
-                </a:solidFill>
-              </a:rPr>
-              <a:t>© 2007 Microsoft Corporation. All rights reserved. Microsoft, Windows, Windows Vista and other product names are or may be registered trademarks and/or trademarks in the U.S. and/or other countries.</a:t>
-            </a:r>
-          </a:p>
-          <a:p>
-            <a:r>
-              <a:rPr lang="en-US" smtClean="0">
-                <a:solidFill>
-                  <a:srgbClr val="000000"/>
-                </a:solidFill>
-              </a:rPr>
-              <a:t>The information herein is for informational purposes only and represents the current view of Microsoft Corporation as of the date of this presentation.  Because Microsoft must respond to changing market conditions, it should not be interpreted to be a commitment on the part of Microsoft, and Microsoft cannot guarantee the accuracy of any information provided after the date of this presentation.  </a:t>
-            </a:r>
-            <a:br>
-              <a:rPr lang="en-US" smtClean="0">
-                <a:solidFill>
-                  <a:srgbClr val="000000"/>
-                </a:solidFill>
-              </a:rPr>
-            </a:br>
-            <a:r>
-              <a:rPr lang="en-US" smtClean="0">
-                <a:solidFill>
-                  <a:srgbClr val="000000"/>
-                </a:solidFill>
-              </a:rPr>
-              <a:t>MICROSOFT MAKES NO WARRANTIES, EXPRESS, IMPLIED OR STATUTORY, AS TO THE INFORMATION IN THIS PRESENTATION.</a:t>
-            </a:r>
-          </a:p>
-          <a:p>
-            <a:endParaRPr lang="en-US" dirty="0"/>
-          </a:p>
-        </p:txBody>
-      </p:sp>
-      <p:sp>
-        <p:nvSpPr>
-          <p:cNvPr id="7" name="Slide Number Placeholder 6"/>
-          <p:cNvSpPr>
-            <a:spLocks noGrp="1"/>
-          </p:cNvSpPr>
-          <p:nvPr>
-            <p:ph type="sldNum" sz="quarter" idx="13"/>
-          </p:nvPr>
-        </p:nvSpPr>
-        <p:spPr/>
-        <p:txBody>
-          <a:bodyPr/>
-          <a:lstStyle/>
-          <a:p>
-            <a:fld id="{EC87E0CF-87F6-4B58-B8B8-DCAB2DAAF3CA}" type="slidenum">
-              <a:rPr lang="en-US" smtClean="0"/>
-              <a:pPr/>
-              <a:t>18</a:t>
-            </a:fld>
-            <a:endParaRPr lang="en-US" dirty="0"/>
           </a:p>
         </p:txBody>
       </p:sp>
     </p:spTree>
     <p:extLst>
       <p:ext uri="{BB962C8B-B14F-4D97-AF65-F5344CB8AC3E}">
-        <p14:creationId xmlns:p14="http://schemas.microsoft.com/office/powerpoint/2010/main" val="1403078007"/>
+        <p14:creationId xmlns:p14="http://schemas.microsoft.com/office/powerpoint/2010/main" val="3680559571"/>
       </p:ext>
     </p:extLst>
   </p:cSld>
@@ -4154,12 +1482,7 @@
             <p:ph type="sldImg"/>
           </p:nvPr>
         </p:nvSpPr>
-        <p:spPr>
-          <a:xfrm>
-            <a:off x="382588" y="685800"/>
-            <a:ext cx="6092825" cy="3429000"/>
-          </a:xfrm>
-        </p:spPr>
+        <p:spPr/>
       </p:sp>
       <p:sp>
         <p:nvSpPr>
@@ -4169,27 +1492,6 @@
           </p:cNvSpPr>
           <p:nvPr>
             <p:ph type="body" idx="1"/>
-          </p:nvPr>
-        </p:nvSpPr>
-        <p:spPr/>
-        <p:txBody>
-          <a:bodyPr>
-            <a:normAutofit/>
-          </a:bodyPr>
-          <a:lstStyle/>
-          <a:p>
-            <a:endParaRPr lang="en-US"/>
-          </a:p>
-        </p:txBody>
-      </p:sp>
-      <p:sp>
-        <p:nvSpPr>
-          <p:cNvPr id="4" name="Header Placeholder 3"/>
-          <p:cNvSpPr>
-            <a:spLocks noGrp="1"/>
-          </p:cNvSpPr>
-          <p:nvPr>
-            <p:ph type="hdr" sz="quarter" idx="10"/>
           </p:nvPr>
         </p:nvSpPr>
         <p:spPr/>
@@ -4203,12 +1505,12 @@
       </p:sp>
       <p:sp>
         <p:nvSpPr>
-          <p:cNvPr id="5" name="Date Placeholder 4"/>
+          <p:cNvPr id="4" name="Slide Number Placeholder 3"/>
           <p:cNvSpPr>
             <a:spLocks noGrp="1"/>
           </p:cNvSpPr>
           <p:nvPr>
-            <p:ph type="dt" idx="11"/>
+            <p:ph type="sldNum" sz="quarter" idx="10"/>
           </p:nvPr>
         </p:nvSpPr>
         <p:spPr/>
@@ -4216,97 +1518,18 @@
           <a:bodyPr/>
           <a:lstStyle/>
           <a:p>
-            <a:fld id="{81331B57-0BE5-4F82-AA58-76F53EFF3ADA}" type="datetime8">
+            <a:fld id="{A2AA3467-A656-4BD3-B32C-EEE9B6E3198D}" type="slidenum">
               <a:rPr lang="en-US" smtClean="0"/>
-              <a:pPr/>
-              <a:t>11/9/2014 6:30 PM</a:t>
+              <a:t>13</a:t>
             </a:fld>
             <a:endParaRPr lang="en-US"/>
-          </a:p>
-        </p:txBody>
-      </p:sp>
-      <p:sp>
-        <p:nvSpPr>
-          <p:cNvPr id="6" name="Footer Placeholder 5"/>
-          <p:cNvSpPr>
-            <a:spLocks noGrp="1"/>
-          </p:cNvSpPr>
-          <p:nvPr>
-            <p:ph type="ftr" sz="quarter" idx="12"/>
-          </p:nvPr>
-        </p:nvSpPr>
-        <p:spPr/>
-        <p:txBody>
-          <a:bodyPr/>
-          <a:lstStyle/>
-          <a:p>
-            <a:r>
-              <a:rPr lang="en-US" smtClean="0">
-                <a:solidFill>
-                  <a:srgbClr val="000000"/>
-                </a:solidFill>
-              </a:rPr>
-              <a:t>© 2007 Microsoft Corporation. All rights reserved. Microsoft, Windows, Windows Vista and other product names are or may be registered trademarks and/or trademarks in the U.S. and/or other countries.</a:t>
-            </a:r>
-          </a:p>
-          <a:p>
-            <a:r>
-              <a:rPr lang="en-US" smtClean="0">
-                <a:solidFill>
-                  <a:srgbClr val="000000"/>
-                </a:solidFill>
-              </a:rPr>
-              <a:t>The information herein is for informational purposes only and represents the current view of Microsoft Corporation as of the date of this presentation.  Because Microsoft must respond to changing market conditions, it should not be interpreted to be a commitment on the part of Microsoft, and Microsoft cannot guarantee the accuracy of any information provided after the date of this presentation.  </a:t>
-            </a:r>
-            <a:br>
-              <a:rPr lang="en-US" smtClean="0">
-                <a:solidFill>
-                  <a:srgbClr val="000000"/>
-                </a:solidFill>
-              </a:rPr>
-            </a:br>
-            <a:r>
-              <a:rPr lang="en-US" smtClean="0">
-                <a:solidFill>
-                  <a:srgbClr val="000000"/>
-                </a:solidFill>
-              </a:rPr>
-              <a:t>MICROSOFT MAKES NO WARRANTIES, EXPRESS, IMPLIED OR STATUTORY, AS TO THE INFORMATION IN THIS PRESENTATION.</a:t>
-            </a:r>
-          </a:p>
-          <a:p>
-            <a:endParaRPr lang="en-US" dirty="0"/>
-          </a:p>
-        </p:txBody>
-      </p:sp>
-      <p:sp>
-        <p:nvSpPr>
-          <p:cNvPr id="7" name="Slide Number Placeholder 6"/>
-          <p:cNvSpPr>
-            <a:spLocks noGrp="1"/>
-          </p:cNvSpPr>
-          <p:nvPr>
-            <p:ph type="sldNum" sz="quarter" idx="13"/>
-          </p:nvPr>
-        </p:nvSpPr>
-        <p:spPr/>
-        <p:txBody>
-          <a:bodyPr/>
-          <a:lstStyle/>
-          <a:p>
-            <a:fld id="{EC87E0CF-87F6-4B58-B8B8-DCAB2DAAF3CA}" type="slidenum">
-              <a:rPr lang="en-US" smtClean="0"/>
-              <a:pPr/>
-              <a:t>19</a:t>
-            </a:fld>
-            <a:endParaRPr lang="en-US" dirty="0"/>
           </a:p>
         </p:txBody>
       </p:sp>
     </p:spTree>
     <p:extLst>
       <p:ext uri="{BB962C8B-B14F-4D97-AF65-F5344CB8AC3E}">
-        <p14:creationId xmlns:p14="http://schemas.microsoft.com/office/powerpoint/2010/main" val="1085538666"/>
+        <p14:creationId xmlns:p14="http://schemas.microsoft.com/office/powerpoint/2010/main" val="4184436739"/>
       </p:ext>
     </p:extLst>
   </p:cSld>
@@ -4343,12 +1566,7 @@
             <p:ph type="sldImg"/>
           </p:nvPr>
         </p:nvSpPr>
-        <p:spPr>
-          <a:xfrm>
-            <a:off x="382588" y="685800"/>
-            <a:ext cx="6092825" cy="3429000"/>
-          </a:xfrm>
-        </p:spPr>
+        <p:spPr/>
       </p:sp>
       <p:sp>
         <p:nvSpPr>
@@ -4358,27 +1576,6 @@
           </p:cNvSpPr>
           <p:nvPr>
             <p:ph type="body" idx="1"/>
-          </p:nvPr>
-        </p:nvSpPr>
-        <p:spPr/>
-        <p:txBody>
-          <a:bodyPr>
-            <a:normAutofit/>
-          </a:bodyPr>
-          <a:lstStyle/>
-          <a:p>
-            <a:endParaRPr lang="en-US"/>
-          </a:p>
-        </p:txBody>
-      </p:sp>
-      <p:sp>
-        <p:nvSpPr>
-          <p:cNvPr id="4" name="Slide Number Placeholder 3"/>
-          <p:cNvSpPr>
-            <a:spLocks noGrp="1"/>
-          </p:cNvSpPr>
-          <p:nvPr>
-            <p:ph type="sldNum" sz="quarter" idx="10"/>
           </p:nvPr>
         </p:nvSpPr>
         <p:spPr/>
@@ -4386,131 +1583,37 @@
           <a:bodyPr/>
           <a:lstStyle/>
           <a:p>
-            <a:fld id="{8B263312-38AA-4E1E-B2B5-0F8F122B24FE}" type="slidenum">
-              <a:rPr lang="en-US" smtClean="0"/>
-              <a:pPr/>
-              <a:t>20</a:t>
-            </a:fld>
             <a:endParaRPr lang="en-US" dirty="0"/>
           </a:p>
         </p:txBody>
       </p:sp>
       <p:sp>
         <p:nvSpPr>
-          <p:cNvPr id="5" name="Header Placeholder 3"/>
+          <p:cNvPr id="4" name="Slide Number Placeholder 3"/>
           <p:cNvSpPr>
             <a:spLocks noGrp="1"/>
           </p:cNvSpPr>
           <p:nvPr>
-            <p:ph type="hdr" sz="quarter"/>
-          </p:nvPr>
-        </p:nvSpPr>
-        <p:spPr>
-          <a:xfrm>
-            <a:off x="0" y="0"/>
-            <a:ext cx="2971800" cy="457200"/>
-          </a:xfrm>
-        </p:spPr>
+            <p:ph type="sldNum" sz="quarter" idx="10"/>
+          </p:nvPr>
+        </p:nvSpPr>
+        <p:spPr/>
         <p:txBody>
           <a:bodyPr/>
           <a:lstStyle/>
           <a:p>
-            <a:endParaRPr lang="en-US" dirty="0"/>
-          </a:p>
-        </p:txBody>
-      </p:sp>
-      <p:sp>
-        <p:nvSpPr>
-          <p:cNvPr id="6" name="Date Placeholder 4"/>
-          <p:cNvSpPr>
-            <a:spLocks noGrp="1"/>
-          </p:cNvSpPr>
-          <p:nvPr>
-            <p:ph type="dt" idx="1"/>
-          </p:nvPr>
-        </p:nvSpPr>
-        <p:spPr>
-          <a:xfrm>
-            <a:off x="3884613" y="0"/>
-            <a:ext cx="2971800" cy="457200"/>
-          </a:xfrm>
-        </p:spPr>
-        <p:txBody>
-          <a:bodyPr/>
-          <a:lstStyle/>
-          <a:p>
-            <a:fld id="{81331B57-0BE5-4F82-AA58-76F53EFF3ADA}" type="datetime8">
+            <a:fld id="{A2AA3467-A656-4BD3-B32C-EEE9B6E3198D}" type="slidenum">
               <a:rPr lang="en-US" smtClean="0"/>
-              <a:pPr/>
-              <a:t>11/9/2014 6:30 PM</a:t>
+              <a:t>14</a:t>
             </a:fld>
-            <a:endParaRPr lang="en-US" dirty="0"/>
-          </a:p>
-        </p:txBody>
-      </p:sp>
-      <p:sp>
-        <p:nvSpPr>
-          <p:cNvPr id="7" name="Footer Placeholder 5"/>
-          <p:cNvSpPr>
-            <a:spLocks noGrp="1"/>
-          </p:cNvSpPr>
-          <p:nvPr>
-            <p:ph type="ftr" sz="quarter" idx="4"/>
-          </p:nvPr>
-        </p:nvSpPr>
-        <p:spPr>
-          <a:xfrm>
-            <a:off x="0" y="8685213"/>
-            <a:ext cx="6172200" cy="457200"/>
-          </a:xfrm>
-        </p:spPr>
-        <p:txBody>
-          <a:bodyPr/>
-          <a:lstStyle/>
-          <a:p>
-            <a:r>
-              <a:rPr lang="en-US" sz="500" dirty="0" smtClean="0">
-                <a:solidFill>
-                  <a:srgbClr val="000000"/>
-                </a:solidFill>
-              </a:rPr>
-              <a:t>© 2007 Microsoft Corporation. All rights reserved. Microsoft, Windows, Windows Vista and other product names are or may be registered trademarks and/or trademarks in the U.S. and/or other countries.</a:t>
-            </a:r>
-          </a:p>
-          <a:p>
-            <a:r>
-              <a:rPr lang="en-US" sz="500" dirty="0" smtClean="0">
-                <a:solidFill>
-                  <a:srgbClr val="000000"/>
-                </a:solidFill>
-              </a:rPr>
-              <a:t>The information herein is for informational purposes only and represents the current view of Microsoft Corporation as of the date of this presentation.  Because Microsoft must respond to changing market conditions, it should not be interpreted to be a commitment on the part of Microsoft, and Microsoft cannot guarantee the accuracy of any information provided after the date of this presentation.  </a:t>
-            </a:r>
-            <a:br>
-              <a:rPr lang="en-US" sz="500" dirty="0" smtClean="0">
-                <a:solidFill>
-                  <a:srgbClr val="000000"/>
-                </a:solidFill>
-              </a:rPr>
-            </a:br>
-            <a:r>
-              <a:rPr lang="en-US" sz="500" dirty="0" smtClean="0">
-                <a:solidFill>
-                  <a:srgbClr val="000000"/>
-                </a:solidFill>
-              </a:rPr>
-              <a:t>MICROSOFT MAKES NO WARRANTIES, EXPRESS, IMPLIED OR STATUTORY, AS TO THE INFORMATION IN THIS PRESENTATION.</a:t>
-            </a:r>
-          </a:p>
-          <a:p>
-            <a:endParaRPr lang="en-US" sz="500" dirty="0"/>
+            <a:endParaRPr lang="en-US"/>
           </a:p>
         </p:txBody>
       </p:sp>
     </p:spTree>
     <p:extLst>
       <p:ext uri="{BB962C8B-B14F-4D97-AF65-F5344CB8AC3E}">
-        <p14:creationId xmlns:p14="http://schemas.microsoft.com/office/powerpoint/2010/main" val="4167954085"/>
+        <p14:creationId xmlns:p14="http://schemas.microsoft.com/office/powerpoint/2010/main" val="2946261904"/>
       </p:ext>
     </p:extLst>
   </p:cSld>
@@ -4547,12 +1650,7 @@
             <p:ph type="sldImg"/>
           </p:nvPr>
         </p:nvSpPr>
-        <p:spPr>
-          <a:xfrm>
-            <a:off x="382588" y="685800"/>
-            <a:ext cx="6092825" cy="3429000"/>
-          </a:xfrm>
-        </p:spPr>
+        <p:spPr/>
       </p:sp>
       <p:sp>
         <p:nvSpPr>
@@ -4562,27 +1660,6 @@
           </p:cNvSpPr>
           <p:nvPr>
             <p:ph type="body" idx="1"/>
-          </p:nvPr>
-        </p:nvSpPr>
-        <p:spPr/>
-        <p:txBody>
-          <a:bodyPr>
-            <a:normAutofit/>
-          </a:bodyPr>
-          <a:lstStyle/>
-          <a:p>
-            <a:endParaRPr lang="en-US"/>
-          </a:p>
-        </p:txBody>
-      </p:sp>
-      <p:sp>
-        <p:nvSpPr>
-          <p:cNvPr id="4" name="Header Placeholder 3"/>
-          <p:cNvSpPr>
-            <a:spLocks noGrp="1"/>
-          </p:cNvSpPr>
-          <p:nvPr>
-            <p:ph type="hdr" sz="quarter" idx="10"/>
           </p:nvPr>
         </p:nvSpPr>
         <p:spPr/>
@@ -4596,12 +1673,12 @@
       </p:sp>
       <p:sp>
         <p:nvSpPr>
-          <p:cNvPr id="5" name="Date Placeholder 4"/>
+          <p:cNvPr id="4" name="Slide Number Placeholder 3"/>
           <p:cNvSpPr>
             <a:spLocks noGrp="1"/>
           </p:cNvSpPr>
           <p:nvPr>
-            <p:ph type="dt" idx="11"/>
+            <p:ph type="sldNum" sz="quarter" idx="10"/>
           </p:nvPr>
         </p:nvSpPr>
         <p:spPr/>
@@ -4609,301 +1686,18 @@
           <a:bodyPr/>
           <a:lstStyle/>
           <a:p>
-            <a:fld id="{81331B57-0BE5-4F82-AA58-76F53EFF3ADA}" type="datetime8">
+            <a:fld id="{A2AA3467-A656-4BD3-B32C-EEE9B6E3198D}" type="slidenum">
               <a:rPr lang="en-US" smtClean="0"/>
-              <a:pPr/>
-              <a:t>11/9/2014 6:30 PM</a:t>
+              <a:t>15</a:t>
             </a:fld>
             <a:endParaRPr lang="en-US"/>
-          </a:p>
-        </p:txBody>
-      </p:sp>
-      <p:sp>
-        <p:nvSpPr>
-          <p:cNvPr id="6" name="Footer Placeholder 5"/>
-          <p:cNvSpPr>
-            <a:spLocks noGrp="1"/>
-          </p:cNvSpPr>
-          <p:nvPr>
-            <p:ph type="ftr" sz="quarter" idx="12"/>
-          </p:nvPr>
-        </p:nvSpPr>
-        <p:spPr/>
-        <p:txBody>
-          <a:bodyPr/>
-          <a:lstStyle/>
-          <a:p>
-            <a:r>
-              <a:rPr lang="en-US" smtClean="0">
-                <a:solidFill>
-                  <a:srgbClr val="000000"/>
-                </a:solidFill>
-              </a:rPr>
-              <a:t>© 2007 Microsoft Corporation. All rights reserved. Microsoft, Windows, Windows Vista and other product names are or may be registered trademarks and/or trademarks in the U.S. and/or other countries.</a:t>
-            </a:r>
-          </a:p>
-          <a:p>
-            <a:r>
-              <a:rPr lang="en-US" smtClean="0">
-                <a:solidFill>
-                  <a:srgbClr val="000000"/>
-                </a:solidFill>
-              </a:rPr>
-              <a:t>The information herein is for informational purposes only and represents the current view of Microsoft Corporation as of the date of this presentation.  Because Microsoft must respond to changing market conditions, it should not be interpreted to be a commitment on the part of Microsoft, and Microsoft cannot guarantee the accuracy of any information provided after the date of this presentation.  </a:t>
-            </a:r>
-            <a:br>
-              <a:rPr lang="en-US" smtClean="0">
-                <a:solidFill>
-                  <a:srgbClr val="000000"/>
-                </a:solidFill>
-              </a:rPr>
-            </a:br>
-            <a:r>
-              <a:rPr lang="en-US" smtClean="0">
-                <a:solidFill>
-                  <a:srgbClr val="000000"/>
-                </a:solidFill>
-              </a:rPr>
-              <a:t>MICROSOFT MAKES NO WARRANTIES, EXPRESS, IMPLIED OR STATUTORY, AS TO THE INFORMATION IN THIS PRESENTATION.</a:t>
-            </a:r>
-          </a:p>
-          <a:p>
-            <a:endParaRPr lang="en-US" dirty="0"/>
-          </a:p>
-        </p:txBody>
-      </p:sp>
-      <p:sp>
-        <p:nvSpPr>
-          <p:cNvPr id="7" name="Slide Number Placeholder 6"/>
-          <p:cNvSpPr>
-            <a:spLocks noGrp="1"/>
-          </p:cNvSpPr>
-          <p:nvPr>
-            <p:ph type="sldNum" sz="quarter" idx="13"/>
-          </p:nvPr>
-        </p:nvSpPr>
-        <p:spPr/>
-        <p:txBody>
-          <a:bodyPr/>
-          <a:lstStyle/>
-          <a:p>
-            <a:fld id="{EC87E0CF-87F6-4B58-B8B8-DCAB2DAAF3CA}" type="slidenum">
-              <a:rPr lang="en-US" smtClean="0"/>
-              <a:pPr/>
-              <a:t>21</a:t>
-            </a:fld>
-            <a:endParaRPr lang="en-US" dirty="0"/>
           </a:p>
         </p:txBody>
       </p:sp>
     </p:spTree>
     <p:extLst>
       <p:ext uri="{BB962C8B-B14F-4D97-AF65-F5344CB8AC3E}">
-        <p14:creationId xmlns:p14="http://schemas.microsoft.com/office/powerpoint/2010/main" val="1266585701"/>
-      </p:ext>
-    </p:extLst>
-  </p:cSld>
-  <p:clrMapOvr>
-    <a:masterClrMapping/>
-  </p:clrMapOvr>
-</p:notes>
-</file>
-
-<file path=ppt/notesSlides/notesSlide9.xml><?xml version="1.0" encoding="utf-8"?>
-<p:notes xmlns:a="http://schemas.openxmlformats.org/drawingml/2006/main" xmlns:r="http://schemas.openxmlformats.org/officeDocument/2006/relationships" xmlns:p="http://schemas.openxmlformats.org/presentationml/2006/main">
-  <p:cSld>
-    <p:spTree>
-      <p:nvGrpSpPr>
-        <p:cNvPr id="1" name=""/>
-        <p:cNvGrpSpPr/>
-        <p:nvPr/>
-      </p:nvGrpSpPr>
-      <p:grpSpPr>
-        <a:xfrm>
-          <a:off x="0" y="0"/>
-          <a:ext cx="0" cy="0"/>
-          <a:chOff x="0" y="0"/>
-          <a:chExt cx="0" cy="0"/>
-        </a:xfrm>
-      </p:grpSpPr>
-      <p:sp>
-        <p:nvSpPr>
-          <p:cNvPr id="2" name="Slide Image Placeholder 1"/>
-          <p:cNvSpPr>
-            <a:spLocks noGrp="1" noRot="1" noChangeAspect="1"/>
-          </p:cNvSpPr>
-          <p:nvPr>
-            <p:ph type="sldImg"/>
-          </p:nvPr>
-        </p:nvSpPr>
-        <p:spPr>
-          <a:xfrm>
-            <a:off x="382588" y="685800"/>
-            <a:ext cx="6092825" cy="3429000"/>
-          </a:xfrm>
-        </p:spPr>
-      </p:sp>
-      <p:sp>
-        <p:nvSpPr>
-          <p:cNvPr id="3" name="Notes Placeholder 2"/>
-          <p:cNvSpPr>
-            <a:spLocks noGrp="1"/>
-          </p:cNvSpPr>
-          <p:nvPr>
-            <p:ph type="body" idx="1"/>
-          </p:nvPr>
-        </p:nvSpPr>
-        <p:spPr/>
-        <p:txBody>
-          <a:bodyPr>
-            <a:normAutofit/>
-          </a:bodyPr>
-          <a:lstStyle/>
-          <a:p>
-            <a:endParaRPr lang="en-US"/>
-          </a:p>
-        </p:txBody>
-      </p:sp>
-      <p:sp>
-        <p:nvSpPr>
-          <p:cNvPr id="4" name="Slide Number Placeholder 3"/>
-          <p:cNvSpPr>
-            <a:spLocks noGrp="1"/>
-          </p:cNvSpPr>
-          <p:nvPr>
-            <p:ph type="sldNum" sz="quarter" idx="10"/>
-          </p:nvPr>
-        </p:nvSpPr>
-        <p:spPr/>
-        <p:txBody>
-          <a:bodyPr/>
-          <a:lstStyle/>
-          <a:p>
-            <a:fld id="{8B263312-38AA-4E1E-B2B5-0F8F122B24FE}" type="slidenum">
-              <a:rPr lang="en-US" smtClean="0"/>
-              <a:pPr/>
-              <a:t>22</a:t>
-            </a:fld>
-            <a:endParaRPr lang="en-US" dirty="0"/>
-          </a:p>
-        </p:txBody>
-      </p:sp>
-      <p:sp>
-        <p:nvSpPr>
-          <p:cNvPr id="5" name="Header Placeholder 3"/>
-          <p:cNvSpPr>
-            <a:spLocks noGrp="1"/>
-          </p:cNvSpPr>
-          <p:nvPr>
-            <p:ph type="hdr" sz="quarter"/>
-          </p:nvPr>
-        </p:nvSpPr>
-        <p:spPr>
-          <a:xfrm>
-            <a:off x="0" y="0"/>
-            <a:ext cx="2971800" cy="457200"/>
-          </a:xfrm>
-        </p:spPr>
-        <p:txBody>
-          <a:bodyPr/>
-          <a:lstStyle/>
-          <a:p>
-            <a:endParaRPr lang="en-US" dirty="0"/>
-          </a:p>
-        </p:txBody>
-      </p:sp>
-      <p:sp>
-        <p:nvSpPr>
-          <p:cNvPr id="6" name="Date Placeholder 4"/>
-          <p:cNvSpPr>
-            <a:spLocks noGrp="1"/>
-          </p:cNvSpPr>
-          <p:nvPr>
-            <p:ph type="dt" idx="1"/>
-          </p:nvPr>
-        </p:nvSpPr>
-        <p:spPr>
-          <a:xfrm>
-            <a:off x="3884613" y="0"/>
-            <a:ext cx="2971800" cy="457200"/>
-          </a:xfrm>
-        </p:spPr>
-        <p:txBody>
-          <a:bodyPr/>
-          <a:lstStyle/>
-          <a:p>
-            <a:fld id="{81331B57-0BE5-4F82-AA58-76F53EFF3ADA}" type="datetime8">
-              <a:rPr lang="en-US" smtClean="0"/>
-              <a:pPr/>
-              <a:t>11/9/2014 6:30 PM</a:t>
-            </a:fld>
-            <a:endParaRPr lang="en-US" dirty="0"/>
-          </a:p>
-        </p:txBody>
-      </p:sp>
-      <p:sp>
-        <p:nvSpPr>
-          <p:cNvPr id="7" name="Footer Placeholder 5"/>
-          <p:cNvSpPr>
-            <a:spLocks noGrp="1"/>
-          </p:cNvSpPr>
-          <p:nvPr>
-            <p:ph type="ftr" sz="quarter" idx="4"/>
-          </p:nvPr>
-        </p:nvSpPr>
-        <p:spPr>
-          <a:xfrm>
-            <a:off x="0" y="8685213"/>
-            <a:ext cx="6172200" cy="457200"/>
-          </a:xfrm>
-        </p:spPr>
-        <p:txBody>
-          <a:bodyPr/>
-          <a:lstStyle/>
-          <a:p>
-            <a:r>
-              <a:rPr lang="en-US" sz="500" dirty="0" smtClean="0">
-                <a:solidFill>
-                  <a:srgbClr val="000000"/>
-                </a:solidFill>
-              </a:rPr>
-              <a:t>© 2007 Microsoft Corporation. All rights reserved. Microsoft, Windows, Windows Vista and other product names are or may be registered trademarks and/or trademarks in the U.S. and/or other countries.</a:t>
-            </a:r>
-          </a:p>
-          <a:p>
-            <a:r>
-              <a:rPr lang="en-US" sz="500" dirty="0" smtClean="0">
-                <a:solidFill>
-                  <a:srgbClr val="000000"/>
-                </a:solidFill>
-              </a:rPr>
-              <a:t>The information herein is for informational purposes only and represents the current view of Microsoft Corporation as of the date of this presentation.  Because Microsoft must respond to changing market conditions, it should not be interpreted to be a commitment on the part of Microsoft, and Microsoft cannot guarantee the accuracy of any information provided after the date of this presentation.  </a:t>
-            </a:r>
-            <a:br>
-              <a:rPr lang="en-US" sz="500" dirty="0" smtClean="0">
-                <a:solidFill>
-                  <a:srgbClr val="000000"/>
-                </a:solidFill>
-              </a:rPr>
-            </a:br>
-            <a:r>
-              <a:rPr lang="en-US" sz="500" dirty="0" smtClean="0">
-                <a:solidFill>
-                  <a:srgbClr val="000000"/>
-                </a:solidFill>
-              </a:rPr>
-              <a:t>MICROSOFT MAKES NO WARRANTIES, EXPRESS, IMPLIED OR STATUTORY, AS TO THE INFORMATION IN THIS PRESENTATION.</a:t>
-            </a:r>
-          </a:p>
-          <a:p>
-            <a:endParaRPr lang="en-US" sz="500" dirty="0"/>
-          </a:p>
-        </p:txBody>
-      </p:sp>
-    </p:spTree>
-    <p:extLst>
-      <p:ext uri="{BB962C8B-B14F-4D97-AF65-F5344CB8AC3E}">
-        <p14:creationId xmlns:p14="http://schemas.microsoft.com/office/powerpoint/2010/main" val="3555694811"/>
+        <p14:creationId xmlns:p14="http://schemas.microsoft.com/office/powerpoint/2010/main" val="2553666416"/>
       </p:ext>
     </p:extLst>
   </p:cSld>
@@ -8785,6 +5579,13 @@
   <p:transition>
     <p:fade/>
   </p:transition>
+  <p:timing>
+    <p:tnLst>
+      <p:par>
+        <p:cTn id="1" dur="indefinite" restart="never" nodeType="tmRoot"/>
+      </p:par>
+    </p:tnLst>
+  </p:timing>
 </p:sld>
 </file>
 
@@ -8866,6 +5667,13 @@
   <p:transition>
     <p:fade/>
   </p:transition>
+  <p:timing>
+    <p:tnLst>
+      <p:par>
+        <p:cTn id="1" dur="indefinite" restart="never" nodeType="tmRoot"/>
+      </p:par>
+    </p:tnLst>
+  </p:timing>
 </p:sld>
 </file>
 
@@ -8896,31 +5704,22 @@
             <p:ph type="title"/>
           </p:nvPr>
         </p:nvSpPr>
-        <p:spPr/>
+        <p:spPr>
+          <a:xfrm>
+            <a:off x="608012" y="2895600"/>
+            <a:ext cx="11165020" cy="2215991"/>
+          </a:xfrm>
+        </p:spPr>
         <p:txBody>
           <a:bodyPr/>
           <a:lstStyle/>
           <a:p>
-            <a:endParaRPr lang="en-US"/>
-          </a:p>
-        </p:txBody>
-      </p:sp>
-      <p:sp>
-        <p:nvSpPr>
-          <p:cNvPr id="3" name="Content Placeholder 2"/>
-          <p:cNvSpPr>
-            <a:spLocks noGrp="1"/>
-          </p:cNvSpPr>
-          <p:nvPr>
-            <p:ph idx="1"/>
-          </p:nvPr>
-        </p:nvSpPr>
-        <p:spPr/>
-        <p:txBody>
-          <a:bodyPr/>
-          <a:lstStyle/>
-          <a:p>
-            <a:endParaRPr lang="en-US"/>
+            <a:pPr algn="ctr"/>
+            <a:r>
+              <a:rPr lang="en-US" sz="8000" dirty="0" smtClean="0"/>
+              <a:t>DEMO: Anatomy of Universal App</a:t>
+            </a:r>
+            <a:endParaRPr lang="en-US" sz="8000" dirty="0"/>
           </a:p>
         </p:txBody>
       </p:sp>
@@ -8937,6 +5736,13 @@
   <p:transition>
     <p:fade/>
   </p:transition>
+  <p:timing>
+    <p:tnLst>
+      <p:par>
+        <p:cTn id="1" dur="indefinite" restart="never" nodeType="tmRoot"/>
+      </p:par>
+    </p:tnLst>
+  </p:timing>
 </p:sld>
 </file>
 
@@ -8967,38 +5773,32 @@
             <p:ph type="title"/>
           </p:nvPr>
         </p:nvSpPr>
-        <p:spPr/>
+        <p:spPr>
+          <a:xfrm>
+            <a:off x="608012" y="2895600"/>
+            <a:ext cx="11165020" cy="2215991"/>
+          </a:xfrm>
+        </p:spPr>
         <p:txBody>
           <a:bodyPr/>
           <a:lstStyle/>
           <a:p>
-            <a:endParaRPr lang="en-US"/>
-          </a:p>
-        </p:txBody>
-      </p:sp>
-      <p:sp>
-        <p:nvSpPr>
-          <p:cNvPr id="3" name="Content Placeholder 2"/>
-          <p:cNvSpPr>
-            <a:spLocks noGrp="1"/>
-          </p:cNvSpPr>
-          <p:nvPr>
-            <p:ph idx="1"/>
-          </p:nvPr>
-        </p:nvSpPr>
-        <p:spPr/>
-        <p:txBody>
-          <a:bodyPr/>
-          <a:lstStyle/>
-          <a:p>
-            <a:endParaRPr lang="en-US"/>
+            <a:r>
+              <a:rPr lang="en-US" sz="8000" dirty="0" smtClean="0"/>
+              <a:t>DEMO</a:t>
+            </a:r>
+            <a:r>
+              <a:rPr lang="en-US" sz="8000" dirty="0"/>
+              <a:t>: Platform Specific Code</a:t>
+            </a:r>
+            <a:endParaRPr lang="en-US" sz="8000" dirty="0"/>
           </a:p>
         </p:txBody>
       </p:sp>
     </p:spTree>
     <p:extLst>
       <p:ext uri="{BB962C8B-B14F-4D97-AF65-F5344CB8AC3E}">
-        <p14:creationId xmlns:p14="http://schemas.microsoft.com/office/powerpoint/2010/main" val="73078732"/>
+        <p14:creationId xmlns:p14="http://schemas.microsoft.com/office/powerpoint/2010/main" val="1681234996"/>
       </p:ext>
     </p:extLst>
   </p:cSld>
@@ -9008,6 +5808,13 @@
   <p:transition>
     <p:fade/>
   </p:transition>
+  <p:timing>
+    <p:tnLst>
+      <p:par>
+        <p:cTn id="1" dur="indefinite" restart="never" nodeType="tmRoot"/>
+      </p:par>
+    </p:tnLst>
+  </p:timing>
 </p:sld>
 </file>
 
@@ -9038,38 +5845,32 @@
             <p:ph type="title"/>
           </p:nvPr>
         </p:nvSpPr>
-        <p:spPr/>
+        <p:spPr>
+          <a:xfrm>
+            <a:off x="608012" y="2895600"/>
+            <a:ext cx="11165020" cy="1107996"/>
+          </a:xfrm>
+        </p:spPr>
         <p:txBody>
           <a:bodyPr/>
           <a:lstStyle/>
           <a:p>
-            <a:endParaRPr lang="en-US"/>
-          </a:p>
-        </p:txBody>
-      </p:sp>
-      <p:sp>
-        <p:nvSpPr>
-          <p:cNvPr id="3" name="Content Placeholder 2"/>
-          <p:cNvSpPr>
-            <a:spLocks noGrp="1"/>
-          </p:cNvSpPr>
-          <p:nvPr>
-            <p:ph idx="1"/>
-          </p:nvPr>
-        </p:nvSpPr>
-        <p:spPr/>
-        <p:txBody>
-          <a:bodyPr/>
-          <a:lstStyle/>
-          <a:p>
-            <a:endParaRPr lang="en-US"/>
+            <a:r>
+              <a:rPr lang="en-US" sz="8000" dirty="0" smtClean="0"/>
+              <a:t>DEMO</a:t>
+            </a:r>
+            <a:r>
+              <a:rPr lang="en-US" sz="8000" dirty="0"/>
+              <a:t>: Shared Code</a:t>
+            </a:r>
+            <a:endParaRPr lang="en-US" sz="8000" dirty="0"/>
           </a:p>
         </p:txBody>
       </p:sp>
     </p:spTree>
     <p:extLst>
       <p:ext uri="{BB962C8B-B14F-4D97-AF65-F5344CB8AC3E}">
-        <p14:creationId xmlns:p14="http://schemas.microsoft.com/office/powerpoint/2010/main" val="3991062798"/>
+        <p14:creationId xmlns:p14="http://schemas.microsoft.com/office/powerpoint/2010/main" val="318201915"/>
       </p:ext>
     </p:extLst>
   </p:cSld>
@@ -9079,6 +5880,13 @@
   <p:transition>
     <p:fade/>
   </p:transition>
+  <p:timing>
+    <p:tnLst>
+      <p:par>
+        <p:cTn id="1" dur="indefinite" restart="never" nodeType="tmRoot"/>
+      </p:par>
+    </p:tnLst>
+  </p:timing>
 </p:sld>
 </file>
 
@@ -9109,38 +5917,32 @@
             <p:ph type="title"/>
           </p:nvPr>
         </p:nvSpPr>
-        <p:spPr/>
+        <p:spPr>
+          <a:xfrm>
+            <a:off x="608012" y="2895600"/>
+            <a:ext cx="11165020" cy="2215991"/>
+          </a:xfrm>
+        </p:spPr>
         <p:txBody>
           <a:bodyPr/>
           <a:lstStyle/>
           <a:p>
-            <a:endParaRPr lang="en-US"/>
-          </a:p>
-        </p:txBody>
-      </p:sp>
-      <p:sp>
-        <p:nvSpPr>
-          <p:cNvPr id="3" name="Content Placeholder 2"/>
-          <p:cNvSpPr>
-            <a:spLocks noGrp="1"/>
-          </p:cNvSpPr>
-          <p:nvPr>
-            <p:ph idx="1"/>
-          </p:nvPr>
-        </p:nvSpPr>
-        <p:spPr/>
-        <p:txBody>
-          <a:bodyPr/>
-          <a:lstStyle/>
-          <a:p>
-            <a:endParaRPr lang="en-US"/>
+            <a:r>
+              <a:rPr lang="en-US" sz="8000" dirty="0" smtClean="0"/>
+              <a:t>DEMO</a:t>
+            </a:r>
+            <a:r>
+              <a:rPr lang="en-US" sz="8000" dirty="0"/>
+              <a:t>: Implementing Portable Class Libraries</a:t>
+            </a:r>
+            <a:endParaRPr lang="en-US" sz="8000" dirty="0"/>
           </a:p>
         </p:txBody>
       </p:sp>
     </p:spTree>
     <p:extLst>
       <p:ext uri="{BB962C8B-B14F-4D97-AF65-F5344CB8AC3E}">
-        <p14:creationId xmlns:p14="http://schemas.microsoft.com/office/powerpoint/2010/main" val="3413317810"/>
+        <p14:creationId xmlns:p14="http://schemas.microsoft.com/office/powerpoint/2010/main" val="2651995335"/>
       </p:ext>
     </p:extLst>
   </p:cSld>
@@ -9150,6 +5952,13 @@
   <p:transition>
     <p:fade/>
   </p:transition>
+  <p:timing>
+    <p:tnLst>
+      <p:par>
+        <p:cTn id="1" dur="indefinite" restart="never" nodeType="tmRoot"/>
+      </p:par>
+    </p:tnLst>
+  </p:timing>
 </p:sld>
 </file>
 
@@ -9211,7 +6020,7 @@
     </p:spTree>
     <p:extLst>
       <p:ext uri="{BB962C8B-B14F-4D97-AF65-F5344CB8AC3E}">
-        <p14:creationId xmlns:p14="http://schemas.microsoft.com/office/powerpoint/2010/main" val="1309727934"/>
+        <p14:creationId xmlns:p14="http://schemas.microsoft.com/office/powerpoint/2010/main" val="3991062798"/>
       </p:ext>
     </p:extLst>
   </p:cSld>
@@ -9221,6 +6030,13 @@
   <p:transition>
     <p:fade/>
   </p:transition>
+  <p:timing>
+    <p:tnLst>
+      <p:par>
+        <p:cTn id="1" dur="indefinite" restart="never" nodeType="tmRoot"/>
+      </p:par>
+    </p:tnLst>
+  </p:timing>
 </p:sld>
 </file>
 
@@ -9282,7 +6098,7 @@
     </p:spTree>
     <p:extLst>
       <p:ext uri="{BB962C8B-B14F-4D97-AF65-F5344CB8AC3E}">
-        <p14:creationId xmlns:p14="http://schemas.microsoft.com/office/powerpoint/2010/main" val="1637044960"/>
+        <p14:creationId xmlns:p14="http://schemas.microsoft.com/office/powerpoint/2010/main" val="3413317810"/>
       </p:ext>
     </p:extLst>
   </p:cSld>
@@ -9292,6 +6108,13 @@
   <p:transition>
     <p:fade/>
   </p:transition>
+  <p:timing>
+    <p:tnLst>
+      <p:par>
+        <p:cTn id="1" dur="indefinite" restart="never" nodeType="tmRoot"/>
+      </p:par>
+    </p:tnLst>
+  </p:timing>
 </p:sld>
 </file>
 
@@ -9327,477 +6150,35 @@
           <a:bodyPr/>
           <a:lstStyle/>
           <a:p>
-            <a:r>
-              <a:rPr lang="en-US" dirty="0" smtClean="0"/>
-              <a:t>PowerPoint Guidelines</a:t>
-            </a:r>
-            <a:endParaRPr lang="en-US" dirty="0"/>
+            <a:endParaRPr lang="en-US"/>
           </a:p>
         </p:txBody>
       </p:sp>
       <p:sp>
         <p:nvSpPr>
-          <p:cNvPr id="3" name="Text Placeholder 2"/>
+          <p:cNvPr id="3" name="Content Placeholder 2"/>
           <p:cNvSpPr>
             <a:spLocks noGrp="1"/>
           </p:cNvSpPr>
           <p:nvPr>
-            <p:ph type="body" sz="quarter" idx="10"/>
-          </p:nvPr>
-        </p:nvSpPr>
-        <p:spPr>
-          <a:xfrm>
-            <a:off x="507868" y="1411552"/>
-            <a:ext cx="11173090" cy="2703248"/>
-          </a:xfrm>
-        </p:spPr>
+            <p:ph idx="1"/>
+          </p:nvPr>
+        </p:nvSpPr>
+        <p:spPr/>
         <p:txBody>
           <a:bodyPr/>
           <a:lstStyle/>
           <a:p>
-            <a:r>
-              <a:rPr lang="en-US" dirty="0" smtClean="0"/>
-              <a:t>Font, size, and color for text have been</a:t>
-            </a:r>
-            <a:br>
-              <a:rPr lang="en-US" dirty="0" smtClean="0"/>
-            </a:br>
-            <a:r>
-              <a:rPr lang="en-US" dirty="0" smtClean="0"/>
-              <a:t>formatted for you in the Slide Master</a:t>
-            </a:r>
-          </a:p>
-          <a:p>
-            <a:r>
-              <a:rPr lang="en-US" dirty="0" smtClean="0"/>
-              <a:t>Use the color palette shown below</a:t>
-            </a:r>
-          </a:p>
-          <a:p>
-            <a:r>
-              <a:rPr lang="en-US" dirty="0" smtClean="0"/>
-              <a:t>See next slide for additional guidelines</a:t>
-            </a:r>
-          </a:p>
-          <a:p>
-            <a:r>
-              <a:rPr lang="en-US" dirty="0" smtClean="0"/>
-              <a:t>Hyperlink color: </a:t>
-            </a:r>
-            <a:r>
-              <a:rPr lang="en-US" dirty="0" smtClean="0">
-                <a:hlinkClick r:id="rId3"/>
-              </a:rPr>
-              <a:t>www.microsoft.com</a:t>
-            </a:r>
-            <a:r>
-              <a:rPr lang="en-US" dirty="0" smtClean="0"/>
-              <a:t> </a:t>
-            </a:r>
+            <a:endParaRPr lang="en-US"/>
           </a:p>
         </p:txBody>
       </p:sp>
-      <p:sp>
-        <p:nvSpPr>
-          <p:cNvPr id="4" name="Rounded Rectangle 3"/>
-          <p:cNvSpPr/>
-          <p:nvPr/>
-        </p:nvSpPr>
-        <p:spPr bwMode="auto">
-          <a:xfrm>
-            <a:off x="8287111" y="4381503"/>
-            <a:ext cx="2934346" cy="882953"/>
-          </a:xfrm>
-          <a:prstGeom prst="roundRect">
-            <a:avLst>
-              <a:gd name="adj" fmla="val 9033"/>
-            </a:avLst>
-          </a:prstGeom>
-          <a:ln>
-            <a:headEnd type="none" w="med" len="med"/>
-            <a:tailEnd type="none" w="med" len="med"/>
-          </a:ln>
-        </p:spPr>
-        <p:style>
-          <a:lnRef idx="0">
-            <a:schemeClr val="accent3"/>
-          </a:lnRef>
-          <a:fillRef idx="3">
-            <a:schemeClr val="accent3"/>
-          </a:fillRef>
-          <a:effectRef idx="3">
-            <a:schemeClr val="accent3"/>
-          </a:effectRef>
-          <a:fontRef idx="minor">
-            <a:schemeClr val="lt1"/>
-          </a:fontRef>
-        </p:style>
-        <p:txBody>
-          <a:bodyPr vert="horz" wrap="square" lIns="91436" tIns="45718" rIns="91436" bIns="45718" numCol="1" rtlCol="0" anchor="ctr" anchorCtr="0" compatLnSpc="1">
-            <a:prstTxWarp prst="textNoShape">
-              <a:avLst/>
-            </a:prstTxWarp>
-          </a:bodyPr>
-          <a:lstStyle/>
-          <a:p>
-            <a:pPr algn="ctr" defTabSz="914099" fontAlgn="base">
-              <a:spcBef>
-                <a:spcPct val="0"/>
-              </a:spcBef>
-              <a:spcAft>
-                <a:spcPct val="0"/>
-              </a:spcAft>
-            </a:pPr>
-            <a:r>
-              <a:rPr lang="en-US" sz="2400" dirty="0" smtClean="0">
-                <a:solidFill>
-                  <a:srgbClr val="FFFFFF"/>
-                </a:solidFill>
-                <a:effectLst>
-                  <a:outerShdw blurRad="38100" dist="38100" dir="2700000" algn="tl">
-                    <a:srgbClr val="000000">
-                      <a:alpha val="43137"/>
-                    </a:srgbClr>
-                  </a:outerShdw>
-                </a:effectLst>
-              </a:rPr>
-              <a:t>Sample Fill</a:t>
-            </a:r>
-          </a:p>
-        </p:txBody>
-      </p:sp>
-      <p:sp>
-        <p:nvSpPr>
-          <p:cNvPr id="5" name="Rounded Rectangle 4"/>
-          <p:cNvSpPr/>
-          <p:nvPr/>
-        </p:nvSpPr>
-        <p:spPr bwMode="auto">
-          <a:xfrm>
-            <a:off x="4740099" y="4381503"/>
-            <a:ext cx="2934346" cy="882953"/>
-          </a:xfrm>
-          <a:prstGeom prst="roundRect">
-            <a:avLst>
-              <a:gd name="adj" fmla="val 9033"/>
-            </a:avLst>
-          </a:prstGeom>
-          <a:ln>
-            <a:headEnd type="none" w="med" len="med"/>
-            <a:tailEnd type="none" w="med" len="med"/>
-          </a:ln>
-        </p:spPr>
-        <p:style>
-          <a:lnRef idx="0">
-            <a:schemeClr val="accent2"/>
-          </a:lnRef>
-          <a:fillRef idx="3">
-            <a:schemeClr val="accent2"/>
-          </a:fillRef>
-          <a:effectRef idx="3">
-            <a:schemeClr val="accent2"/>
-          </a:effectRef>
-          <a:fontRef idx="minor">
-            <a:schemeClr val="lt1"/>
-          </a:fontRef>
-        </p:style>
-        <p:txBody>
-          <a:bodyPr vert="horz" wrap="square" lIns="91436" tIns="45718" rIns="91436" bIns="45718" numCol="1" rtlCol="0" anchor="ctr" anchorCtr="0" compatLnSpc="1">
-            <a:prstTxWarp prst="textNoShape">
-              <a:avLst/>
-            </a:prstTxWarp>
-          </a:bodyPr>
-          <a:lstStyle/>
-          <a:p>
-            <a:pPr algn="ctr" defTabSz="914099" fontAlgn="base">
-              <a:spcBef>
-                <a:spcPct val="0"/>
-              </a:spcBef>
-              <a:spcAft>
-                <a:spcPct val="0"/>
-              </a:spcAft>
-            </a:pPr>
-            <a:r>
-              <a:rPr lang="en-US" sz="2400" dirty="0" smtClean="0">
-                <a:solidFill>
-                  <a:srgbClr val="FFFFFF"/>
-                </a:solidFill>
-                <a:effectLst>
-                  <a:outerShdw blurRad="38100" dist="38100" dir="2700000" algn="tl">
-                    <a:srgbClr val="000000">
-                      <a:alpha val="43137"/>
-                    </a:srgbClr>
-                  </a:outerShdw>
-                </a:effectLst>
-              </a:rPr>
-              <a:t>Sample Fill</a:t>
-            </a:r>
-          </a:p>
-        </p:txBody>
-      </p:sp>
-      <p:sp>
-        <p:nvSpPr>
-          <p:cNvPr id="6" name="Rounded Rectangle 5"/>
-          <p:cNvSpPr/>
-          <p:nvPr/>
-        </p:nvSpPr>
-        <p:spPr bwMode="auto">
-          <a:xfrm>
-            <a:off x="1100382" y="4381503"/>
-            <a:ext cx="2934346" cy="882953"/>
-          </a:xfrm>
-          <a:prstGeom prst="roundRect">
-            <a:avLst>
-              <a:gd name="adj" fmla="val 9033"/>
-            </a:avLst>
-          </a:prstGeom>
-          <a:ln>
-            <a:headEnd type="none" w="med" len="med"/>
-            <a:tailEnd type="none" w="med" len="med"/>
-          </a:ln>
-        </p:spPr>
-        <p:style>
-          <a:lnRef idx="0">
-            <a:schemeClr val="accent1"/>
-          </a:lnRef>
-          <a:fillRef idx="3">
-            <a:schemeClr val="accent1"/>
-          </a:fillRef>
-          <a:effectRef idx="3">
-            <a:schemeClr val="accent1"/>
-          </a:effectRef>
-          <a:fontRef idx="minor">
-            <a:schemeClr val="lt1"/>
-          </a:fontRef>
-        </p:style>
-        <p:txBody>
-          <a:bodyPr vert="horz" wrap="square" lIns="91436" tIns="45718" rIns="91436" bIns="45718" numCol="1" rtlCol="0" anchor="ctr" anchorCtr="0" compatLnSpc="1">
-            <a:prstTxWarp prst="textNoShape">
-              <a:avLst/>
-            </a:prstTxWarp>
-          </a:bodyPr>
-          <a:lstStyle/>
-          <a:p>
-            <a:pPr algn="ctr" defTabSz="914099"/>
-            <a:r>
-              <a:rPr lang="en-US" sz="2400" dirty="0" smtClean="0">
-                <a:solidFill>
-                  <a:srgbClr val="FFFFFF"/>
-                </a:solidFill>
-                <a:effectLst>
-                  <a:outerShdw blurRad="38100" dist="38100" dir="2700000" algn="tl">
-                    <a:srgbClr val="000000">
-                      <a:alpha val="43137"/>
-                    </a:srgbClr>
-                  </a:outerShdw>
-                </a:effectLst>
-              </a:rPr>
-              <a:t>Sample Fill</a:t>
-            </a:r>
-          </a:p>
-        </p:txBody>
-      </p:sp>
-      <p:sp>
-        <p:nvSpPr>
-          <p:cNvPr id="7" name="Rounded Rectangle 6"/>
-          <p:cNvSpPr/>
-          <p:nvPr/>
-        </p:nvSpPr>
-        <p:spPr bwMode="auto">
-          <a:xfrm>
-            <a:off x="8287111" y="5539622"/>
-            <a:ext cx="2934346" cy="882953"/>
-          </a:xfrm>
-          <a:prstGeom prst="roundRect">
-            <a:avLst>
-              <a:gd name="adj" fmla="val 9033"/>
-            </a:avLst>
-          </a:prstGeom>
-          <a:ln>
-            <a:headEnd type="none" w="med" len="med"/>
-            <a:tailEnd type="none" w="med" len="med"/>
-          </a:ln>
-        </p:spPr>
-        <p:style>
-          <a:lnRef idx="0">
-            <a:schemeClr val="accent6"/>
-          </a:lnRef>
-          <a:fillRef idx="3">
-            <a:schemeClr val="accent6"/>
-          </a:fillRef>
-          <a:effectRef idx="3">
-            <a:schemeClr val="accent6"/>
-          </a:effectRef>
-          <a:fontRef idx="minor">
-            <a:schemeClr val="lt1"/>
-          </a:fontRef>
-        </p:style>
-        <p:txBody>
-          <a:bodyPr vert="horz" wrap="square" lIns="91436" tIns="45718" rIns="91436" bIns="45718" numCol="1" rtlCol="0" anchor="ctr" anchorCtr="0" compatLnSpc="1">
-            <a:prstTxWarp prst="textNoShape">
-              <a:avLst/>
-            </a:prstTxWarp>
-          </a:bodyPr>
-          <a:lstStyle/>
-          <a:p>
-            <a:pPr algn="ctr" defTabSz="914099" fontAlgn="base">
-              <a:spcBef>
-                <a:spcPct val="0"/>
-              </a:spcBef>
-              <a:spcAft>
-                <a:spcPct val="0"/>
-              </a:spcAft>
-            </a:pPr>
-            <a:r>
-              <a:rPr lang="en-US" sz="2400" dirty="0" smtClean="0">
-                <a:solidFill>
-                  <a:srgbClr val="FFFFFF"/>
-                </a:solidFill>
-                <a:effectLst>
-                  <a:outerShdw blurRad="38100" dist="38100" dir="2700000" algn="tl">
-                    <a:srgbClr val="000000">
-                      <a:alpha val="43137"/>
-                    </a:srgbClr>
-                  </a:outerShdw>
-                </a:effectLst>
-              </a:rPr>
-              <a:t>Sample Fill</a:t>
-            </a:r>
-          </a:p>
-        </p:txBody>
-      </p:sp>
-      <p:sp>
-        <p:nvSpPr>
-          <p:cNvPr id="8" name="Rounded Rectangle 7"/>
-          <p:cNvSpPr/>
-          <p:nvPr/>
-        </p:nvSpPr>
-        <p:spPr bwMode="auto">
-          <a:xfrm>
-            <a:off x="4740099" y="5539622"/>
-            <a:ext cx="2934346" cy="882953"/>
-          </a:xfrm>
-          <a:prstGeom prst="roundRect">
-            <a:avLst>
-              <a:gd name="adj" fmla="val 9033"/>
-            </a:avLst>
-          </a:prstGeom>
-          <a:ln>
-            <a:headEnd type="none" w="med" len="med"/>
-            <a:tailEnd type="none" w="med" len="med"/>
-          </a:ln>
-        </p:spPr>
-        <p:style>
-          <a:lnRef idx="0">
-            <a:schemeClr val="accent5"/>
-          </a:lnRef>
-          <a:fillRef idx="3">
-            <a:schemeClr val="accent5"/>
-          </a:fillRef>
-          <a:effectRef idx="3">
-            <a:schemeClr val="accent5"/>
-          </a:effectRef>
-          <a:fontRef idx="minor">
-            <a:schemeClr val="lt1"/>
-          </a:fontRef>
-        </p:style>
-        <p:txBody>
-          <a:bodyPr vert="horz" wrap="square" lIns="91436" tIns="45718" rIns="91436" bIns="45718" numCol="1" rtlCol="0" anchor="ctr" anchorCtr="0" compatLnSpc="1">
-            <a:prstTxWarp prst="textNoShape">
-              <a:avLst/>
-            </a:prstTxWarp>
-          </a:bodyPr>
-          <a:lstStyle/>
-          <a:p>
-            <a:pPr algn="ctr" defTabSz="914099" fontAlgn="base">
-              <a:spcBef>
-                <a:spcPct val="0"/>
-              </a:spcBef>
-              <a:spcAft>
-                <a:spcPct val="0"/>
-              </a:spcAft>
-            </a:pPr>
-            <a:r>
-              <a:rPr lang="en-US" sz="2400" dirty="0" smtClean="0">
-                <a:solidFill>
-                  <a:srgbClr val="FFFFFF"/>
-                </a:solidFill>
-                <a:effectLst>
-                  <a:outerShdw blurRad="38100" dist="38100" dir="2700000" algn="tl">
-                    <a:srgbClr val="000000">
-                      <a:alpha val="43137"/>
-                    </a:srgbClr>
-                  </a:outerShdw>
-                </a:effectLst>
-              </a:rPr>
-              <a:t>Sample Fill</a:t>
-            </a:r>
-          </a:p>
-        </p:txBody>
-      </p:sp>
-      <p:sp>
-        <p:nvSpPr>
-          <p:cNvPr id="9" name="Rounded Rectangle 8"/>
-          <p:cNvSpPr/>
-          <p:nvPr/>
-        </p:nvSpPr>
-        <p:spPr bwMode="auto">
-          <a:xfrm>
-            <a:off x="1100382" y="5539622"/>
-            <a:ext cx="2934346" cy="882953"/>
-          </a:xfrm>
-          <a:prstGeom prst="roundRect">
-            <a:avLst>
-              <a:gd name="adj" fmla="val 9033"/>
-            </a:avLst>
-          </a:prstGeom>
-          <a:ln>
-            <a:headEnd type="none" w="med" len="med"/>
-            <a:tailEnd type="none" w="med" len="med"/>
-          </a:ln>
-        </p:spPr>
-        <p:style>
-          <a:lnRef idx="0">
-            <a:schemeClr val="accent4"/>
-          </a:lnRef>
-          <a:fillRef idx="3">
-            <a:schemeClr val="accent4"/>
-          </a:fillRef>
-          <a:effectRef idx="3">
-            <a:schemeClr val="accent4"/>
-          </a:effectRef>
-          <a:fontRef idx="minor">
-            <a:schemeClr val="lt1"/>
-          </a:fontRef>
-        </p:style>
-        <p:txBody>
-          <a:bodyPr vert="horz" wrap="square" lIns="91436" tIns="45718" rIns="91436" bIns="45718" numCol="1" rtlCol="0" anchor="ctr" anchorCtr="0" compatLnSpc="1">
-            <a:prstTxWarp prst="textNoShape">
-              <a:avLst/>
-            </a:prstTxWarp>
-          </a:bodyPr>
-          <a:lstStyle/>
-          <a:p>
-            <a:pPr algn="ctr" defTabSz="914099"/>
-            <a:r>
-              <a:rPr lang="en-US" sz="2400" dirty="0" smtClean="0">
-                <a:solidFill>
-                  <a:srgbClr val="FFFFFF"/>
-                </a:solidFill>
-                <a:effectLst>
-                  <a:outerShdw blurRad="38100" dist="38100" dir="2700000" algn="tl">
-                    <a:srgbClr val="000000">
-                      <a:alpha val="43137"/>
-                    </a:srgbClr>
-                  </a:outerShdw>
-                </a:effectLst>
-              </a:rPr>
-              <a:t>Sample Fill</a:t>
-            </a:r>
-          </a:p>
-        </p:txBody>
-      </p:sp>
     </p:spTree>
+    <p:extLst>
+      <p:ext uri="{BB962C8B-B14F-4D97-AF65-F5344CB8AC3E}">
+        <p14:creationId xmlns:p14="http://schemas.microsoft.com/office/powerpoint/2010/main" val="1309727934"/>
+      </p:ext>
+    </p:extLst>
   </p:cSld>
   <p:clrMapOvr>
     <a:masterClrMapping/>
@@ -9842,127 +6223,40 @@
             <p:ph type="title"/>
           </p:nvPr>
         </p:nvSpPr>
-        <p:spPr>
-          <a:xfrm>
-            <a:off x="507868" y="230189"/>
-            <a:ext cx="11173090" cy="1163395"/>
-          </a:xfrm>
-        </p:spPr>
+        <p:spPr/>
         <p:txBody>
-          <a:bodyPr>
-            <a:normAutofit/>
-          </a:bodyPr>
+          <a:bodyPr/>
           <a:lstStyle/>
           <a:p>
-            <a:r>
-              <a:rPr lang="en-US" dirty="0" smtClean="0"/>
-              <a:t>PowerPoint Template</a:t>
-            </a:r>
-            <a:br>
-              <a:rPr lang="en-US" dirty="0" smtClean="0"/>
-            </a:br>
-            <a:r>
-              <a:rPr lang="en-US" sz="3600" dirty="0" smtClean="0">
-                <a:solidFill>
-                  <a:schemeClr val="accent2"/>
-                </a:solidFill>
-              </a:rPr>
-              <a:t>Subtitle color</a:t>
-            </a:r>
-            <a:endParaRPr lang="en-US" dirty="0">
-              <a:solidFill>
-                <a:schemeClr val="accent2"/>
-              </a:solidFill>
-            </a:endParaRPr>
+            <a:endParaRPr lang="en-US"/>
           </a:p>
         </p:txBody>
       </p:sp>
       <p:sp>
         <p:nvSpPr>
-          <p:cNvPr id="3" name="Text Placeholder 2"/>
+          <p:cNvPr id="3" name="Content Placeholder 2"/>
           <p:cNvSpPr>
             <a:spLocks noGrp="1"/>
           </p:cNvSpPr>
           <p:nvPr>
-            <p:ph type="body" sz="quarter" idx="10"/>
-          </p:nvPr>
-        </p:nvSpPr>
-        <p:spPr>
-          <a:xfrm>
-            <a:off x="507868" y="1905001"/>
-            <a:ext cx="11173090" cy="3890296"/>
-          </a:xfrm>
-        </p:spPr>
+            <p:ph idx="1"/>
+          </p:nvPr>
+        </p:nvSpPr>
+        <p:spPr/>
         <p:txBody>
-          <a:bodyPr>
-            <a:normAutofit/>
-          </a:bodyPr>
+          <a:bodyPr/>
           <a:lstStyle/>
           <a:p>
-            <a:r>
-              <a:rPr lang="en-US" dirty="0" smtClean="0"/>
-              <a:t>Example of a slide with a subhead</a:t>
-            </a:r>
-          </a:p>
-          <a:p>
-            <a:pPr lvl="1"/>
-            <a:r>
-              <a:rPr lang="en-US" dirty="0" smtClean="0"/>
-              <a:t>Set the slide title in “title case”</a:t>
-            </a:r>
-          </a:p>
-          <a:p>
-            <a:pPr lvl="1"/>
-            <a:r>
-              <a:rPr lang="en-US" dirty="0" smtClean="0"/>
-              <a:t>Set subheads in “sentence case”</a:t>
-            </a:r>
-          </a:p>
-          <a:p>
-            <a:pPr lvl="1"/>
-            <a:r>
-              <a:rPr lang="en-US" dirty="0" smtClean="0"/>
-              <a:t>Generally set subhead to 36pt or</a:t>
-            </a:r>
-            <a:br>
-              <a:rPr lang="en-US" dirty="0" smtClean="0"/>
-            </a:br>
-            <a:r>
-              <a:rPr lang="en-US" dirty="0" smtClean="0"/>
-              <a:t>smaller so it will fit on a single line</a:t>
-            </a:r>
-          </a:p>
-          <a:p>
-            <a:pPr lvl="1"/>
-            <a:r>
-              <a:rPr lang="en-US" dirty="0" smtClean="0"/>
-              <a:t>The subhead color is defined for this</a:t>
-            </a:r>
-            <a:br>
-              <a:rPr lang="en-US" dirty="0" smtClean="0"/>
-            </a:br>
-            <a:r>
-              <a:rPr lang="en-US" dirty="0" smtClean="0"/>
-              <a:t>template but must be selected. In</a:t>
-            </a:r>
-            <a:br>
-              <a:rPr lang="en-US" dirty="0" smtClean="0"/>
-            </a:br>
-            <a:r>
-              <a:rPr lang="en-US" dirty="0" smtClean="0"/>
-              <a:t>PowerPoint 2007, it is the fourth font</a:t>
-            </a:r>
-            <a:br>
-              <a:rPr lang="en-US" dirty="0" smtClean="0"/>
-            </a:br>
-            <a:r>
-              <a:rPr lang="en-US" dirty="0" smtClean="0"/>
-              <a:t>color from the left</a:t>
-            </a:r>
+            <a:endParaRPr lang="en-US"/>
           </a:p>
         </p:txBody>
       </p:sp>
     </p:spTree>
+    <p:extLst>
+      <p:ext uri="{BB962C8B-B14F-4D97-AF65-F5344CB8AC3E}">
+        <p14:creationId xmlns:p14="http://schemas.microsoft.com/office/powerpoint/2010/main" val="1637044960"/>
+      </p:ext>
+    </p:extLst>
   </p:cSld>
   <p:clrMapOvr>
     <a:masterClrMapping/>
@@ -10104,832 +6398,6 @@
   <p:transition>
     <p:fade/>
   </p:transition>
-</p:sld>
-</file>
-
-<file path=ppt/slides/slide20.xml><?xml version="1.0" encoding="utf-8"?>
-<p:sld xmlns:a="http://schemas.openxmlformats.org/drawingml/2006/main" xmlns:r="http://schemas.openxmlformats.org/officeDocument/2006/relationships" xmlns:p="http://schemas.openxmlformats.org/presentationml/2006/main">
-  <p:cSld>
-    <p:spTree>
-      <p:nvGrpSpPr>
-        <p:cNvPr id="1" name=""/>
-        <p:cNvGrpSpPr/>
-        <p:nvPr/>
-      </p:nvGrpSpPr>
-      <p:grpSpPr>
-        <a:xfrm>
-          <a:off x="0" y="0"/>
-          <a:ext cx="0" cy="0"/>
-          <a:chOff x="0" y="0"/>
-          <a:chExt cx="0" cy="0"/>
-        </a:xfrm>
-      </p:grpSpPr>
-      <p:sp>
-        <p:nvSpPr>
-          <p:cNvPr id="2" name="Title 1"/>
-          <p:cNvSpPr>
-            <a:spLocks noGrp="1"/>
-          </p:cNvSpPr>
-          <p:nvPr>
-            <p:ph type="title"/>
-          </p:nvPr>
-        </p:nvSpPr>
-        <p:spPr/>
-        <p:txBody>
-          <a:bodyPr/>
-          <a:lstStyle/>
-          <a:p>
-            <a:r>
-              <a:rPr smtClean="0"/>
-              <a:t>Bar Chart Example</a:t>
-            </a:r>
-            <a:endParaRPr lang="en-US" dirty="0"/>
-          </a:p>
-        </p:txBody>
-      </p:sp>
-      <p:graphicFrame>
-        <p:nvGraphicFramePr>
-          <p:cNvPr id="3" name="Chart 2"/>
-          <p:cNvGraphicFramePr/>
-          <p:nvPr/>
-        </p:nvGraphicFramePr>
-        <p:xfrm>
-          <a:off x="507868" y="1182687"/>
-          <a:ext cx="10705782" cy="5270500"/>
-        </p:xfrm>
-        <a:graphic>
-          <a:graphicData uri="http://schemas.openxmlformats.org/drawingml/2006/chart">
-            <c:chart xmlns:c="http://schemas.openxmlformats.org/drawingml/2006/chart" xmlns:r="http://schemas.openxmlformats.org/officeDocument/2006/relationships" r:id="rId3"/>
-          </a:graphicData>
-        </a:graphic>
-      </p:graphicFrame>
-    </p:spTree>
-  </p:cSld>
-  <p:clrMapOvr>
-    <a:masterClrMapping/>
-  </p:clrMapOvr>
-  <p:transition>
-    <p:fade/>
-  </p:transition>
-  <p:timing>
-    <p:tnLst>
-      <p:par>
-        <p:cTn id="1" dur="indefinite" restart="never" nodeType="tmRoot"/>
-      </p:par>
-    </p:tnLst>
-  </p:timing>
-</p:sld>
-</file>
-
-<file path=ppt/slides/slide21.xml><?xml version="1.0" encoding="utf-8"?>
-<p:sld xmlns:a="http://schemas.openxmlformats.org/drawingml/2006/main" xmlns:r="http://schemas.openxmlformats.org/officeDocument/2006/relationships" xmlns:p="http://schemas.openxmlformats.org/presentationml/2006/main">
-  <p:cSld>
-    <p:spTree>
-      <p:nvGrpSpPr>
-        <p:cNvPr id="1" name=""/>
-        <p:cNvGrpSpPr/>
-        <p:nvPr/>
-      </p:nvGrpSpPr>
-      <p:grpSpPr>
-        <a:xfrm>
-          <a:off x="0" y="0"/>
-          <a:ext cx="0" cy="0"/>
-          <a:chOff x="0" y="0"/>
-          <a:chExt cx="0" cy="0"/>
-        </a:xfrm>
-      </p:grpSpPr>
-      <p:sp>
-        <p:nvSpPr>
-          <p:cNvPr id="3" name="Title 2"/>
-          <p:cNvSpPr>
-            <a:spLocks noGrp="1"/>
-          </p:cNvSpPr>
-          <p:nvPr>
-            <p:ph type="title"/>
-          </p:nvPr>
-        </p:nvSpPr>
-        <p:spPr/>
-        <p:txBody>
-          <a:bodyPr/>
-          <a:lstStyle/>
-          <a:p>
-            <a:r>
-              <a:rPr smtClean="0"/>
-              <a:t>Pie Chart Example</a:t>
-            </a:r>
-            <a:endParaRPr lang="en-US" dirty="0"/>
-          </a:p>
-        </p:txBody>
-      </p:sp>
-      <p:graphicFrame>
-        <p:nvGraphicFramePr>
-          <p:cNvPr id="5" name="Chart 4"/>
-          <p:cNvGraphicFramePr/>
-          <p:nvPr/>
-        </p:nvGraphicFramePr>
-        <p:xfrm>
-          <a:off x="825287" y="1293813"/>
-          <a:ext cx="10347805" cy="4889499"/>
-        </p:xfrm>
-        <a:graphic>
-          <a:graphicData uri="http://schemas.openxmlformats.org/drawingml/2006/chart">
-            <c:chart xmlns:c="http://schemas.openxmlformats.org/drawingml/2006/chart" xmlns:r="http://schemas.openxmlformats.org/officeDocument/2006/relationships" r:id="rId3"/>
-          </a:graphicData>
-        </a:graphic>
-      </p:graphicFrame>
-    </p:spTree>
-  </p:cSld>
-  <p:clrMapOvr>
-    <a:masterClrMapping/>
-  </p:clrMapOvr>
-  <p:transition>
-    <p:fade/>
-  </p:transition>
-  <p:timing>
-    <p:tnLst>
-      <p:par>
-        <p:cTn id="1" dur="indefinite" restart="never" nodeType="tmRoot"/>
-      </p:par>
-    </p:tnLst>
-  </p:timing>
-</p:sld>
-</file>
-
-<file path=ppt/slides/slide22.xml><?xml version="1.0" encoding="utf-8"?>
-<p:sld xmlns:a="http://schemas.openxmlformats.org/drawingml/2006/main" xmlns:r="http://schemas.openxmlformats.org/officeDocument/2006/relationships" xmlns:p="http://schemas.openxmlformats.org/presentationml/2006/main">
-  <p:cSld>
-    <p:spTree>
-      <p:nvGrpSpPr>
-        <p:cNvPr id="1" name=""/>
-        <p:cNvGrpSpPr/>
-        <p:nvPr/>
-      </p:nvGrpSpPr>
-      <p:grpSpPr>
-        <a:xfrm>
-          <a:off x="0" y="0"/>
-          <a:ext cx="0" cy="0"/>
-          <a:chOff x="0" y="0"/>
-          <a:chExt cx="0" cy="0"/>
-        </a:xfrm>
-      </p:grpSpPr>
-      <p:sp>
-        <p:nvSpPr>
-          <p:cNvPr id="2" name="Title 1"/>
-          <p:cNvSpPr>
-            <a:spLocks noGrp="1"/>
-          </p:cNvSpPr>
-          <p:nvPr>
-            <p:ph type="title"/>
-          </p:nvPr>
-        </p:nvSpPr>
-        <p:spPr/>
-        <p:txBody>
-          <a:bodyPr/>
-          <a:lstStyle/>
-          <a:p>
-            <a:r>
-              <a:rPr smtClean="0"/>
-              <a:t>Line Chart Example</a:t>
-            </a:r>
-            <a:endParaRPr lang="en-US" dirty="0"/>
-          </a:p>
-        </p:txBody>
-      </p:sp>
-      <p:graphicFrame>
-        <p:nvGraphicFramePr>
-          <p:cNvPr id="3" name="Chart 2"/>
-          <p:cNvGraphicFramePr/>
-          <p:nvPr/>
-        </p:nvGraphicFramePr>
-        <p:xfrm>
-          <a:off x="463320" y="1149688"/>
-          <a:ext cx="10905790" cy="5240421"/>
-        </p:xfrm>
-        <a:graphic>
-          <a:graphicData uri="http://schemas.openxmlformats.org/drawingml/2006/chart">
-            <c:chart xmlns:c="http://schemas.openxmlformats.org/drawingml/2006/chart" xmlns:r="http://schemas.openxmlformats.org/officeDocument/2006/relationships" r:id="rId3"/>
-          </a:graphicData>
-        </a:graphic>
-      </p:graphicFrame>
-    </p:spTree>
-  </p:cSld>
-  <p:clrMapOvr>
-    <a:masterClrMapping/>
-  </p:clrMapOvr>
-  <p:transition>
-    <p:fade/>
-  </p:transition>
-  <p:timing>
-    <p:tnLst>
-      <p:par>
-        <p:cTn id="1" dur="indefinite" restart="never" nodeType="tmRoot"/>
-      </p:par>
-    </p:tnLst>
-  </p:timing>
-</p:sld>
-</file>
-
-<file path=ppt/slides/slide23.xml><?xml version="1.0" encoding="utf-8"?>
-<p:sld xmlns:a="http://schemas.openxmlformats.org/drawingml/2006/main" xmlns:r="http://schemas.openxmlformats.org/officeDocument/2006/relationships" xmlns:p="http://schemas.openxmlformats.org/presentationml/2006/main">
-  <p:cSld>
-    <p:spTree>
-      <p:nvGrpSpPr>
-        <p:cNvPr id="1" name=""/>
-        <p:cNvGrpSpPr/>
-        <p:nvPr/>
-      </p:nvGrpSpPr>
-      <p:grpSpPr>
-        <a:xfrm>
-          <a:off x="0" y="0"/>
-          <a:ext cx="0" cy="0"/>
-          <a:chOff x="0" y="0"/>
-          <a:chExt cx="0" cy="0"/>
-        </a:xfrm>
-      </p:grpSpPr>
-      <p:sp>
-        <p:nvSpPr>
-          <p:cNvPr id="2" name="Title 1"/>
-          <p:cNvSpPr>
-            <a:spLocks noGrp="1"/>
-          </p:cNvSpPr>
-          <p:nvPr>
-            <p:ph type="title"/>
-          </p:nvPr>
-        </p:nvSpPr>
-        <p:spPr/>
-        <p:txBody>
-          <a:bodyPr/>
-          <a:lstStyle/>
-          <a:p>
-            <a:r>
-              <a:rPr smtClean="0"/>
-              <a:t>Area Chart Example</a:t>
-            </a:r>
-            <a:endParaRPr lang="en-US" dirty="0"/>
-          </a:p>
-        </p:txBody>
-      </p:sp>
-      <p:graphicFrame>
-        <p:nvGraphicFramePr>
-          <p:cNvPr id="3" name="Chart 2"/>
-          <p:cNvGraphicFramePr/>
-          <p:nvPr/>
-        </p:nvGraphicFramePr>
-        <p:xfrm>
-          <a:off x="677159" y="1087438"/>
-          <a:ext cx="10432449" cy="5341938"/>
-        </p:xfrm>
-        <a:graphic>
-          <a:graphicData uri="http://schemas.openxmlformats.org/drawingml/2006/chart">
-            <c:chart xmlns:c="http://schemas.openxmlformats.org/drawingml/2006/chart" xmlns:r="http://schemas.openxmlformats.org/officeDocument/2006/relationships" r:id="rId3"/>
-          </a:graphicData>
-        </a:graphic>
-      </p:graphicFrame>
-    </p:spTree>
-  </p:cSld>
-  <p:clrMapOvr>
-    <a:masterClrMapping/>
-  </p:clrMapOvr>
-  <p:transition>
-    <p:fade/>
-  </p:transition>
-  <p:timing>
-    <p:tnLst>
-      <p:par>
-        <p:cTn id="1" dur="indefinite" restart="never" nodeType="tmRoot"/>
-      </p:par>
-    </p:tnLst>
-  </p:timing>
-</p:sld>
-</file>
-
-<file path=ppt/slides/slide24.xml><?xml version="1.0" encoding="utf-8"?>
-<p:sld xmlns:a="http://schemas.openxmlformats.org/drawingml/2006/main" xmlns:r="http://schemas.openxmlformats.org/officeDocument/2006/relationships" xmlns:p="http://schemas.openxmlformats.org/presentationml/2006/main">
-  <p:cSld>
-    <p:spTree>
-      <p:nvGrpSpPr>
-        <p:cNvPr id="1" name=""/>
-        <p:cNvGrpSpPr/>
-        <p:nvPr/>
-      </p:nvGrpSpPr>
-      <p:grpSpPr>
-        <a:xfrm>
-          <a:off x="0" y="0"/>
-          <a:ext cx="0" cy="0"/>
-          <a:chOff x="0" y="0"/>
-          <a:chExt cx="0" cy="0"/>
-        </a:xfrm>
-      </p:grpSpPr>
-      <p:sp>
-        <p:nvSpPr>
-          <p:cNvPr id="2" name="Title 1"/>
-          <p:cNvSpPr>
-            <a:spLocks noGrp="1"/>
-          </p:cNvSpPr>
-          <p:nvPr>
-            <p:ph type="ctrTitle"/>
-          </p:nvPr>
-        </p:nvSpPr>
-        <p:spPr/>
-        <p:txBody>
-          <a:bodyPr/>
-          <a:lstStyle/>
-          <a:p>
-            <a:r>
-              <a:rPr lang="en-US" smtClean="0"/>
-              <a:t>Demo Title</a:t>
-            </a:r>
-            <a:endParaRPr lang="en-US" dirty="0"/>
-          </a:p>
-        </p:txBody>
-      </p:sp>
-      <p:sp>
-        <p:nvSpPr>
-          <p:cNvPr id="3" name="Subtitle 2"/>
-          <p:cNvSpPr>
-            <a:spLocks noGrp="1"/>
-          </p:cNvSpPr>
-          <p:nvPr>
-            <p:ph type="subTitle" idx="1"/>
-          </p:nvPr>
-        </p:nvSpPr>
-        <p:spPr>
-          <a:xfrm>
-            <a:off x="973139" y="3276600"/>
-            <a:ext cx="9324171" cy="1371600"/>
-          </a:xfrm>
-        </p:spPr>
-        <p:txBody>
-          <a:bodyPr/>
-          <a:lstStyle/>
-          <a:p>
-            <a:r>
-              <a:rPr lang="en-US" dirty="0" smtClean="0"/>
-              <a:t>Name</a:t>
-            </a:r>
-          </a:p>
-          <a:p>
-            <a:r>
-              <a:rPr lang="en-US" dirty="0" smtClean="0"/>
-              <a:t>Title</a:t>
-            </a:r>
-          </a:p>
-          <a:p>
-            <a:r>
-              <a:rPr lang="en-US" dirty="0" smtClean="0"/>
-              <a:t>Group</a:t>
-            </a:r>
-            <a:endParaRPr lang="en-US" dirty="0"/>
-          </a:p>
-        </p:txBody>
-      </p:sp>
-      <p:sp>
-        <p:nvSpPr>
-          <p:cNvPr id="4" name="Text Placeholder 3"/>
-          <p:cNvSpPr>
-            <a:spLocks noGrp="1"/>
-          </p:cNvSpPr>
-          <p:nvPr>
-            <p:ph type="body" sz="quarter" idx="10"/>
-          </p:nvPr>
-        </p:nvSpPr>
-        <p:spPr/>
-        <p:txBody>
-          <a:bodyPr/>
-          <a:lstStyle/>
-          <a:p>
-            <a:r>
-              <a:rPr lang="en-US" smtClean="0"/>
-              <a:t>demo </a:t>
-            </a:r>
-            <a:endParaRPr lang="en-US" dirty="0"/>
-          </a:p>
-        </p:txBody>
-      </p:sp>
-    </p:spTree>
-  </p:cSld>
-  <p:clrMapOvr>
-    <a:masterClrMapping/>
-  </p:clrMapOvr>
-  <p:transition>
-    <p:fade/>
-  </p:transition>
-  <p:timing>
-    <p:tnLst>
-      <p:par>
-        <p:cTn id="1" dur="indefinite" restart="never" nodeType="tmRoot"/>
-      </p:par>
-    </p:tnLst>
-  </p:timing>
-</p:sld>
-</file>
-
-<file path=ppt/slides/slide25.xml><?xml version="1.0" encoding="utf-8"?>
-<p:sld xmlns:a="http://schemas.openxmlformats.org/drawingml/2006/main" xmlns:r="http://schemas.openxmlformats.org/officeDocument/2006/relationships" xmlns:p="http://schemas.openxmlformats.org/presentationml/2006/main">
-  <p:cSld>
-    <p:spTree>
-      <p:nvGrpSpPr>
-        <p:cNvPr id="1" name=""/>
-        <p:cNvGrpSpPr/>
-        <p:nvPr/>
-      </p:nvGrpSpPr>
-      <p:grpSpPr>
-        <a:xfrm>
-          <a:off x="0" y="0"/>
-          <a:ext cx="0" cy="0"/>
-          <a:chOff x="0" y="0"/>
-          <a:chExt cx="0" cy="0"/>
-        </a:xfrm>
-      </p:grpSpPr>
-      <p:sp>
-        <p:nvSpPr>
-          <p:cNvPr id="2" name="Title 1"/>
-          <p:cNvSpPr>
-            <a:spLocks noGrp="1"/>
-          </p:cNvSpPr>
-          <p:nvPr>
-            <p:ph type="ctrTitle"/>
-          </p:nvPr>
-        </p:nvSpPr>
-        <p:spPr/>
-        <p:txBody>
-          <a:bodyPr/>
-          <a:lstStyle/>
-          <a:p>
-            <a:r>
-              <a:rPr smtClean="0"/>
-              <a:t>Video Title</a:t>
-            </a:r>
-            <a:endParaRPr lang="en-US" dirty="0"/>
-          </a:p>
-        </p:txBody>
-      </p:sp>
-      <p:sp>
-        <p:nvSpPr>
-          <p:cNvPr id="4" name="Text Placeholder 3"/>
-          <p:cNvSpPr>
-            <a:spLocks noGrp="1"/>
-          </p:cNvSpPr>
-          <p:nvPr>
-            <p:ph type="body" sz="quarter" idx="10"/>
-          </p:nvPr>
-        </p:nvSpPr>
-        <p:spPr/>
-        <p:txBody>
-          <a:bodyPr/>
-          <a:lstStyle/>
-          <a:p>
-            <a:r>
-              <a:rPr smtClean="0"/>
-              <a:t>video</a:t>
-            </a:r>
-            <a:endParaRPr lang="en-US" dirty="0"/>
-          </a:p>
-        </p:txBody>
-      </p:sp>
-    </p:spTree>
-  </p:cSld>
-  <p:clrMapOvr>
-    <a:masterClrMapping/>
-  </p:clrMapOvr>
-  <p:transition>
-    <p:fade/>
-  </p:transition>
-  <p:timing>
-    <p:tnLst>
-      <p:par>
-        <p:cTn id="1" dur="indefinite" restart="never" nodeType="tmRoot"/>
-      </p:par>
-    </p:tnLst>
-  </p:timing>
-</p:sld>
-</file>
-
-<file path=ppt/slides/slide26.xml><?xml version="1.0" encoding="utf-8"?>
-<p:sld xmlns:a="http://schemas.openxmlformats.org/drawingml/2006/main" xmlns:r="http://schemas.openxmlformats.org/officeDocument/2006/relationships" xmlns:p="http://schemas.openxmlformats.org/presentationml/2006/main">
-  <p:cSld>
-    <p:spTree>
-      <p:nvGrpSpPr>
-        <p:cNvPr id="1" name=""/>
-        <p:cNvGrpSpPr/>
-        <p:nvPr/>
-      </p:nvGrpSpPr>
-      <p:grpSpPr>
-        <a:xfrm>
-          <a:off x="0" y="0"/>
-          <a:ext cx="0" cy="0"/>
-          <a:chOff x="0" y="0"/>
-          <a:chExt cx="0" cy="0"/>
-        </a:xfrm>
-      </p:grpSpPr>
-      <p:sp>
-        <p:nvSpPr>
-          <p:cNvPr id="2" name="Title 1"/>
-          <p:cNvSpPr>
-            <a:spLocks noGrp="1"/>
-          </p:cNvSpPr>
-          <p:nvPr>
-            <p:ph type="ctrTitle"/>
-          </p:nvPr>
-        </p:nvSpPr>
-        <p:spPr/>
-        <p:txBody>
-          <a:bodyPr/>
-          <a:lstStyle/>
-          <a:p>
-            <a:r>
-              <a:rPr smtClean="0"/>
-              <a:t>Partner Title</a:t>
-            </a:r>
-            <a:endParaRPr lang="en-US" dirty="0"/>
-          </a:p>
-        </p:txBody>
-      </p:sp>
-      <p:sp>
-        <p:nvSpPr>
-          <p:cNvPr id="3" name="Subtitle 2"/>
-          <p:cNvSpPr>
-            <a:spLocks noGrp="1"/>
-          </p:cNvSpPr>
-          <p:nvPr>
-            <p:ph type="subTitle" idx="1"/>
-          </p:nvPr>
-        </p:nvSpPr>
-        <p:spPr>
-          <a:xfrm>
-            <a:off x="973139" y="3276600"/>
-            <a:ext cx="9324171" cy="1371600"/>
-          </a:xfrm>
-        </p:spPr>
-        <p:txBody>
-          <a:bodyPr/>
-          <a:lstStyle/>
-          <a:p>
-            <a:r>
-              <a:rPr lang="en-US" dirty="0" smtClean="0"/>
-              <a:t>Name</a:t>
-            </a:r>
-          </a:p>
-          <a:p>
-            <a:r>
-              <a:rPr lang="en-US" dirty="0" smtClean="0"/>
-              <a:t>Title</a:t>
-            </a:r>
-          </a:p>
-          <a:p>
-            <a:r>
-              <a:rPr lang="en-US" dirty="0" smtClean="0"/>
-              <a:t>Company</a:t>
-            </a:r>
-            <a:endParaRPr lang="en-US" dirty="0"/>
-          </a:p>
-        </p:txBody>
-      </p:sp>
-      <p:sp>
-        <p:nvSpPr>
-          <p:cNvPr id="4" name="Text Placeholder 3"/>
-          <p:cNvSpPr>
-            <a:spLocks noGrp="1"/>
-          </p:cNvSpPr>
-          <p:nvPr>
-            <p:ph type="body" sz="quarter" idx="10"/>
-          </p:nvPr>
-        </p:nvSpPr>
-        <p:spPr/>
-        <p:txBody>
-          <a:bodyPr/>
-          <a:lstStyle/>
-          <a:p>
-            <a:r>
-              <a:rPr lang="en-US" dirty="0" smtClean="0"/>
-              <a:t>p</a:t>
-            </a:r>
-            <a:r>
-              <a:rPr smtClean="0"/>
-              <a:t>a</a:t>
-            </a:r>
-            <a:r>
-              <a:rPr spc="-333"/>
-              <a:t>r</a:t>
-            </a:r>
-            <a:r>
-              <a:rPr smtClean="0"/>
-              <a:t>tner </a:t>
-            </a:r>
-            <a:endParaRPr lang="en-US" dirty="0"/>
-          </a:p>
-        </p:txBody>
-      </p:sp>
-    </p:spTree>
-  </p:cSld>
-  <p:clrMapOvr>
-    <a:masterClrMapping/>
-  </p:clrMapOvr>
-  <p:transition>
-    <p:fade/>
-  </p:transition>
-  <p:timing>
-    <p:tnLst>
-      <p:par>
-        <p:cTn id="1" dur="indefinite" restart="never" nodeType="tmRoot"/>
-      </p:par>
-    </p:tnLst>
-  </p:timing>
-</p:sld>
-</file>
-
-<file path=ppt/slides/slide27.xml><?xml version="1.0" encoding="utf-8"?>
-<p:sld xmlns:a="http://schemas.openxmlformats.org/drawingml/2006/main" xmlns:r="http://schemas.openxmlformats.org/officeDocument/2006/relationships" xmlns:p="http://schemas.openxmlformats.org/presentationml/2006/main">
-  <p:cSld>
-    <p:spTree>
-      <p:nvGrpSpPr>
-        <p:cNvPr id="1" name=""/>
-        <p:cNvGrpSpPr/>
-        <p:nvPr/>
-      </p:nvGrpSpPr>
-      <p:grpSpPr>
-        <a:xfrm>
-          <a:off x="0" y="0"/>
-          <a:ext cx="0" cy="0"/>
-          <a:chOff x="0" y="0"/>
-          <a:chExt cx="0" cy="0"/>
-        </a:xfrm>
-      </p:grpSpPr>
-      <p:sp>
-        <p:nvSpPr>
-          <p:cNvPr id="2" name="Title 1"/>
-          <p:cNvSpPr>
-            <a:spLocks noGrp="1"/>
-          </p:cNvSpPr>
-          <p:nvPr>
-            <p:ph type="ctrTitle"/>
-          </p:nvPr>
-        </p:nvSpPr>
-        <p:spPr/>
-        <p:txBody>
-          <a:bodyPr/>
-          <a:lstStyle/>
-          <a:p>
-            <a:r>
-              <a:rPr smtClean="0"/>
-              <a:t>Customer Title</a:t>
-            </a:r>
-            <a:endParaRPr lang="en-US" dirty="0"/>
-          </a:p>
-        </p:txBody>
-      </p:sp>
-      <p:sp>
-        <p:nvSpPr>
-          <p:cNvPr id="3" name="Subtitle 2"/>
-          <p:cNvSpPr>
-            <a:spLocks noGrp="1"/>
-          </p:cNvSpPr>
-          <p:nvPr>
-            <p:ph type="subTitle" idx="1"/>
-          </p:nvPr>
-        </p:nvSpPr>
-        <p:spPr>
-          <a:xfrm>
-            <a:off x="973139" y="3276600"/>
-            <a:ext cx="9324171" cy="1371600"/>
-          </a:xfrm>
-        </p:spPr>
-        <p:txBody>
-          <a:bodyPr/>
-          <a:lstStyle/>
-          <a:p>
-            <a:r>
-              <a:rPr lang="en-US" dirty="0" smtClean="0"/>
-              <a:t>Name</a:t>
-            </a:r>
-          </a:p>
-          <a:p>
-            <a:r>
-              <a:rPr lang="en-US" dirty="0" smtClean="0"/>
-              <a:t>Title</a:t>
-            </a:r>
-          </a:p>
-          <a:p>
-            <a:r>
-              <a:rPr lang="en-US" dirty="0" smtClean="0"/>
-              <a:t>Company</a:t>
-            </a:r>
-            <a:endParaRPr lang="en-US" dirty="0"/>
-          </a:p>
-        </p:txBody>
-      </p:sp>
-      <p:sp>
-        <p:nvSpPr>
-          <p:cNvPr id="4" name="Text Placeholder 3"/>
-          <p:cNvSpPr>
-            <a:spLocks noGrp="1"/>
-          </p:cNvSpPr>
-          <p:nvPr>
-            <p:ph type="body" sz="quarter" idx="10"/>
-          </p:nvPr>
-        </p:nvSpPr>
-        <p:spPr/>
-        <p:txBody>
-          <a:bodyPr/>
-          <a:lstStyle/>
-          <a:p>
-            <a:r>
-              <a:rPr smtClean="0"/>
-              <a:t>customer</a:t>
-            </a:r>
-            <a:endParaRPr lang="en-US" dirty="0"/>
-          </a:p>
-        </p:txBody>
-      </p:sp>
-    </p:spTree>
-  </p:cSld>
-  <p:clrMapOvr>
-    <a:masterClrMapping/>
-  </p:clrMapOvr>
-  <p:transition>
-    <p:fade/>
-  </p:transition>
-  <p:timing>
-    <p:tnLst>
-      <p:par>
-        <p:cTn id="1" dur="indefinite" restart="never" nodeType="tmRoot"/>
-      </p:par>
-    </p:tnLst>
-  </p:timing>
-</p:sld>
-</file>
-
-<file path=ppt/slides/slide28.xml><?xml version="1.0" encoding="utf-8"?>
-<p:sld xmlns:a="http://schemas.openxmlformats.org/drawingml/2006/main" xmlns:r="http://schemas.openxmlformats.org/officeDocument/2006/relationships" xmlns:p="http://schemas.openxmlformats.org/presentationml/2006/main">
-  <p:cSld>
-    <p:spTree>
-      <p:nvGrpSpPr>
-        <p:cNvPr id="1" name=""/>
-        <p:cNvGrpSpPr/>
-        <p:nvPr/>
-      </p:nvGrpSpPr>
-      <p:grpSpPr>
-        <a:xfrm>
-          <a:off x="0" y="0"/>
-          <a:ext cx="0" cy="0"/>
-          <a:chOff x="0" y="0"/>
-          <a:chExt cx="0" cy="0"/>
-        </a:xfrm>
-      </p:grpSpPr>
-      <p:sp>
-        <p:nvSpPr>
-          <p:cNvPr id="2" name="Title 1"/>
-          <p:cNvSpPr>
-            <a:spLocks noGrp="1"/>
-          </p:cNvSpPr>
-          <p:nvPr>
-            <p:ph type="ctrTitle"/>
-          </p:nvPr>
-        </p:nvSpPr>
-        <p:spPr/>
-        <p:txBody>
-          <a:bodyPr/>
-          <a:lstStyle/>
-          <a:p>
-            <a:r>
-              <a:rPr smtClean="0"/>
-              <a:t>Announcement Title</a:t>
-            </a:r>
-            <a:endParaRPr lang="en-US" dirty="0"/>
-          </a:p>
-        </p:txBody>
-      </p:sp>
-      <p:sp>
-        <p:nvSpPr>
-          <p:cNvPr id="4" name="Text Placeholder 3"/>
-          <p:cNvSpPr>
-            <a:spLocks noGrp="1"/>
-          </p:cNvSpPr>
-          <p:nvPr>
-            <p:ph type="body" sz="quarter" idx="10"/>
-          </p:nvPr>
-        </p:nvSpPr>
-        <p:spPr/>
-        <p:txBody>
-          <a:bodyPr/>
-          <a:lstStyle/>
-          <a:p>
-            <a:r>
-              <a:rPr smtClean="0"/>
-              <a:t>announcing</a:t>
-            </a:r>
-            <a:endParaRPr lang="en-US" dirty="0"/>
-          </a:p>
-        </p:txBody>
-      </p:sp>
-    </p:spTree>
-  </p:cSld>
-  <p:clrMapOvr>
-    <a:masterClrMapping/>
-  </p:clrMapOvr>
-  <p:transition>
-    <p:fade/>
-  </p:transition>
   <p:timing>
     <p:tnLst>
       <p:par>
@@ -11040,6 +6508,13 @@
   <p:transition>
     <p:fade/>
   </p:transition>
+  <p:timing>
+    <p:tnLst>
+      <p:par>
+        <p:cTn id="1" dur="indefinite" restart="never" nodeType="tmRoot"/>
+      </p:par>
+    </p:tnLst>
+  </p:timing>
 </p:sld>
 </file>
 
@@ -11132,6 +6607,13 @@
   <p:transition>
     <p:fade/>
   </p:transition>
+  <p:timing>
+    <p:tnLst>
+      <p:par>
+        <p:cTn id="1" dur="indefinite" restart="never" nodeType="tmRoot"/>
+      </p:par>
+    </p:tnLst>
+  </p:timing>
 </p:sld>
 </file>
 
@@ -11238,6 +6720,13 @@
   <p:transition>
     <p:fade/>
   </p:transition>
+  <p:timing>
+    <p:tnLst>
+      <p:par>
+        <p:cTn id="1" dur="indefinite" restart="never" nodeType="tmRoot"/>
+      </p:par>
+    </p:tnLst>
+  </p:timing>
 </p:sld>
 </file>
 
@@ -12027,6 +7516,13 @@
   <p:transition>
     <p:fade/>
   </p:transition>
+  <p:timing>
+    <p:tnLst>
+      <p:par>
+        <p:cTn id="1" dur="indefinite" restart="never" nodeType="tmRoot"/>
+      </p:par>
+    </p:tnLst>
+  </p:timing>
 </p:sld>
 </file>
 
@@ -12216,6 +7712,13 @@
   <p:transition>
     <p:fade/>
   </p:transition>
+  <p:timing>
+    <p:tnLst>
+      <p:par>
+        <p:cTn id="1" dur="indefinite" restart="never" nodeType="tmRoot"/>
+      </p:par>
+    </p:tnLst>
+  </p:timing>
 </p:sld>
 </file>
 
@@ -12358,6 +7861,13 @@
   <p:transition>
     <p:fade/>
   </p:transition>
+  <p:timing>
+    <p:tnLst>
+      <p:par>
+        <p:cTn id="1" dur="indefinite" restart="never" nodeType="tmRoot"/>
+      </p:par>
+    </p:tnLst>
+  </p:timing>
 </p:sld>
 </file>
 
@@ -12474,6 +7984,13 @@
   <p:transition>
     <p:fade/>
   </p:transition>
+  <p:timing>
+    <p:tnLst>
+      <p:par>
+        <p:cTn id="1" dur="indefinite" restart="never" nodeType="tmRoot"/>
+      </p:par>
+    </p:tnLst>
+  </p:timing>
 </p:sld>
 </file>
 

--- a/The Universe is Mine!WideFormat.pptx
+++ b/The Universe is Mine!WideFormat.pptx
@@ -6,7 +6,7 @@
     <p:sldMasterId id="2147483673" r:id="rId3"/>
   </p:sldMasterIdLst>
   <p:notesMasterIdLst>
-    <p:notesMasterId r:id="rId23"/>
+    <p:notesMasterId r:id="rId24"/>
   </p:notesMasterIdLst>
   <p:sldIdLst>
     <p:sldId id="257" r:id="rId4"/>
@@ -24,10 +24,11 @@
     <p:sldId id="285" r:id="rId16"/>
     <p:sldId id="287" r:id="rId17"/>
     <p:sldId id="286" r:id="rId18"/>
-    <p:sldId id="281" r:id="rId19"/>
-    <p:sldId id="282" r:id="rId20"/>
-    <p:sldId id="283" r:id="rId21"/>
-    <p:sldId id="275" r:id="rId22"/>
+    <p:sldId id="288" r:id="rId19"/>
+    <p:sldId id="281" r:id="rId20"/>
+    <p:sldId id="282" r:id="rId21"/>
+    <p:sldId id="283" r:id="rId22"/>
+    <p:sldId id="275" r:id="rId23"/>
   </p:sldIdLst>
   <p:sldSz cx="12188825" cy="6858000"/>
   <p:notesSz cx="6858000" cy="9144000"/>
@@ -589,7 +590,7 @@
             <a:fld id="{81331B57-0BE5-4F82-AA58-76F53EFF3ADA}" type="datetime8">
               <a:rPr lang="en-US" smtClean="0"/>
               <a:pPr/>
-              <a:t>11/14/2014 12:34 PM</a:t>
+              <a:t>11/14/2014 4:08 PM</a:t>
             </a:fld>
             <a:endParaRPr lang="en-US" dirty="0"/>
           </a:p>
@@ -1698,6 +1699,90 @@
     <p:extLst>
       <p:ext uri="{BB962C8B-B14F-4D97-AF65-F5344CB8AC3E}">
         <p14:creationId xmlns:p14="http://schemas.microsoft.com/office/powerpoint/2010/main" val="2553666416"/>
+      </p:ext>
+    </p:extLst>
+  </p:cSld>
+  <p:clrMapOvr>
+    <a:masterClrMapping/>
+  </p:clrMapOvr>
+</p:notes>
+</file>
+
+<file path=ppt/notesSlides/notesSlide9.xml><?xml version="1.0" encoding="utf-8"?>
+<p:notes xmlns:a="http://schemas.openxmlformats.org/drawingml/2006/main" xmlns:r="http://schemas.openxmlformats.org/officeDocument/2006/relationships" xmlns:p="http://schemas.openxmlformats.org/presentationml/2006/main">
+  <p:cSld>
+    <p:spTree>
+      <p:nvGrpSpPr>
+        <p:cNvPr id="1" name=""/>
+        <p:cNvGrpSpPr/>
+        <p:nvPr/>
+      </p:nvGrpSpPr>
+      <p:grpSpPr>
+        <a:xfrm>
+          <a:off x="0" y="0"/>
+          <a:ext cx="0" cy="0"/>
+          <a:chOff x="0" y="0"/>
+          <a:chExt cx="0" cy="0"/>
+        </a:xfrm>
+      </p:grpSpPr>
+      <p:sp>
+        <p:nvSpPr>
+          <p:cNvPr id="2" name="Slide Image Placeholder 1"/>
+          <p:cNvSpPr>
+            <a:spLocks noGrp="1" noRot="1" noChangeAspect="1"/>
+          </p:cNvSpPr>
+          <p:nvPr>
+            <p:ph type="sldImg"/>
+          </p:nvPr>
+        </p:nvSpPr>
+        <p:spPr/>
+      </p:sp>
+      <p:sp>
+        <p:nvSpPr>
+          <p:cNvPr id="3" name="Notes Placeholder 2"/>
+          <p:cNvSpPr>
+            <a:spLocks noGrp="1"/>
+          </p:cNvSpPr>
+          <p:nvPr>
+            <p:ph type="body" idx="1"/>
+          </p:nvPr>
+        </p:nvSpPr>
+        <p:spPr/>
+        <p:txBody>
+          <a:bodyPr/>
+          <a:lstStyle/>
+          <a:p>
+            <a:endParaRPr lang="en-US" dirty="0"/>
+          </a:p>
+        </p:txBody>
+      </p:sp>
+      <p:sp>
+        <p:nvSpPr>
+          <p:cNvPr id="4" name="Slide Number Placeholder 3"/>
+          <p:cNvSpPr>
+            <a:spLocks noGrp="1"/>
+          </p:cNvSpPr>
+          <p:nvPr>
+            <p:ph type="sldNum" sz="quarter" idx="10"/>
+          </p:nvPr>
+        </p:nvSpPr>
+        <p:spPr/>
+        <p:txBody>
+          <a:bodyPr/>
+          <a:lstStyle/>
+          <a:p>
+            <a:fld id="{A2AA3467-A656-4BD3-B32C-EEE9B6E3198D}" type="slidenum">
+              <a:rPr lang="en-US" smtClean="0"/>
+              <a:t>16</a:t>
+            </a:fld>
+            <a:endParaRPr lang="en-US"/>
+          </a:p>
+        </p:txBody>
+      </p:sp>
+    </p:spTree>
+    <p:extLst>
+      <p:ext uri="{BB962C8B-B14F-4D97-AF65-F5344CB8AC3E}">
+        <p14:creationId xmlns:p14="http://schemas.microsoft.com/office/powerpoint/2010/main" val="1218245915"/>
       </p:ext>
     </p:extLst>
   </p:cSld>
@@ -5791,7 +5876,6 @@
               <a:rPr lang="en-US" sz="8000" dirty="0"/>
               <a:t>: Platform Specific Code</a:t>
             </a:r>
-            <a:endParaRPr lang="en-US" sz="8000" dirty="0"/>
           </a:p>
         </p:txBody>
       </p:sp>
@@ -5863,7 +5947,6 @@
               <a:rPr lang="en-US" sz="8000" dirty="0"/>
               <a:t>: Shared Code</a:t>
             </a:r>
-            <a:endParaRPr lang="en-US" sz="8000" dirty="0"/>
           </a:p>
         </p:txBody>
       </p:sp>
@@ -5935,7 +6018,6 @@
               <a:rPr lang="en-US" sz="8000" dirty="0"/>
               <a:t>: Implementing Portable Class Libraries</a:t>
             </a:r>
-            <a:endParaRPr lang="en-US" sz="8000" dirty="0"/>
           </a:p>
         </p:txBody>
       </p:sp>
@@ -5989,38 +6071,29 @@
             <p:ph type="title"/>
           </p:nvPr>
         </p:nvSpPr>
-        <p:spPr/>
+        <p:spPr>
+          <a:xfrm>
+            <a:off x="608012" y="2895600"/>
+            <a:ext cx="11165020" cy="1107996"/>
+          </a:xfrm>
+        </p:spPr>
         <p:txBody>
           <a:bodyPr/>
           <a:lstStyle/>
           <a:p>
-            <a:endParaRPr lang="en-US"/>
-          </a:p>
-        </p:txBody>
-      </p:sp>
-      <p:sp>
-        <p:nvSpPr>
-          <p:cNvPr id="3" name="Content Placeholder 2"/>
-          <p:cNvSpPr>
-            <a:spLocks noGrp="1"/>
-          </p:cNvSpPr>
-          <p:nvPr>
-            <p:ph idx="1"/>
-          </p:nvPr>
-        </p:nvSpPr>
-        <p:spPr/>
-        <p:txBody>
-          <a:bodyPr/>
-          <a:lstStyle/>
-          <a:p>
-            <a:endParaRPr lang="en-US"/>
+            <a:pPr algn="ctr"/>
+            <a:r>
+              <a:rPr lang="en-US" sz="8000" dirty="0" smtClean="0"/>
+              <a:t>Questions?</a:t>
+            </a:r>
+            <a:endParaRPr lang="en-US" sz="8000" dirty="0"/>
           </a:p>
         </p:txBody>
       </p:sp>
     </p:spTree>
     <p:extLst>
       <p:ext uri="{BB962C8B-B14F-4D97-AF65-F5344CB8AC3E}">
-        <p14:creationId xmlns:p14="http://schemas.microsoft.com/office/powerpoint/2010/main" val="3991062798"/>
+        <p14:creationId xmlns:p14="http://schemas.microsoft.com/office/powerpoint/2010/main" val="3472239196"/>
       </p:ext>
     </p:extLst>
   </p:cSld>
@@ -6098,7 +6171,7 @@
     </p:spTree>
     <p:extLst>
       <p:ext uri="{BB962C8B-B14F-4D97-AF65-F5344CB8AC3E}">
-        <p14:creationId xmlns:p14="http://schemas.microsoft.com/office/powerpoint/2010/main" val="3413317810"/>
+        <p14:creationId xmlns:p14="http://schemas.microsoft.com/office/powerpoint/2010/main" val="3991062798"/>
       </p:ext>
     </p:extLst>
   </p:cSld>
@@ -6176,7 +6249,7 @@
     </p:spTree>
     <p:extLst>
       <p:ext uri="{BB962C8B-B14F-4D97-AF65-F5344CB8AC3E}">
-        <p14:creationId xmlns:p14="http://schemas.microsoft.com/office/powerpoint/2010/main" val="1309727934"/>
+        <p14:creationId xmlns:p14="http://schemas.microsoft.com/office/powerpoint/2010/main" val="3413317810"/>
       </p:ext>
     </p:extLst>
   </p:cSld>
@@ -6254,7 +6327,7 @@
     </p:spTree>
     <p:extLst>
       <p:ext uri="{BB962C8B-B14F-4D97-AF65-F5344CB8AC3E}">
-        <p14:creationId xmlns:p14="http://schemas.microsoft.com/office/powerpoint/2010/main" val="1637044960"/>
+        <p14:creationId xmlns:p14="http://schemas.microsoft.com/office/powerpoint/2010/main" val="1309727934"/>
       </p:ext>
     </p:extLst>
   </p:cSld>
@@ -6389,6 +6462,84 @@
     <p:extLst>
       <p:ext uri="{BB962C8B-B14F-4D97-AF65-F5344CB8AC3E}">
         <p14:creationId xmlns:p14="http://schemas.microsoft.com/office/powerpoint/2010/main" val="3435668216"/>
+      </p:ext>
+    </p:extLst>
+  </p:cSld>
+  <p:clrMapOvr>
+    <a:masterClrMapping/>
+  </p:clrMapOvr>
+  <p:transition>
+    <p:fade/>
+  </p:transition>
+  <p:timing>
+    <p:tnLst>
+      <p:par>
+        <p:cTn id="1" dur="indefinite" restart="never" nodeType="tmRoot"/>
+      </p:par>
+    </p:tnLst>
+  </p:timing>
+</p:sld>
+</file>
+
+<file path=ppt/slides/slide20.xml><?xml version="1.0" encoding="utf-8"?>
+<p:sld xmlns:a="http://schemas.openxmlformats.org/drawingml/2006/main" xmlns:r="http://schemas.openxmlformats.org/officeDocument/2006/relationships" xmlns:p="http://schemas.openxmlformats.org/presentationml/2006/main">
+  <p:cSld>
+    <p:spTree>
+      <p:nvGrpSpPr>
+        <p:cNvPr id="1" name=""/>
+        <p:cNvGrpSpPr/>
+        <p:nvPr/>
+      </p:nvGrpSpPr>
+      <p:grpSpPr>
+        <a:xfrm>
+          <a:off x="0" y="0"/>
+          <a:ext cx="0" cy="0"/>
+          <a:chOff x="0" y="0"/>
+          <a:chExt cx="0" cy="0"/>
+        </a:xfrm>
+      </p:grpSpPr>
+      <p:sp>
+        <p:nvSpPr>
+          <p:cNvPr id="2" name="Title 1"/>
+          <p:cNvSpPr>
+            <a:spLocks noGrp="1"/>
+          </p:cNvSpPr>
+          <p:nvPr>
+            <p:ph type="title"/>
+          </p:nvPr>
+        </p:nvSpPr>
+        <p:spPr/>
+        <p:txBody>
+          <a:bodyPr/>
+          <a:lstStyle/>
+          <a:p>
+            <a:endParaRPr lang="en-US"/>
+          </a:p>
+        </p:txBody>
+      </p:sp>
+      <p:sp>
+        <p:nvSpPr>
+          <p:cNvPr id="3" name="Content Placeholder 2"/>
+          <p:cNvSpPr>
+            <a:spLocks noGrp="1"/>
+          </p:cNvSpPr>
+          <p:nvPr>
+            <p:ph idx="1"/>
+          </p:nvPr>
+        </p:nvSpPr>
+        <p:spPr/>
+        <p:txBody>
+          <a:bodyPr/>
+          <a:lstStyle/>
+          <a:p>
+            <a:endParaRPr lang="en-US"/>
+          </a:p>
+        </p:txBody>
+      </p:sp>
+    </p:spTree>
+    <p:extLst>
+      <p:ext uri="{BB962C8B-B14F-4D97-AF65-F5344CB8AC3E}">
+        <p14:creationId xmlns:p14="http://schemas.microsoft.com/office/powerpoint/2010/main" val="1637044960"/>
       </p:ext>
     </p:extLst>
   </p:cSld>

--- a/The Universe is Mine!WideFormat.pptx
+++ b/The Universe is Mine!WideFormat.pptx
@@ -228,7 +228,7 @@
           <a:p>
             <a:fld id="{65B1E760-7513-44B2-999A-B093073B4895}" type="datetimeFigureOut">
               <a:rPr lang="en-US" smtClean="0"/>
-              <a:t>11/14/2014</a:t>
+              <a:t>11/15/2014</a:t>
             </a:fld>
             <a:endParaRPr lang="en-US"/>
           </a:p>
@@ -590,7 +590,7 @@
             <a:fld id="{81331B57-0BE5-4F82-AA58-76F53EFF3ADA}" type="datetime8">
               <a:rPr lang="en-US" smtClean="0"/>
               <a:pPr/>
-              <a:t>11/14/2014 4:08 PM</a:t>
+              <a:t>11/15/2014 11:33 AM</a:t>
             </a:fld>
             <a:endParaRPr lang="en-US" dirty="0"/>
           </a:p>
@@ -688,6 +688,90 @@
     <p:extLst>
       <p:ext uri="{BB962C8B-B14F-4D97-AF65-F5344CB8AC3E}">
         <p14:creationId xmlns:p14="http://schemas.microsoft.com/office/powerpoint/2010/main" val="3003164667"/>
+      </p:ext>
+    </p:extLst>
+  </p:cSld>
+  <p:clrMapOvr>
+    <a:masterClrMapping/>
+  </p:clrMapOvr>
+</p:notes>
+</file>
+
+<file path=ppt/notesSlides/notesSlide10.xml><?xml version="1.0" encoding="utf-8"?>
+<p:notes xmlns:a="http://schemas.openxmlformats.org/drawingml/2006/main" xmlns:r="http://schemas.openxmlformats.org/officeDocument/2006/relationships" xmlns:p="http://schemas.openxmlformats.org/presentationml/2006/main">
+  <p:cSld>
+    <p:spTree>
+      <p:nvGrpSpPr>
+        <p:cNvPr id="1" name=""/>
+        <p:cNvGrpSpPr/>
+        <p:nvPr/>
+      </p:nvGrpSpPr>
+      <p:grpSpPr>
+        <a:xfrm>
+          <a:off x="0" y="0"/>
+          <a:ext cx="0" cy="0"/>
+          <a:chOff x="0" y="0"/>
+          <a:chExt cx="0" cy="0"/>
+        </a:xfrm>
+      </p:grpSpPr>
+      <p:sp>
+        <p:nvSpPr>
+          <p:cNvPr id="2" name="Slide Image Placeholder 1"/>
+          <p:cNvSpPr>
+            <a:spLocks noGrp="1" noRot="1" noChangeAspect="1"/>
+          </p:cNvSpPr>
+          <p:nvPr>
+            <p:ph type="sldImg"/>
+          </p:nvPr>
+        </p:nvSpPr>
+        <p:spPr/>
+      </p:sp>
+      <p:sp>
+        <p:nvSpPr>
+          <p:cNvPr id="3" name="Notes Placeholder 2"/>
+          <p:cNvSpPr>
+            <a:spLocks noGrp="1"/>
+          </p:cNvSpPr>
+          <p:nvPr>
+            <p:ph type="body" idx="1"/>
+          </p:nvPr>
+        </p:nvSpPr>
+        <p:spPr/>
+        <p:txBody>
+          <a:bodyPr/>
+          <a:lstStyle/>
+          <a:p>
+            <a:endParaRPr lang="en-US" dirty="0"/>
+          </a:p>
+        </p:txBody>
+      </p:sp>
+      <p:sp>
+        <p:nvSpPr>
+          <p:cNvPr id="4" name="Slide Number Placeholder 3"/>
+          <p:cNvSpPr>
+            <a:spLocks noGrp="1"/>
+          </p:cNvSpPr>
+          <p:nvPr>
+            <p:ph type="sldNum" sz="quarter" idx="10"/>
+          </p:nvPr>
+        </p:nvSpPr>
+        <p:spPr/>
+        <p:txBody>
+          <a:bodyPr/>
+          <a:lstStyle/>
+          <a:p>
+            <a:fld id="{A2AA3467-A656-4BD3-B32C-EEE9B6E3198D}" type="slidenum">
+              <a:rPr lang="en-US" smtClean="0"/>
+              <a:t>16</a:t>
+            </a:fld>
+            <a:endParaRPr lang="en-US"/>
+          </a:p>
+        </p:txBody>
+      </p:sp>
+    </p:spTree>
+    <p:extLst>
+      <p:ext uri="{BB962C8B-B14F-4D97-AF65-F5344CB8AC3E}">
+        <p14:creationId xmlns:p14="http://schemas.microsoft.com/office/powerpoint/2010/main" val="1218245915"/>
       </p:ext>
     </p:extLst>
   </p:cSld>
@@ -738,71 +822,8 @@
         </p:nvSpPr>
         <p:spPr/>
         <p:txBody>
-          <a:bodyPr>
-            <a:normAutofit fontScale="92500" lnSpcReduction="10000"/>
-          </a:bodyPr>
+          <a:bodyPr/>
           <a:lstStyle/>
-          <a:p>
-            <a:r>
-              <a:rPr lang="en-US" dirty="0" smtClean="0"/>
-              <a:t>Windows 10 convergence</a:t>
-            </a:r>
-          </a:p>
-          <a:p>
-            <a:endParaRPr lang="en-US" dirty="0" smtClean="0"/>
-          </a:p>
-          <a:p>
-            <a:r>
-              <a:rPr lang="en-US" dirty="0" smtClean="0"/>
-              <a:t>This excites me the most about the coming years.  I think MS kind of got lost when the released Vista and it flopped hard.  Windows 7 and 8 were both steps getting us to 8.1.  I really feel 8.1 is the major milestone to getting them back on track.  </a:t>
-            </a:r>
-          </a:p>
-          <a:p>
-            <a:endParaRPr lang="en-US" dirty="0" smtClean="0"/>
-          </a:p>
-          <a:p>
-            <a:r>
-              <a:rPr lang="en-US" dirty="0" smtClean="0"/>
-              <a:t>Currently Store and phone are supported and the roadmaps that have been talked about say that Xbox will also be in the list of packages you can create.</a:t>
-            </a:r>
-          </a:p>
-          <a:p>
-            <a:endParaRPr lang="en-US" dirty="0" smtClean="0"/>
-          </a:p>
-          <a:p>
-            <a:endParaRPr lang="en-US" dirty="0" smtClean="0"/>
-          </a:p>
-          <a:p>
-            <a:r>
-              <a:rPr lang="en-US" dirty="0" smtClean="0"/>
-              <a:t>Develop once for all Windows devices using a unified Windows runtime and VS tools that allow you to both support experiences unique to a device in XAML, HTML, and DirectX, and share the code that supports those experiences across all devices using C++, C#, or JavaScript. When your work is finished you can you can produce the app packages that you will submit to the Windows Store and Windows Phone Store with a single action to get your app out to customers on any Windows device.</a:t>
-            </a:r>
-          </a:p>
-          <a:p>
-            <a:r>
-              <a:rPr lang="en-US" dirty="0" smtClean="0"/>
-              <a:t>In terms of the Store experience, customers will benefit from an app identity shared across the Windows Store and the Windows Phone Store. Shared identity means that if they purchase your app from the Windows Store, they are capable of installing it on a device from the Windows Phone Store using the same Microsoft account without having to purchase the app again. Optionally, this can also include things like in-app purchases.</a:t>
-            </a:r>
-          </a:p>
-          <a:p>
-            <a:r>
-              <a:rPr lang="en-US" dirty="0" smtClean="0"/>
-              <a:t>To get you started, the following sections will identify key upgrade paths, migration paths, and other critical resources that will help you bring your ideas to the converged Windows 8.1 platform. For more information on universal Windows apps and context on Microsoft’s vision for developer opportunity on Windows devices, please see our blog post </a:t>
-            </a:r>
-            <a:r>
-              <a:rPr lang="en-US" dirty="0" smtClean="0">
-                <a:hlinkClick r:id="rId3"/>
-              </a:rPr>
-              <a:t>Introducing universal Windows apps</a:t>
-            </a:r>
-            <a:r>
-              <a:rPr lang="en-US" dirty="0" smtClean="0"/>
-              <a:t>.</a:t>
-            </a:r>
-          </a:p>
-          <a:p>
-            <a:endParaRPr lang="en-US" dirty="0" smtClean="0"/>
-          </a:p>
           <a:p>
             <a:endParaRPr lang="en-US" dirty="0"/>
           </a:p>
@@ -825,7 +846,7 @@
           <a:p>
             <a:fld id="{A2AA3467-A656-4BD3-B32C-EEE9B6E3198D}" type="slidenum">
               <a:rPr lang="en-US" smtClean="0"/>
-              <a:t>4</a:t>
+              <a:t>2</a:t>
             </a:fld>
             <a:endParaRPr lang="en-US"/>
           </a:p>
@@ -834,7 +855,7 @@
     </p:spTree>
     <p:extLst>
       <p:ext uri="{BB962C8B-B14F-4D97-AF65-F5344CB8AC3E}">
-        <p14:creationId xmlns:p14="http://schemas.microsoft.com/office/powerpoint/2010/main" val="955467210"/>
+        <p14:creationId xmlns:p14="http://schemas.microsoft.com/office/powerpoint/2010/main" val="4225199627"/>
       </p:ext>
     </p:extLst>
   </p:cSld>
@@ -885,331 +906,66 @@
         </p:nvSpPr>
         <p:spPr/>
         <p:txBody>
-          <a:bodyPr/>
+          <a:bodyPr>
+            <a:normAutofit fontScale="92500" lnSpcReduction="10000"/>
+          </a:bodyPr>
           <a:lstStyle/>
           <a:p>
             <a:r>
-              <a:rPr lang="en-US" sz="1200" kern="1200" dirty="0" smtClean="0">
-                <a:solidFill>
-                  <a:schemeClr val="tx1"/>
-                </a:solidFill>
-                <a:effectLst/>
-                <a:latin typeface="+mn-lt"/>
-                <a:ea typeface="+mn-ea"/>
-                <a:cs typeface="+mn-cs"/>
+              <a:rPr lang="en-US" dirty="0" smtClean="0"/>
+              <a:t>Windows 10 convergence</a:t>
+            </a:r>
+          </a:p>
+          <a:p>
+            <a:endParaRPr lang="en-US" dirty="0" smtClean="0"/>
+          </a:p>
+          <a:p>
+            <a:r>
+              <a:rPr lang="en-US" dirty="0" smtClean="0"/>
+              <a:t>This excites me the most about the coming years.  I think MS kind of got lost when the released Vista and it flopped hard.  Windows 7 and 8 were both steps getting us to 8.1.  I really feel 8.1 is the major milestone to getting them back on track.  </a:t>
+            </a:r>
+          </a:p>
+          <a:p>
+            <a:endParaRPr lang="en-US" dirty="0" smtClean="0"/>
+          </a:p>
+          <a:p>
+            <a:r>
+              <a:rPr lang="en-US" dirty="0" smtClean="0"/>
+              <a:t>Currently Store and phone are supported and the roadmaps that have been talked about say that Xbox will also be in the list of packages you can create.</a:t>
+            </a:r>
+          </a:p>
+          <a:p>
+            <a:endParaRPr lang="en-US" dirty="0" smtClean="0"/>
+          </a:p>
+          <a:p>
+            <a:endParaRPr lang="en-US" dirty="0" smtClean="0"/>
+          </a:p>
+          <a:p>
+            <a:r>
+              <a:rPr lang="en-US" dirty="0" smtClean="0"/>
+              <a:t>Develop once for all Windows devices using a unified Windows runtime and VS tools that allow you to both support experiences unique to a device in XAML, HTML, and DirectX, and share the code that supports those experiences across all devices using C++, C#, or JavaScript. When your work is finished you can you can produce the app packages that you will submit to the Windows Store and Windows Phone Store with a single action to get your app out to customers on any Windows device.</a:t>
+            </a:r>
+          </a:p>
+          <a:p>
+            <a:r>
+              <a:rPr lang="en-US" dirty="0" smtClean="0"/>
+              <a:t>In terms of the Store experience, customers will benefit from an app identity shared across the Windows Store and the Windows Phone Store. Shared identity means that if they purchase your app from the Windows Store, they are capable of installing it on a device from the Windows Phone Store using the same Microsoft account without having to purchase the app again. Optionally, this can also include things like in-app purchases.</a:t>
+            </a:r>
+          </a:p>
+          <a:p>
+            <a:r>
+              <a:rPr lang="en-US" dirty="0" smtClean="0"/>
+              <a:t>To get you started, the following sections will identify key upgrade paths, migration paths, and other critical resources that will help you bring your ideas to the converged Windows 8.1 platform. For more information on universal Windows apps and context on Microsoft’s vision for developer opportunity on Windows devices, please see our blog post </a:t>
+            </a:r>
+            <a:r>
+              <a:rPr lang="en-US" dirty="0" smtClean="0">
+                <a:hlinkClick r:id="rId3"/>
               </a:rPr>
-              <a:t>Demo!</a:t>
-            </a:r>
-          </a:p>
-          <a:p>
-            <a:endParaRPr lang="en-US" sz="1200" kern="1200" dirty="0" smtClean="0">
-              <a:solidFill>
-                <a:schemeClr val="tx1"/>
-              </a:solidFill>
-              <a:effectLst/>
-              <a:latin typeface="+mn-lt"/>
-              <a:ea typeface="+mn-ea"/>
-              <a:cs typeface="+mn-cs"/>
-            </a:endParaRPr>
-          </a:p>
-          <a:p>
-            <a:r>
-              <a:rPr lang="en-US" sz="1200" kern="1200" dirty="0" smtClean="0">
-                <a:solidFill>
-                  <a:schemeClr val="tx1"/>
-                </a:solidFill>
-                <a:effectLst/>
-                <a:latin typeface="+mn-lt"/>
-                <a:ea typeface="+mn-ea"/>
-                <a:cs typeface="+mn-cs"/>
-              </a:rPr>
-              <a:t>Be careful</a:t>
-            </a:r>
-            <a:r>
-              <a:rPr lang="en-US" sz="1200" kern="1200" baseline="0" dirty="0" smtClean="0">
-                <a:solidFill>
-                  <a:schemeClr val="tx1"/>
-                </a:solidFill>
-                <a:effectLst/>
-                <a:latin typeface="+mn-lt"/>
-                <a:ea typeface="+mn-ea"/>
-                <a:cs typeface="+mn-cs"/>
-              </a:rPr>
-              <a:t> trusting </a:t>
-            </a:r>
-            <a:r>
-              <a:rPr lang="en-US" sz="1200" kern="1200" baseline="0" dirty="0" err="1" smtClean="0">
-                <a:solidFill>
-                  <a:schemeClr val="tx1"/>
-                </a:solidFill>
-                <a:effectLst/>
-                <a:latin typeface="+mn-lt"/>
-                <a:ea typeface="+mn-ea"/>
-                <a:cs typeface="+mn-cs"/>
-              </a:rPr>
-              <a:t>intelisense</a:t>
-            </a:r>
-            <a:r>
-              <a:rPr lang="en-US" sz="1200" kern="1200" baseline="0" dirty="0" smtClean="0">
-                <a:solidFill>
-                  <a:schemeClr val="tx1"/>
-                </a:solidFill>
-                <a:effectLst/>
-                <a:latin typeface="+mn-lt"/>
-                <a:ea typeface="+mn-ea"/>
-                <a:cs typeface="+mn-cs"/>
-              </a:rPr>
-              <a:t>.  In store and phone apps there are cases where a class is valid for store but not phone and there is nothing in </a:t>
-            </a:r>
-            <a:r>
-              <a:rPr lang="en-US" sz="1200" kern="1200" baseline="0" dirty="0" err="1" smtClean="0">
-                <a:solidFill>
-                  <a:schemeClr val="tx1"/>
-                </a:solidFill>
-                <a:effectLst/>
-                <a:latin typeface="+mn-lt"/>
-                <a:ea typeface="+mn-ea"/>
-                <a:cs typeface="+mn-cs"/>
-              </a:rPr>
-              <a:t>intelisense</a:t>
-            </a:r>
-            <a:r>
-              <a:rPr lang="en-US" sz="1200" kern="1200" baseline="0" dirty="0" smtClean="0">
-                <a:solidFill>
-                  <a:schemeClr val="tx1"/>
-                </a:solidFill>
-                <a:effectLst/>
-                <a:latin typeface="+mn-lt"/>
-                <a:ea typeface="+mn-ea"/>
-                <a:cs typeface="+mn-cs"/>
-              </a:rPr>
-              <a:t> to warn you if phone is not supported.</a:t>
-            </a:r>
-            <a:endParaRPr lang="en-US" sz="1200" kern="1200" dirty="0" smtClean="0">
-              <a:solidFill>
-                <a:schemeClr val="tx1"/>
-              </a:solidFill>
-              <a:effectLst/>
-              <a:latin typeface="+mn-lt"/>
-              <a:ea typeface="+mn-ea"/>
-              <a:cs typeface="+mn-cs"/>
-            </a:endParaRPr>
-          </a:p>
-          <a:p>
-            <a:endParaRPr lang="en-US" sz="1200" kern="1200" dirty="0" smtClean="0">
-              <a:solidFill>
-                <a:schemeClr val="tx1"/>
-              </a:solidFill>
-              <a:effectLst/>
-              <a:latin typeface="+mn-lt"/>
-              <a:ea typeface="+mn-ea"/>
-              <a:cs typeface="+mn-cs"/>
-            </a:endParaRPr>
-          </a:p>
-          <a:p>
-            <a:r>
-              <a:rPr lang="en-US" sz="1200" kern="1200" dirty="0" smtClean="0">
-                <a:solidFill>
-                  <a:schemeClr val="tx1"/>
-                </a:solidFill>
-                <a:effectLst/>
-                <a:latin typeface="+mn-lt"/>
-                <a:ea typeface="+mn-ea"/>
-                <a:cs typeface="+mn-cs"/>
-              </a:rPr>
-              <a:t>Strongly agree here, it's confusing because you never know for sure when an API you use will blow up on either platform, unless you try it out (or read the docs, TBH). One of such examples is in </a:t>
-            </a:r>
-            <a:r>
-              <a:rPr lang="en-US" sz="1200" kern="1200" dirty="0" err="1" smtClean="0">
-                <a:solidFill>
-                  <a:schemeClr val="tx1"/>
-                </a:solidFill>
-                <a:effectLst/>
-                <a:latin typeface="+mn-lt"/>
-                <a:ea typeface="+mn-ea"/>
-                <a:cs typeface="+mn-cs"/>
-              </a:rPr>
-              <a:t>Windows.Storage</a:t>
-            </a:r>
-            <a:r>
-              <a:rPr lang="en-US" sz="1200" kern="1200" dirty="0" smtClean="0">
-                <a:solidFill>
-                  <a:schemeClr val="tx1"/>
-                </a:solidFill>
-                <a:effectLst/>
-                <a:latin typeface="+mn-lt"/>
-                <a:ea typeface="+mn-ea"/>
-                <a:cs typeface="+mn-cs"/>
-              </a:rPr>
-              <a:t> namespace:</a:t>
-            </a:r>
-          </a:p>
-          <a:p>
-            <a:r>
-              <a:rPr lang="en-US" sz="1200" kern="1200" dirty="0" smtClean="0">
-                <a:solidFill>
-                  <a:schemeClr val="tx1"/>
-                </a:solidFill>
-                <a:effectLst/>
-                <a:latin typeface="+mn-lt"/>
-                <a:ea typeface="+mn-ea"/>
-                <a:cs typeface="+mn-cs"/>
-              </a:rPr>
-              <a:t> </a:t>
-            </a:r>
-          </a:p>
-          <a:p>
-            <a:r>
-              <a:rPr lang="en-US" sz="1200" kern="1200" dirty="0" err="1" smtClean="0">
-                <a:solidFill>
-                  <a:schemeClr val="tx1"/>
-                </a:solidFill>
-                <a:effectLst/>
-                <a:latin typeface="+mn-lt"/>
-                <a:ea typeface="+mn-ea"/>
-                <a:cs typeface="+mn-cs"/>
-              </a:rPr>
-              <a:t>KnownFolders.MediaServerDevices</a:t>
-            </a:r>
-            <a:r>
-              <a:rPr lang="en-US" sz="1200" kern="1200" dirty="0" smtClean="0">
-                <a:solidFill>
-                  <a:schemeClr val="tx1"/>
-                </a:solidFill>
-                <a:effectLst/>
-                <a:latin typeface="+mn-lt"/>
-                <a:ea typeface="+mn-ea"/>
-                <a:cs typeface="+mn-cs"/>
-              </a:rPr>
-              <a:t> exists on both platforms, but using it in Windows Phone would blow up "unexpectedly".</a:t>
-            </a:r>
-          </a:p>
-          <a:p>
-            <a:r>
-              <a:rPr lang="en-US" sz="1200" kern="1200" dirty="0" smtClean="0">
-                <a:solidFill>
-                  <a:schemeClr val="tx1"/>
-                </a:solidFill>
-                <a:effectLst/>
-                <a:latin typeface="+mn-lt"/>
-                <a:ea typeface="+mn-ea"/>
-                <a:cs typeface="+mn-cs"/>
-              </a:rPr>
-              <a:t> </a:t>
-            </a:r>
-          </a:p>
-          <a:p>
-            <a:r>
-              <a:rPr lang="en-US" sz="1200" kern="1200" dirty="0" smtClean="0">
-                <a:solidFill>
-                  <a:schemeClr val="tx1"/>
-                </a:solidFill>
-                <a:effectLst/>
-                <a:latin typeface="+mn-lt"/>
-                <a:ea typeface="+mn-ea"/>
-                <a:cs typeface="+mn-cs"/>
-              </a:rPr>
-              <a:t>On the other hand, </a:t>
-            </a:r>
-            <a:r>
-              <a:rPr lang="en-US" sz="1200" kern="1200" dirty="0" err="1" smtClean="0">
-                <a:solidFill>
-                  <a:schemeClr val="tx1"/>
-                </a:solidFill>
-                <a:effectLst/>
-                <a:latin typeface="+mn-lt"/>
-                <a:ea typeface="+mn-ea"/>
-                <a:cs typeface="+mn-cs"/>
-              </a:rPr>
-              <a:t>ApplicationData.Current.LocalCacheFolder</a:t>
-            </a:r>
-            <a:r>
-              <a:rPr lang="en-US" sz="1200" kern="1200" dirty="0" smtClean="0">
-                <a:solidFill>
-                  <a:schemeClr val="tx1"/>
-                </a:solidFill>
-                <a:effectLst/>
-                <a:latin typeface="+mn-lt"/>
-                <a:ea typeface="+mn-ea"/>
-                <a:cs typeface="+mn-cs"/>
-              </a:rPr>
-              <a:t> exists only on Windows Phone and you can't compile a Store project until you #</a:t>
-            </a:r>
-            <a:r>
-              <a:rPr lang="en-US" sz="1200" kern="1200" dirty="0" err="1" smtClean="0">
-                <a:solidFill>
-                  <a:schemeClr val="tx1"/>
-                </a:solidFill>
-                <a:effectLst/>
-                <a:latin typeface="+mn-lt"/>
-                <a:ea typeface="+mn-ea"/>
-                <a:cs typeface="+mn-cs"/>
-              </a:rPr>
-              <a:t>ifdef</a:t>
-            </a:r>
-            <a:r>
-              <a:rPr lang="en-US" sz="1200" kern="1200" dirty="0" smtClean="0">
-                <a:solidFill>
-                  <a:schemeClr val="tx1"/>
-                </a:solidFill>
-                <a:effectLst/>
-                <a:latin typeface="+mn-lt"/>
-                <a:ea typeface="+mn-ea"/>
-                <a:cs typeface="+mn-cs"/>
-              </a:rPr>
-              <a:t> it out.</a:t>
-            </a:r>
-          </a:p>
-          <a:p>
-            <a:r>
-              <a:rPr lang="en-US" sz="1200" kern="1200" dirty="0" smtClean="0">
-                <a:solidFill>
-                  <a:schemeClr val="tx1"/>
-                </a:solidFill>
-                <a:effectLst/>
-                <a:latin typeface="+mn-lt"/>
-                <a:ea typeface="+mn-ea"/>
-                <a:cs typeface="+mn-cs"/>
-              </a:rPr>
-              <a:t> </a:t>
-            </a:r>
-          </a:p>
-          <a:p>
-            <a:r>
-              <a:rPr lang="en-US" sz="1200" kern="1200" dirty="0" smtClean="0">
-                <a:solidFill>
-                  <a:schemeClr val="tx1"/>
-                </a:solidFill>
-                <a:effectLst/>
-                <a:latin typeface="+mn-lt"/>
-                <a:ea typeface="+mn-ea"/>
-                <a:cs typeface="+mn-cs"/>
-              </a:rPr>
-              <a:t>Both APIs return a </a:t>
-            </a:r>
-            <a:r>
-              <a:rPr lang="en-US" sz="1200" kern="1200" dirty="0" err="1" smtClean="0">
-                <a:solidFill>
-                  <a:schemeClr val="tx1"/>
-                </a:solidFill>
-                <a:effectLst/>
-                <a:latin typeface="+mn-lt"/>
-                <a:ea typeface="+mn-ea"/>
-                <a:cs typeface="+mn-cs"/>
-              </a:rPr>
-              <a:t>StorageFolder</a:t>
-            </a:r>
-            <a:r>
-              <a:rPr lang="en-US" sz="1200" kern="1200" dirty="0" smtClean="0">
-                <a:solidFill>
-                  <a:schemeClr val="tx1"/>
-                </a:solidFill>
-                <a:effectLst/>
-                <a:latin typeface="+mn-lt"/>
-                <a:ea typeface="+mn-ea"/>
-                <a:cs typeface="+mn-cs"/>
-              </a:rPr>
-              <a:t> so it's not like they are completely different things. Hiding unsupported APIs would make this work much more transparently for developers...</a:t>
+              <a:t>Introducing universal Windows apps</a:t>
+            </a:r>
+            <a:r>
+              <a:rPr lang="en-US" dirty="0" smtClean="0"/>
+              <a:t>.</a:t>
             </a:r>
           </a:p>
           <a:p>
@@ -1237,7 +993,7 @@
           <a:p>
             <a:fld id="{A2AA3467-A656-4BD3-B32C-EEE9B6E3198D}" type="slidenum">
               <a:rPr lang="en-US" smtClean="0"/>
-              <a:t>7</a:t>
+              <a:t>4</a:t>
             </a:fld>
             <a:endParaRPr lang="en-US"/>
           </a:p>
@@ -1246,7 +1002,7 @@
     </p:spTree>
     <p:extLst>
       <p:ext uri="{BB962C8B-B14F-4D97-AF65-F5344CB8AC3E}">
-        <p14:creationId xmlns:p14="http://schemas.microsoft.com/office/powerpoint/2010/main" val="3742984032"/>
+        <p14:creationId xmlns:p14="http://schemas.microsoft.com/office/powerpoint/2010/main" val="955467210"/>
       </p:ext>
     </p:extLst>
   </p:cSld>
@@ -1300,35 +1056,331 @@
           <a:bodyPr/>
           <a:lstStyle/>
           <a:p>
-            <a:pPr marL="0" marR="0" indent="0" algn="l" defTabSz="914400" rtl="0" eaLnBrk="1" fontAlgn="auto" latinLnBrk="0" hangingPunct="1">
-              <a:lnSpc>
-                <a:spcPct val="100000"/>
-              </a:lnSpc>
-              <a:spcBef>
-                <a:spcPts val="0"/>
-              </a:spcBef>
-              <a:spcAft>
-                <a:spcPts val="0"/>
-              </a:spcAft>
-              <a:buClrTx/>
-              <a:buSzTx/>
-              <a:buFontTx/>
-              <a:buNone/>
-              <a:tabLst/>
-              <a:defRPr/>
-            </a:pPr>
-            <a:r>
-              <a:rPr lang="en-US" dirty="0" err="1" smtClean="0"/>
-              <a:t>MvvmCross</a:t>
-            </a:r>
-            <a:r>
-              <a:rPr lang="en-US" baseline="0" dirty="0" smtClean="0"/>
-              <a:t> supports </a:t>
-            </a:r>
-            <a:r>
-              <a:rPr lang="en-US" dirty="0" err="1" smtClean="0"/>
-              <a:t>Xamarin</a:t>
-            </a:r>
+            <a:r>
+              <a:rPr lang="en-US" sz="1200" kern="1200" dirty="0" smtClean="0">
+                <a:solidFill>
+                  <a:schemeClr val="tx1"/>
+                </a:solidFill>
+                <a:effectLst/>
+                <a:latin typeface="+mn-lt"/>
+                <a:ea typeface="+mn-ea"/>
+                <a:cs typeface="+mn-cs"/>
+              </a:rPr>
+              <a:t>Demo!</a:t>
+            </a:r>
+          </a:p>
+          <a:p>
+            <a:endParaRPr lang="en-US" sz="1200" kern="1200" dirty="0" smtClean="0">
+              <a:solidFill>
+                <a:schemeClr val="tx1"/>
+              </a:solidFill>
+              <a:effectLst/>
+              <a:latin typeface="+mn-lt"/>
+              <a:ea typeface="+mn-ea"/>
+              <a:cs typeface="+mn-cs"/>
+            </a:endParaRPr>
+          </a:p>
+          <a:p>
+            <a:r>
+              <a:rPr lang="en-US" sz="1200" kern="1200" dirty="0" smtClean="0">
+                <a:solidFill>
+                  <a:schemeClr val="tx1"/>
+                </a:solidFill>
+                <a:effectLst/>
+                <a:latin typeface="+mn-lt"/>
+                <a:ea typeface="+mn-ea"/>
+                <a:cs typeface="+mn-cs"/>
+              </a:rPr>
+              <a:t>Be careful</a:t>
+            </a:r>
+            <a:r>
+              <a:rPr lang="en-US" sz="1200" kern="1200" baseline="0" dirty="0" smtClean="0">
+                <a:solidFill>
+                  <a:schemeClr val="tx1"/>
+                </a:solidFill>
+                <a:effectLst/>
+                <a:latin typeface="+mn-lt"/>
+                <a:ea typeface="+mn-ea"/>
+                <a:cs typeface="+mn-cs"/>
+              </a:rPr>
+              <a:t> trusting </a:t>
+            </a:r>
+            <a:r>
+              <a:rPr lang="en-US" sz="1200" kern="1200" baseline="0" dirty="0" err="1" smtClean="0">
+                <a:solidFill>
+                  <a:schemeClr val="tx1"/>
+                </a:solidFill>
+                <a:effectLst/>
+                <a:latin typeface="+mn-lt"/>
+                <a:ea typeface="+mn-ea"/>
+                <a:cs typeface="+mn-cs"/>
+              </a:rPr>
+              <a:t>intelisense</a:t>
+            </a:r>
+            <a:r>
+              <a:rPr lang="en-US" sz="1200" kern="1200" baseline="0" dirty="0" smtClean="0">
+                <a:solidFill>
+                  <a:schemeClr val="tx1"/>
+                </a:solidFill>
+                <a:effectLst/>
+                <a:latin typeface="+mn-lt"/>
+                <a:ea typeface="+mn-ea"/>
+                <a:cs typeface="+mn-cs"/>
+              </a:rPr>
+              <a:t>.  In store and phone apps there are cases where a class is valid for store but not phone and there is nothing in </a:t>
+            </a:r>
+            <a:r>
+              <a:rPr lang="en-US" sz="1200" kern="1200" baseline="0" dirty="0" err="1" smtClean="0">
+                <a:solidFill>
+                  <a:schemeClr val="tx1"/>
+                </a:solidFill>
+                <a:effectLst/>
+                <a:latin typeface="+mn-lt"/>
+                <a:ea typeface="+mn-ea"/>
+                <a:cs typeface="+mn-cs"/>
+              </a:rPr>
+              <a:t>intelisense</a:t>
+            </a:r>
+            <a:r>
+              <a:rPr lang="en-US" sz="1200" kern="1200" baseline="0" dirty="0" smtClean="0">
+                <a:solidFill>
+                  <a:schemeClr val="tx1"/>
+                </a:solidFill>
+                <a:effectLst/>
+                <a:latin typeface="+mn-lt"/>
+                <a:ea typeface="+mn-ea"/>
+                <a:cs typeface="+mn-cs"/>
+              </a:rPr>
+              <a:t> to warn you if phone is not supported.</a:t>
+            </a:r>
+            <a:endParaRPr lang="en-US" sz="1200" kern="1200" dirty="0" smtClean="0">
+              <a:solidFill>
+                <a:schemeClr val="tx1"/>
+              </a:solidFill>
+              <a:effectLst/>
+              <a:latin typeface="+mn-lt"/>
+              <a:ea typeface="+mn-ea"/>
+              <a:cs typeface="+mn-cs"/>
+            </a:endParaRPr>
+          </a:p>
+          <a:p>
+            <a:endParaRPr lang="en-US" sz="1200" kern="1200" dirty="0" smtClean="0">
+              <a:solidFill>
+                <a:schemeClr val="tx1"/>
+              </a:solidFill>
+              <a:effectLst/>
+              <a:latin typeface="+mn-lt"/>
+              <a:ea typeface="+mn-ea"/>
+              <a:cs typeface="+mn-cs"/>
+            </a:endParaRPr>
+          </a:p>
+          <a:p>
+            <a:r>
+              <a:rPr lang="en-US" sz="1200" kern="1200" dirty="0" smtClean="0">
+                <a:solidFill>
+                  <a:schemeClr val="tx1"/>
+                </a:solidFill>
+                <a:effectLst/>
+                <a:latin typeface="+mn-lt"/>
+                <a:ea typeface="+mn-ea"/>
+                <a:cs typeface="+mn-cs"/>
+              </a:rPr>
+              <a:t>Strongly agree here, it's confusing because you never know for sure when an API you use will blow up on either platform, unless you try it out (or read the docs, TBH). One of such examples is in </a:t>
+            </a:r>
+            <a:r>
+              <a:rPr lang="en-US" sz="1200" kern="1200" dirty="0" err="1" smtClean="0">
+                <a:solidFill>
+                  <a:schemeClr val="tx1"/>
+                </a:solidFill>
+                <a:effectLst/>
+                <a:latin typeface="+mn-lt"/>
+                <a:ea typeface="+mn-ea"/>
+                <a:cs typeface="+mn-cs"/>
+              </a:rPr>
+              <a:t>Windows.Storage</a:t>
+            </a:r>
+            <a:r>
+              <a:rPr lang="en-US" sz="1200" kern="1200" dirty="0" smtClean="0">
+                <a:solidFill>
+                  <a:schemeClr val="tx1"/>
+                </a:solidFill>
+                <a:effectLst/>
+                <a:latin typeface="+mn-lt"/>
+                <a:ea typeface="+mn-ea"/>
+                <a:cs typeface="+mn-cs"/>
+              </a:rPr>
+              <a:t> namespace:</a:t>
+            </a:r>
+          </a:p>
+          <a:p>
+            <a:r>
+              <a:rPr lang="en-US" sz="1200" kern="1200" dirty="0" smtClean="0">
+                <a:solidFill>
+                  <a:schemeClr val="tx1"/>
+                </a:solidFill>
+                <a:effectLst/>
+                <a:latin typeface="+mn-lt"/>
+                <a:ea typeface="+mn-ea"/>
+                <a:cs typeface="+mn-cs"/>
+              </a:rPr>
+              <a:t> </a:t>
+            </a:r>
+          </a:p>
+          <a:p>
+            <a:r>
+              <a:rPr lang="en-US" sz="1200" kern="1200" dirty="0" err="1" smtClean="0">
+                <a:solidFill>
+                  <a:schemeClr val="tx1"/>
+                </a:solidFill>
+                <a:effectLst/>
+                <a:latin typeface="+mn-lt"/>
+                <a:ea typeface="+mn-ea"/>
+                <a:cs typeface="+mn-cs"/>
+              </a:rPr>
+              <a:t>KnownFolders.MediaServerDevices</a:t>
+            </a:r>
+            <a:r>
+              <a:rPr lang="en-US" sz="1200" kern="1200" dirty="0" smtClean="0">
+                <a:solidFill>
+                  <a:schemeClr val="tx1"/>
+                </a:solidFill>
+                <a:effectLst/>
+                <a:latin typeface="+mn-lt"/>
+                <a:ea typeface="+mn-ea"/>
+                <a:cs typeface="+mn-cs"/>
+              </a:rPr>
+              <a:t> exists on both platforms, but using it in Windows Phone would blow up "unexpectedly".</a:t>
+            </a:r>
+          </a:p>
+          <a:p>
+            <a:r>
+              <a:rPr lang="en-US" sz="1200" kern="1200" dirty="0" smtClean="0">
+                <a:solidFill>
+                  <a:schemeClr val="tx1"/>
+                </a:solidFill>
+                <a:effectLst/>
+                <a:latin typeface="+mn-lt"/>
+                <a:ea typeface="+mn-ea"/>
+                <a:cs typeface="+mn-cs"/>
+              </a:rPr>
+              <a:t> </a:t>
+            </a:r>
+          </a:p>
+          <a:p>
+            <a:r>
+              <a:rPr lang="en-US" sz="1200" kern="1200" dirty="0" smtClean="0">
+                <a:solidFill>
+                  <a:schemeClr val="tx1"/>
+                </a:solidFill>
+                <a:effectLst/>
+                <a:latin typeface="+mn-lt"/>
+                <a:ea typeface="+mn-ea"/>
+                <a:cs typeface="+mn-cs"/>
+              </a:rPr>
+              <a:t>On the other hand, </a:t>
+            </a:r>
+            <a:r>
+              <a:rPr lang="en-US" sz="1200" kern="1200" dirty="0" err="1" smtClean="0">
+                <a:solidFill>
+                  <a:schemeClr val="tx1"/>
+                </a:solidFill>
+                <a:effectLst/>
+                <a:latin typeface="+mn-lt"/>
+                <a:ea typeface="+mn-ea"/>
+                <a:cs typeface="+mn-cs"/>
+              </a:rPr>
+              <a:t>ApplicationData.Current.LocalCacheFolder</a:t>
+            </a:r>
+            <a:r>
+              <a:rPr lang="en-US" sz="1200" kern="1200" dirty="0" smtClean="0">
+                <a:solidFill>
+                  <a:schemeClr val="tx1"/>
+                </a:solidFill>
+                <a:effectLst/>
+                <a:latin typeface="+mn-lt"/>
+                <a:ea typeface="+mn-ea"/>
+                <a:cs typeface="+mn-cs"/>
+              </a:rPr>
+              <a:t> exists only on Windows Phone and you can't compile a Store project until you #</a:t>
+            </a:r>
+            <a:r>
+              <a:rPr lang="en-US" sz="1200" kern="1200" dirty="0" err="1" smtClean="0">
+                <a:solidFill>
+                  <a:schemeClr val="tx1"/>
+                </a:solidFill>
+                <a:effectLst/>
+                <a:latin typeface="+mn-lt"/>
+                <a:ea typeface="+mn-ea"/>
+                <a:cs typeface="+mn-cs"/>
+              </a:rPr>
+              <a:t>ifdef</a:t>
+            </a:r>
+            <a:r>
+              <a:rPr lang="en-US" sz="1200" kern="1200" dirty="0" smtClean="0">
+                <a:solidFill>
+                  <a:schemeClr val="tx1"/>
+                </a:solidFill>
+                <a:effectLst/>
+                <a:latin typeface="+mn-lt"/>
+                <a:ea typeface="+mn-ea"/>
+                <a:cs typeface="+mn-cs"/>
+              </a:rPr>
+              <a:t> it out.</a:t>
+            </a:r>
+          </a:p>
+          <a:p>
+            <a:r>
+              <a:rPr lang="en-US" sz="1200" kern="1200" dirty="0" smtClean="0">
+                <a:solidFill>
+                  <a:schemeClr val="tx1"/>
+                </a:solidFill>
+                <a:effectLst/>
+                <a:latin typeface="+mn-lt"/>
+                <a:ea typeface="+mn-ea"/>
+                <a:cs typeface="+mn-cs"/>
+              </a:rPr>
+              <a:t> </a:t>
+            </a:r>
+          </a:p>
+          <a:p>
+            <a:r>
+              <a:rPr lang="en-US" sz="1200" kern="1200" dirty="0" smtClean="0">
+                <a:solidFill>
+                  <a:schemeClr val="tx1"/>
+                </a:solidFill>
+                <a:effectLst/>
+                <a:latin typeface="+mn-lt"/>
+                <a:ea typeface="+mn-ea"/>
+                <a:cs typeface="+mn-cs"/>
+              </a:rPr>
+              <a:t>Both APIs return a </a:t>
+            </a:r>
+            <a:r>
+              <a:rPr lang="en-US" sz="1200" kern="1200" dirty="0" err="1" smtClean="0">
+                <a:solidFill>
+                  <a:schemeClr val="tx1"/>
+                </a:solidFill>
+                <a:effectLst/>
+                <a:latin typeface="+mn-lt"/>
+                <a:ea typeface="+mn-ea"/>
+                <a:cs typeface="+mn-cs"/>
+              </a:rPr>
+              <a:t>StorageFolder</a:t>
+            </a:r>
+            <a:r>
+              <a:rPr lang="en-US" sz="1200" kern="1200" dirty="0" smtClean="0">
+                <a:solidFill>
+                  <a:schemeClr val="tx1"/>
+                </a:solidFill>
+                <a:effectLst/>
+                <a:latin typeface="+mn-lt"/>
+                <a:ea typeface="+mn-ea"/>
+                <a:cs typeface="+mn-cs"/>
+              </a:rPr>
+              <a:t> so it's not like they are completely different things. Hiding unsupported APIs would make this work much more transparently for developers...</a:t>
+            </a:r>
+          </a:p>
+          <a:p>
             <a:endParaRPr lang="en-US" dirty="0" smtClean="0"/>
           </a:p>
           <a:p>
@@ -1353,7 +1405,7 @@
           <a:p>
             <a:fld id="{A2AA3467-A656-4BD3-B32C-EEE9B6E3198D}" type="slidenum">
               <a:rPr lang="en-US" smtClean="0"/>
-              <a:t>9</a:t>
+              <a:t>7</a:t>
             </a:fld>
             <a:endParaRPr lang="en-US"/>
           </a:p>
@@ -1362,7 +1414,7 @@
     </p:spTree>
     <p:extLst>
       <p:ext uri="{BB962C8B-B14F-4D97-AF65-F5344CB8AC3E}">
-        <p14:creationId xmlns:p14="http://schemas.microsoft.com/office/powerpoint/2010/main" val="3827657383"/>
+        <p14:creationId xmlns:p14="http://schemas.microsoft.com/office/powerpoint/2010/main" val="3742984032"/>
       </p:ext>
     </p:extLst>
   </p:cSld>
@@ -1416,6 +1468,38 @@
           <a:bodyPr/>
           <a:lstStyle/>
           <a:p>
+            <a:pPr marL="0" marR="0" indent="0" algn="l" defTabSz="914400" rtl="0" eaLnBrk="1" fontAlgn="auto" latinLnBrk="0" hangingPunct="1">
+              <a:lnSpc>
+                <a:spcPct val="100000"/>
+              </a:lnSpc>
+              <a:spcBef>
+                <a:spcPts val="0"/>
+              </a:spcBef>
+              <a:spcAft>
+                <a:spcPts val="0"/>
+              </a:spcAft>
+              <a:buClrTx/>
+              <a:buSzTx/>
+              <a:buFontTx/>
+              <a:buNone/>
+              <a:tabLst/>
+              <a:defRPr/>
+            </a:pPr>
+            <a:r>
+              <a:rPr lang="en-US" dirty="0" err="1" smtClean="0"/>
+              <a:t>MvvmCross</a:t>
+            </a:r>
+            <a:r>
+              <a:rPr lang="en-US" baseline="0" dirty="0" smtClean="0"/>
+              <a:t> supports </a:t>
+            </a:r>
+            <a:r>
+              <a:rPr lang="en-US" dirty="0" err="1" smtClean="0"/>
+              <a:t>Xamarin</a:t>
+            </a:r>
+            <a:endParaRPr lang="en-US" dirty="0" smtClean="0"/>
+          </a:p>
+          <a:p>
             <a:endParaRPr lang="en-US" dirty="0"/>
           </a:p>
         </p:txBody>
@@ -1437,7 +1521,7 @@
           <a:p>
             <a:fld id="{A2AA3467-A656-4BD3-B32C-EEE9B6E3198D}" type="slidenum">
               <a:rPr lang="en-US" smtClean="0"/>
-              <a:t>12</a:t>
+              <a:t>9</a:t>
             </a:fld>
             <a:endParaRPr lang="en-US"/>
           </a:p>
@@ -1446,7 +1530,7 @@
     </p:spTree>
     <p:extLst>
       <p:ext uri="{BB962C8B-B14F-4D97-AF65-F5344CB8AC3E}">
-        <p14:creationId xmlns:p14="http://schemas.microsoft.com/office/powerpoint/2010/main" val="3680559571"/>
+        <p14:creationId xmlns:p14="http://schemas.microsoft.com/office/powerpoint/2010/main" val="3827657383"/>
       </p:ext>
     </p:extLst>
   </p:cSld>
@@ -1521,7 +1605,7 @@
           <a:p>
             <a:fld id="{A2AA3467-A656-4BD3-B32C-EEE9B6E3198D}" type="slidenum">
               <a:rPr lang="en-US" smtClean="0"/>
-              <a:t>13</a:t>
+              <a:t>12</a:t>
             </a:fld>
             <a:endParaRPr lang="en-US"/>
           </a:p>
@@ -1530,7 +1614,7 @@
     </p:spTree>
     <p:extLst>
       <p:ext uri="{BB962C8B-B14F-4D97-AF65-F5344CB8AC3E}">
-        <p14:creationId xmlns:p14="http://schemas.microsoft.com/office/powerpoint/2010/main" val="4184436739"/>
+        <p14:creationId xmlns:p14="http://schemas.microsoft.com/office/powerpoint/2010/main" val="3680559571"/>
       </p:ext>
     </p:extLst>
   </p:cSld>
@@ -1605,7 +1689,7 @@
           <a:p>
             <a:fld id="{A2AA3467-A656-4BD3-B32C-EEE9B6E3198D}" type="slidenum">
               <a:rPr lang="en-US" smtClean="0"/>
-              <a:t>14</a:t>
+              <a:t>13</a:t>
             </a:fld>
             <a:endParaRPr lang="en-US"/>
           </a:p>
@@ -1614,7 +1698,7 @@
     </p:spTree>
     <p:extLst>
       <p:ext uri="{BB962C8B-B14F-4D97-AF65-F5344CB8AC3E}">
-        <p14:creationId xmlns:p14="http://schemas.microsoft.com/office/powerpoint/2010/main" val="2946261904"/>
+        <p14:creationId xmlns:p14="http://schemas.microsoft.com/office/powerpoint/2010/main" val="4184436739"/>
       </p:ext>
     </p:extLst>
   </p:cSld>
@@ -1689,7 +1773,7 @@
           <a:p>
             <a:fld id="{A2AA3467-A656-4BD3-B32C-EEE9B6E3198D}" type="slidenum">
               <a:rPr lang="en-US" smtClean="0"/>
-              <a:t>15</a:t>
+              <a:t>14</a:t>
             </a:fld>
             <a:endParaRPr lang="en-US"/>
           </a:p>
@@ -1698,7 +1782,7 @@
     </p:spTree>
     <p:extLst>
       <p:ext uri="{BB962C8B-B14F-4D97-AF65-F5344CB8AC3E}">
-        <p14:creationId xmlns:p14="http://schemas.microsoft.com/office/powerpoint/2010/main" val="2553666416"/>
+        <p14:creationId xmlns:p14="http://schemas.microsoft.com/office/powerpoint/2010/main" val="2946261904"/>
       </p:ext>
     </p:extLst>
   </p:cSld>
@@ -1773,7 +1857,7 @@
           <a:p>
             <a:fld id="{A2AA3467-A656-4BD3-B32C-EEE9B6E3198D}" type="slidenum">
               <a:rPr lang="en-US" smtClean="0"/>
-              <a:t>16</a:t>
+              <a:t>15</a:t>
             </a:fld>
             <a:endParaRPr lang="en-US"/>
           </a:p>
@@ -1782,7 +1866,7 @@
     </p:spTree>
     <p:extLst>
       <p:ext uri="{BB962C8B-B14F-4D97-AF65-F5344CB8AC3E}">
-        <p14:creationId xmlns:p14="http://schemas.microsoft.com/office/powerpoint/2010/main" val="1218245915"/>
+        <p14:creationId xmlns:p14="http://schemas.microsoft.com/office/powerpoint/2010/main" val="2553666416"/>
       </p:ext>
     </p:extLst>
   </p:cSld>
@@ -6399,7 +6483,7 @@
         <p:spPr>
           <a:xfrm>
             <a:off x="507868" y="1412875"/>
-            <a:ext cx="11173090" cy="4776692"/>
+            <a:ext cx="11173090" cy="5860066"/>
           </a:xfrm>
         </p:spPr>
         <p:txBody>
@@ -6450,8 +6534,21 @@
           <a:p>
             <a:r>
               <a:rPr lang="en-US" dirty="0"/>
-              <a:t>Implementing Portable Class Libraries</a:t>
-            </a:r>
+              <a:t>Implementing Portable Class </a:t>
+            </a:r>
+            <a:r>
+              <a:rPr lang="en-US" dirty="0" smtClean="0"/>
+              <a:t>Libraries</a:t>
+            </a:r>
+          </a:p>
+          <a:p>
+            <a:r>
+              <a:rPr lang="en-US" dirty="0"/>
+              <a:t>Some ways to share code with Desktop</a:t>
+            </a:r>
+          </a:p>
+          <a:p>
+            <a:endParaRPr lang="en-US" dirty="0"/>
           </a:p>
           <a:p>
             <a:endParaRPr lang="en-US" dirty="0"/>
@@ -6611,7 +6708,7 @@
         <p:spPr>
           <a:xfrm>
             <a:off x="507868" y="1412875"/>
-            <a:ext cx="11173090" cy="3053144"/>
+            <a:ext cx="11173090" cy="4579715"/>
           </a:xfrm>
         </p:spPr>
         <p:txBody>
@@ -6620,14 +6717,38 @@
           <a:p>
             <a:r>
               <a:rPr lang="en-US" dirty="0"/>
-              <a:t>Developer for TechSmith Corp</a:t>
-            </a:r>
+              <a:t>Developer for TechSmith </a:t>
+            </a:r>
+            <a:r>
+              <a:rPr lang="en-US" dirty="0" smtClean="0"/>
+              <a:t>Corp aka the </a:t>
+            </a:r>
+            <a:r>
+              <a:rPr lang="en-US" dirty="0" err="1" smtClean="0"/>
+              <a:t>Snagit</a:t>
+            </a:r>
+            <a:r>
+              <a:rPr lang="en-US" dirty="0" smtClean="0"/>
+              <a:t> and Camtasia guys </a:t>
+            </a:r>
+            <a:endParaRPr lang="en-US" dirty="0"/>
           </a:p>
           <a:p>
             <a:r>
               <a:rPr lang="en-US" dirty="0"/>
-              <a:t>Almost 20 year of professional experience</a:t>
-            </a:r>
+              <a:t>Almost 20 year of professional </a:t>
+            </a:r>
+            <a:r>
+              <a:rPr lang="en-US" dirty="0" smtClean="0"/>
+              <a:t>experience</a:t>
+            </a:r>
+          </a:p>
+          <a:p>
+            <a:r>
+              <a:rPr lang="en-US" dirty="0" smtClean="0"/>
+              <a:t>Another 20 years of writing code for fun starting on a TRS-80 Model II</a:t>
+            </a:r>
+            <a:endParaRPr lang="en-US" dirty="0"/>
           </a:p>
           <a:p>
             <a:r>
@@ -6638,8 +6759,19 @@
           <a:p>
             <a:r>
               <a:rPr lang="en-US" dirty="0"/>
-              <a:t>Previous experience in everything from GW Basic to Cobol to C to Java on PC, Unix, and Mainframe.</a:t>
-            </a:r>
+              <a:t>Previous experience in everything from GW Basic to Cobol to C to Java on PC, Unix, and Mainframe</a:t>
+            </a:r>
+            <a:r>
+              <a:rPr lang="en-US" dirty="0" smtClean="0"/>
+              <a:t>.</a:t>
+            </a:r>
+          </a:p>
+          <a:p>
+            <a:r>
+              <a:rPr lang="en-US" dirty="0" smtClean="0"/>
+              <a:t>Written code to both support business and also as a business</a:t>
+            </a:r>
+            <a:endParaRPr lang="en-US" dirty="0"/>
           </a:p>
           <a:p>
             <a:endParaRPr lang="en-US" dirty="0"/>
